--- a/FRA/Qualitative effects (FRA).pptx
+++ b/FRA/Qualitative effects (FRA).pptx
@@ -7,14 +7,16 @@
   <p:sldIdLst>
     <p:sldId id="256" r:id="rId2"/>
     <p:sldId id="257" r:id="rId3"/>
-    <p:sldId id="265" r:id="rId4"/>
-    <p:sldId id="258" r:id="rId5"/>
-    <p:sldId id="259" r:id="rId6"/>
-    <p:sldId id="261" r:id="rId7"/>
-    <p:sldId id="260" r:id="rId8"/>
-    <p:sldId id="262" r:id="rId9"/>
-    <p:sldId id="263" r:id="rId10"/>
-    <p:sldId id="264" r:id="rId11"/>
+    <p:sldId id="266" r:id="rId4"/>
+    <p:sldId id="267" r:id="rId5"/>
+    <p:sldId id="265" r:id="rId6"/>
+    <p:sldId id="258" r:id="rId7"/>
+    <p:sldId id="259" r:id="rId8"/>
+    <p:sldId id="261" r:id="rId9"/>
+    <p:sldId id="260" r:id="rId10"/>
+    <p:sldId id="262" r:id="rId11"/>
+    <p:sldId id="263" r:id="rId12"/>
+    <p:sldId id="264" r:id="rId13"/>
   </p:sldIdLst>
   <p:sldSz cx="12192000" cy="6858000"/>
   <p:notesSz cx="6858000" cy="9144000"/>
@@ -143,7 +145,7 @@
           <p:cNvPr id="2" name="Title 1">
             <a:extLst>
               <a:ext uri="{FF2B5EF4-FFF2-40B4-BE49-F238E27FC236}">
-                <a16:creationId xmlns="" xmlns:a16="http://schemas.microsoft.com/office/drawing/2014/main" id="{B05912D0-1206-4940-BF2D-1469575047BA}"/>
+                <a16:creationId xmlns:a16="http://schemas.microsoft.com/office/drawing/2014/main" xmlns="" id="{B05912D0-1206-4940-BF2D-1469575047BA}"/>
               </a:ext>
             </a:extLst>
           </p:cNvPr>
@@ -180,7 +182,7 @@
           <p:cNvPr id="3" name="Subtitle 2">
             <a:extLst>
               <a:ext uri="{FF2B5EF4-FFF2-40B4-BE49-F238E27FC236}">
-                <a16:creationId xmlns="" xmlns:a16="http://schemas.microsoft.com/office/drawing/2014/main" id="{216F8B8E-CE8A-C345-9E35-34F8B2950ED0}"/>
+                <a16:creationId xmlns:a16="http://schemas.microsoft.com/office/drawing/2014/main" xmlns="" id="{216F8B8E-CE8A-C345-9E35-34F8B2950ED0}"/>
               </a:ext>
             </a:extLst>
           </p:cNvPr>
@@ -250,7 +252,7 @@
           <p:cNvPr id="4" name="Date Placeholder 3">
             <a:extLst>
               <a:ext uri="{FF2B5EF4-FFF2-40B4-BE49-F238E27FC236}">
-                <a16:creationId xmlns="" xmlns:a16="http://schemas.microsoft.com/office/drawing/2014/main" id="{052CB1BC-A066-1B4D-99E3-448EDB9D669D}"/>
+                <a16:creationId xmlns:a16="http://schemas.microsoft.com/office/drawing/2014/main" xmlns="" id="{052CB1BC-A066-1B4D-99E3-448EDB9D669D}"/>
               </a:ext>
             </a:extLst>
           </p:cNvPr>
@@ -279,7 +281,7 @@
           <p:cNvPr id="5" name="Footer Placeholder 4">
             <a:extLst>
               <a:ext uri="{FF2B5EF4-FFF2-40B4-BE49-F238E27FC236}">
-                <a16:creationId xmlns="" xmlns:a16="http://schemas.microsoft.com/office/drawing/2014/main" id="{7478779C-ECAC-684E-BD72-A7AD6696FCC8}"/>
+                <a16:creationId xmlns:a16="http://schemas.microsoft.com/office/drawing/2014/main" xmlns="" id="{7478779C-ECAC-684E-BD72-A7AD6696FCC8}"/>
               </a:ext>
             </a:extLst>
           </p:cNvPr>
@@ -304,7 +306,7 @@
           <p:cNvPr id="6" name="Slide Number Placeholder 5">
             <a:extLst>
               <a:ext uri="{FF2B5EF4-FFF2-40B4-BE49-F238E27FC236}">
-                <a16:creationId xmlns="" xmlns:a16="http://schemas.microsoft.com/office/drawing/2014/main" id="{15793FC4-245C-8448-85E1-BC450197BBCD}"/>
+                <a16:creationId xmlns:a16="http://schemas.microsoft.com/office/drawing/2014/main" xmlns="" id="{15793FC4-245C-8448-85E1-BC450197BBCD}"/>
               </a:ext>
             </a:extLst>
           </p:cNvPr>
@@ -363,7 +365,7 @@
           <p:cNvPr id="2" name="Title 1">
             <a:extLst>
               <a:ext uri="{FF2B5EF4-FFF2-40B4-BE49-F238E27FC236}">
-                <a16:creationId xmlns="" xmlns:a16="http://schemas.microsoft.com/office/drawing/2014/main" id="{26AAFE84-2D30-3149-B59E-44BF6824A6C6}"/>
+                <a16:creationId xmlns:a16="http://schemas.microsoft.com/office/drawing/2014/main" xmlns="" id="{26AAFE84-2D30-3149-B59E-44BF6824A6C6}"/>
               </a:ext>
             </a:extLst>
           </p:cNvPr>
@@ -391,7 +393,7 @@
           <p:cNvPr id="3" name="Vertical Text Placeholder 2">
             <a:extLst>
               <a:ext uri="{FF2B5EF4-FFF2-40B4-BE49-F238E27FC236}">
-                <a16:creationId xmlns="" xmlns:a16="http://schemas.microsoft.com/office/drawing/2014/main" id="{296E7605-CC1B-9A40-8403-71AA41403078}"/>
+                <a16:creationId xmlns:a16="http://schemas.microsoft.com/office/drawing/2014/main" xmlns="" id="{296E7605-CC1B-9A40-8403-71AA41403078}"/>
               </a:ext>
             </a:extLst>
           </p:cNvPr>
@@ -448,7 +450,7 @@
           <p:cNvPr id="4" name="Date Placeholder 3">
             <a:extLst>
               <a:ext uri="{FF2B5EF4-FFF2-40B4-BE49-F238E27FC236}">
-                <a16:creationId xmlns="" xmlns:a16="http://schemas.microsoft.com/office/drawing/2014/main" id="{920229F3-8E32-8841-BEBB-0F290E2CEE97}"/>
+                <a16:creationId xmlns:a16="http://schemas.microsoft.com/office/drawing/2014/main" xmlns="" id="{920229F3-8E32-8841-BEBB-0F290E2CEE97}"/>
               </a:ext>
             </a:extLst>
           </p:cNvPr>
@@ -477,7 +479,7 @@
           <p:cNvPr id="5" name="Footer Placeholder 4">
             <a:extLst>
               <a:ext uri="{FF2B5EF4-FFF2-40B4-BE49-F238E27FC236}">
-                <a16:creationId xmlns="" xmlns:a16="http://schemas.microsoft.com/office/drawing/2014/main" id="{B3184893-19BF-6F40-85B8-40F467DB5181}"/>
+                <a16:creationId xmlns:a16="http://schemas.microsoft.com/office/drawing/2014/main" xmlns="" id="{B3184893-19BF-6F40-85B8-40F467DB5181}"/>
               </a:ext>
             </a:extLst>
           </p:cNvPr>
@@ -502,7 +504,7 @@
           <p:cNvPr id="6" name="Slide Number Placeholder 5">
             <a:extLst>
               <a:ext uri="{FF2B5EF4-FFF2-40B4-BE49-F238E27FC236}">
-                <a16:creationId xmlns="" xmlns:a16="http://schemas.microsoft.com/office/drawing/2014/main" id="{32D120C1-91DA-EC4B-90F3-6C13FE71AC78}"/>
+                <a16:creationId xmlns:a16="http://schemas.microsoft.com/office/drawing/2014/main" xmlns="" id="{32D120C1-91DA-EC4B-90F3-6C13FE71AC78}"/>
               </a:ext>
             </a:extLst>
           </p:cNvPr>
@@ -561,7 +563,7 @@
           <p:cNvPr id="2" name="Vertical Title 1">
             <a:extLst>
               <a:ext uri="{FF2B5EF4-FFF2-40B4-BE49-F238E27FC236}">
-                <a16:creationId xmlns="" xmlns:a16="http://schemas.microsoft.com/office/drawing/2014/main" id="{64BF3082-59FA-8E4B-853E-C99DB118E26D}"/>
+                <a16:creationId xmlns:a16="http://schemas.microsoft.com/office/drawing/2014/main" xmlns="" id="{64BF3082-59FA-8E4B-853E-C99DB118E26D}"/>
               </a:ext>
             </a:extLst>
           </p:cNvPr>
@@ -594,7 +596,7 @@
           <p:cNvPr id="3" name="Vertical Text Placeholder 2">
             <a:extLst>
               <a:ext uri="{FF2B5EF4-FFF2-40B4-BE49-F238E27FC236}">
-                <a16:creationId xmlns="" xmlns:a16="http://schemas.microsoft.com/office/drawing/2014/main" id="{0F793994-E586-CE43-A374-D8711BED74AA}"/>
+                <a16:creationId xmlns:a16="http://schemas.microsoft.com/office/drawing/2014/main" xmlns="" id="{0F793994-E586-CE43-A374-D8711BED74AA}"/>
               </a:ext>
             </a:extLst>
           </p:cNvPr>
@@ -656,7 +658,7 @@
           <p:cNvPr id="4" name="Date Placeholder 3">
             <a:extLst>
               <a:ext uri="{FF2B5EF4-FFF2-40B4-BE49-F238E27FC236}">
-                <a16:creationId xmlns="" xmlns:a16="http://schemas.microsoft.com/office/drawing/2014/main" id="{FD7FB6A7-5B1A-6142-8C4F-A301449FD7F3}"/>
+                <a16:creationId xmlns:a16="http://schemas.microsoft.com/office/drawing/2014/main" xmlns="" id="{FD7FB6A7-5B1A-6142-8C4F-A301449FD7F3}"/>
               </a:ext>
             </a:extLst>
           </p:cNvPr>
@@ -685,7 +687,7 @@
           <p:cNvPr id="5" name="Footer Placeholder 4">
             <a:extLst>
               <a:ext uri="{FF2B5EF4-FFF2-40B4-BE49-F238E27FC236}">
-                <a16:creationId xmlns="" xmlns:a16="http://schemas.microsoft.com/office/drawing/2014/main" id="{AFA04DFC-A954-BE46-88BF-1FE5893283E6}"/>
+                <a16:creationId xmlns:a16="http://schemas.microsoft.com/office/drawing/2014/main" xmlns="" id="{AFA04DFC-A954-BE46-88BF-1FE5893283E6}"/>
               </a:ext>
             </a:extLst>
           </p:cNvPr>
@@ -710,7 +712,7 @@
           <p:cNvPr id="6" name="Slide Number Placeholder 5">
             <a:extLst>
               <a:ext uri="{FF2B5EF4-FFF2-40B4-BE49-F238E27FC236}">
-                <a16:creationId xmlns="" xmlns:a16="http://schemas.microsoft.com/office/drawing/2014/main" id="{6CE97A62-AA1C-BD45-B66F-70E46B30F21E}"/>
+                <a16:creationId xmlns:a16="http://schemas.microsoft.com/office/drawing/2014/main" xmlns="" id="{6CE97A62-AA1C-BD45-B66F-70E46B30F21E}"/>
               </a:ext>
             </a:extLst>
           </p:cNvPr>
@@ -769,7 +771,7 @@
           <p:cNvPr id="2" name="Title 1">
             <a:extLst>
               <a:ext uri="{FF2B5EF4-FFF2-40B4-BE49-F238E27FC236}">
-                <a16:creationId xmlns="" xmlns:a16="http://schemas.microsoft.com/office/drawing/2014/main" id="{4180531F-CA59-2243-83C1-2ACD47EA28FB}"/>
+                <a16:creationId xmlns:a16="http://schemas.microsoft.com/office/drawing/2014/main" xmlns="" id="{4180531F-CA59-2243-83C1-2ACD47EA28FB}"/>
               </a:ext>
             </a:extLst>
           </p:cNvPr>
@@ -797,7 +799,7 @@
           <p:cNvPr id="3" name="Content Placeholder 2">
             <a:extLst>
               <a:ext uri="{FF2B5EF4-FFF2-40B4-BE49-F238E27FC236}">
-                <a16:creationId xmlns="" xmlns:a16="http://schemas.microsoft.com/office/drawing/2014/main" id="{67C84797-1F1E-2041-9AB3-3063DE7F1AFD}"/>
+                <a16:creationId xmlns:a16="http://schemas.microsoft.com/office/drawing/2014/main" xmlns="" id="{67C84797-1F1E-2041-9AB3-3063DE7F1AFD}"/>
               </a:ext>
             </a:extLst>
           </p:cNvPr>
@@ -854,7 +856,7 @@
           <p:cNvPr id="4" name="Date Placeholder 3">
             <a:extLst>
               <a:ext uri="{FF2B5EF4-FFF2-40B4-BE49-F238E27FC236}">
-                <a16:creationId xmlns="" xmlns:a16="http://schemas.microsoft.com/office/drawing/2014/main" id="{13A3BAF6-ED2E-F741-827E-A6F835697B6A}"/>
+                <a16:creationId xmlns:a16="http://schemas.microsoft.com/office/drawing/2014/main" xmlns="" id="{13A3BAF6-ED2E-F741-827E-A6F835697B6A}"/>
               </a:ext>
             </a:extLst>
           </p:cNvPr>
@@ -883,7 +885,7 @@
           <p:cNvPr id="5" name="Footer Placeholder 4">
             <a:extLst>
               <a:ext uri="{FF2B5EF4-FFF2-40B4-BE49-F238E27FC236}">
-                <a16:creationId xmlns="" xmlns:a16="http://schemas.microsoft.com/office/drawing/2014/main" id="{D0F7A1FC-9CAC-B546-8AF8-F886042CCC48}"/>
+                <a16:creationId xmlns:a16="http://schemas.microsoft.com/office/drawing/2014/main" xmlns="" id="{D0F7A1FC-9CAC-B546-8AF8-F886042CCC48}"/>
               </a:ext>
             </a:extLst>
           </p:cNvPr>
@@ -908,7 +910,7 @@
           <p:cNvPr id="6" name="Slide Number Placeholder 5">
             <a:extLst>
               <a:ext uri="{FF2B5EF4-FFF2-40B4-BE49-F238E27FC236}">
-                <a16:creationId xmlns="" xmlns:a16="http://schemas.microsoft.com/office/drawing/2014/main" id="{DCD8F4DA-FD16-2742-B1A4-B6E5FD0A9C7A}"/>
+                <a16:creationId xmlns:a16="http://schemas.microsoft.com/office/drawing/2014/main" xmlns="" id="{DCD8F4DA-FD16-2742-B1A4-B6E5FD0A9C7A}"/>
               </a:ext>
             </a:extLst>
           </p:cNvPr>
@@ -967,7 +969,7 @@
           <p:cNvPr id="2" name="Title 1">
             <a:extLst>
               <a:ext uri="{FF2B5EF4-FFF2-40B4-BE49-F238E27FC236}">
-                <a16:creationId xmlns="" xmlns:a16="http://schemas.microsoft.com/office/drawing/2014/main" id="{4E00D51C-2994-4B4F-984A-976EE6E3C510}"/>
+                <a16:creationId xmlns:a16="http://schemas.microsoft.com/office/drawing/2014/main" xmlns="" id="{4E00D51C-2994-4B4F-984A-976EE6E3C510}"/>
               </a:ext>
             </a:extLst>
           </p:cNvPr>
@@ -1004,7 +1006,7 @@
           <p:cNvPr id="3" name="Text Placeholder 2">
             <a:extLst>
               <a:ext uri="{FF2B5EF4-FFF2-40B4-BE49-F238E27FC236}">
-                <a16:creationId xmlns="" xmlns:a16="http://schemas.microsoft.com/office/drawing/2014/main" id="{145F7415-E3F3-C04B-93F9-57C4C434FDFC}"/>
+                <a16:creationId xmlns:a16="http://schemas.microsoft.com/office/drawing/2014/main" xmlns="" id="{145F7415-E3F3-C04B-93F9-57C4C434FDFC}"/>
               </a:ext>
             </a:extLst>
           </p:cNvPr>
@@ -1129,7 +1131,7 @@
           <p:cNvPr id="4" name="Date Placeholder 3">
             <a:extLst>
               <a:ext uri="{FF2B5EF4-FFF2-40B4-BE49-F238E27FC236}">
-                <a16:creationId xmlns="" xmlns:a16="http://schemas.microsoft.com/office/drawing/2014/main" id="{592773E6-10B6-BF47-9265-1D68776551CF}"/>
+                <a16:creationId xmlns:a16="http://schemas.microsoft.com/office/drawing/2014/main" xmlns="" id="{592773E6-10B6-BF47-9265-1D68776551CF}"/>
               </a:ext>
             </a:extLst>
           </p:cNvPr>
@@ -1158,7 +1160,7 @@
           <p:cNvPr id="5" name="Footer Placeholder 4">
             <a:extLst>
               <a:ext uri="{FF2B5EF4-FFF2-40B4-BE49-F238E27FC236}">
-                <a16:creationId xmlns="" xmlns:a16="http://schemas.microsoft.com/office/drawing/2014/main" id="{3B5E7CB8-4F82-EE48-A501-3202B9A49844}"/>
+                <a16:creationId xmlns:a16="http://schemas.microsoft.com/office/drawing/2014/main" xmlns="" id="{3B5E7CB8-4F82-EE48-A501-3202B9A49844}"/>
               </a:ext>
             </a:extLst>
           </p:cNvPr>
@@ -1183,7 +1185,7 @@
           <p:cNvPr id="6" name="Slide Number Placeholder 5">
             <a:extLst>
               <a:ext uri="{FF2B5EF4-FFF2-40B4-BE49-F238E27FC236}">
-                <a16:creationId xmlns="" xmlns:a16="http://schemas.microsoft.com/office/drawing/2014/main" id="{93DA6DD5-5E21-8A4D-8225-44BC26CACC24}"/>
+                <a16:creationId xmlns:a16="http://schemas.microsoft.com/office/drawing/2014/main" xmlns="" id="{93DA6DD5-5E21-8A4D-8225-44BC26CACC24}"/>
               </a:ext>
             </a:extLst>
           </p:cNvPr>
@@ -1242,7 +1244,7 @@
           <p:cNvPr id="2" name="Title 1">
             <a:extLst>
               <a:ext uri="{FF2B5EF4-FFF2-40B4-BE49-F238E27FC236}">
-                <a16:creationId xmlns="" xmlns:a16="http://schemas.microsoft.com/office/drawing/2014/main" id="{FE86356C-B4B4-A445-B67F-B441513D4178}"/>
+                <a16:creationId xmlns:a16="http://schemas.microsoft.com/office/drawing/2014/main" xmlns="" id="{FE86356C-B4B4-A445-B67F-B441513D4178}"/>
               </a:ext>
             </a:extLst>
           </p:cNvPr>
@@ -1270,7 +1272,7 @@
           <p:cNvPr id="3" name="Content Placeholder 2">
             <a:extLst>
               <a:ext uri="{FF2B5EF4-FFF2-40B4-BE49-F238E27FC236}">
-                <a16:creationId xmlns="" xmlns:a16="http://schemas.microsoft.com/office/drawing/2014/main" id="{F748FDB8-B134-354B-8899-112DE68C1E13}"/>
+                <a16:creationId xmlns:a16="http://schemas.microsoft.com/office/drawing/2014/main" xmlns="" id="{F748FDB8-B134-354B-8899-112DE68C1E13}"/>
               </a:ext>
             </a:extLst>
           </p:cNvPr>
@@ -1332,7 +1334,7 @@
           <p:cNvPr id="4" name="Content Placeholder 3">
             <a:extLst>
               <a:ext uri="{FF2B5EF4-FFF2-40B4-BE49-F238E27FC236}">
-                <a16:creationId xmlns="" xmlns:a16="http://schemas.microsoft.com/office/drawing/2014/main" id="{8FD4DBC1-43CA-8545-BE20-92023EB67CD1}"/>
+                <a16:creationId xmlns:a16="http://schemas.microsoft.com/office/drawing/2014/main" xmlns="" id="{8FD4DBC1-43CA-8545-BE20-92023EB67CD1}"/>
               </a:ext>
             </a:extLst>
           </p:cNvPr>
@@ -1394,7 +1396,7 @@
           <p:cNvPr id="5" name="Date Placeholder 4">
             <a:extLst>
               <a:ext uri="{FF2B5EF4-FFF2-40B4-BE49-F238E27FC236}">
-                <a16:creationId xmlns="" xmlns:a16="http://schemas.microsoft.com/office/drawing/2014/main" id="{783E85CC-86A9-FC40-A3B0-5E3F1DF90096}"/>
+                <a16:creationId xmlns:a16="http://schemas.microsoft.com/office/drawing/2014/main" xmlns="" id="{783E85CC-86A9-FC40-A3B0-5E3F1DF90096}"/>
               </a:ext>
             </a:extLst>
           </p:cNvPr>
@@ -1423,7 +1425,7 @@
           <p:cNvPr id="6" name="Footer Placeholder 5">
             <a:extLst>
               <a:ext uri="{FF2B5EF4-FFF2-40B4-BE49-F238E27FC236}">
-                <a16:creationId xmlns="" xmlns:a16="http://schemas.microsoft.com/office/drawing/2014/main" id="{17A48C46-319D-F348-9FF5-A2FDEC6776B4}"/>
+                <a16:creationId xmlns:a16="http://schemas.microsoft.com/office/drawing/2014/main" xmlns="" id="{17A48C46-319D-F348-9FF5-A2FDEC6776B4}"/>
               </a:ext>
             </a:extLst>
           </p:cNvPr>
@@ -1448,7 +1450,7 @@
           <p:cNvPr id="7" name="Slide Number Placeholder 6">
             <a:extLst>
               <a:ext uri="{FF2B5EF4-FFF2-40B4-BE49-F238E27FC236}">
-                <a16:creationId xmlns="" xmlns:a16="http://schemas.microsoft.com/office/drawing/2014/main" id="{8C8FBF63-FE76-294F-8C40-1BA53D6C3BAE}"/>
+                <a16:creationId xmlns:a16="http://schemas.microsoft.com/office/drawing/2014/main" xmlns="" id="{8C8FBF63-FE76-294F-8C40-1BA53D6C3BAE}"/>
               </a:ext>
             </a:extLst>
           </p:cNvPr>
@@ -1507,7 +1509,7 @@
           <p:cNvPr id="2" name="Title 1">
             <a:extLst>
               <a:ext uri="{FF2B5EF4-FFF2-40B4-BE49-F238E27FC236}">
-                <a16:creationId xmlns="" xmlns:a16="http://schemas.microsoft.com/office/drawing/2014/main" id="{929B5B03-DF2A-584E-85B8-6B7738A6542E}"/>
+                <a16:creationId xmlns:a16="http://schemas.microsoft.com/office/drawing/2014/main" xmlns="" id="{929B5B03-DF2A-584E-85B8-6B7738A6542E}"/>
               </a:ext>
             </a:extLst>
           </p:cNvPr>
@@ -1540,7 +1542,7 @@
           <p:cNvPr id="3" name="Text Placeholder 2">
             <a:extLst>
               <a:ext uri="{FF2B5EF4-FFF2-40B4-BE49-F238E27FC236}">
-                <a16:creationId xmlns="" xmlns:a16="http://schemas.microsoft.com/office/drawing/2014/main" id="{B258A496-A57A-1547-A7C2-146A0B0970EA}"/>
+                <a16:creationId xmlns:a16="http://schemas.microsoft.com/office/drawing/2014/main" xmlns="" id="{B258A496-A57A-1547-A7C2-146A0B0970EA}"/>
               </a:ext>
             </a:extLst>
           </p:cNvPr>
@@ -1611,7 +1613,7 @@
           <p:cNvPr id="4" name="Content Placeholder 3">
             <a:extLst>
               <a:ext uri="{FF2B5EF4-FFF2-40B4-BE49-F238E27FC236}">
-                <a16:creationId xmlns="" xmlns:a16="http://schemas.microsoft.com/office/drawing/2014/main" id="{D3019813-238C-E742-80E1-EFBD04E3EBA3}"/>
+                <a16:creationId xmlns:a16="http://schemas.microsoft.com/office/drawing/2014/main" xmlns="" id="{D3019813-238C-E742-80E1-EFBD04E3EBA3}"/>
               </a:ext>
             </a:extLst>
           </p:cNvPr>
@@ -1673,7 +1675,7 @@
           <p:cNvPr id="5" name="Text Placeholder 4">
             <a:extLst>
               <a:ext uri="{FF2B5EF4-FFF2-40B4-BE49-F238E27FC236}">
-                <a16:creationId xmlns="" xmlns:a16="http://schemas.microsoft.com/office/drawing/2014/main" id="{FDF0F2C5-13D4-E145-97EA-5E6529CEA771}"/>
+                <a16:creationId xmlns:a16="http://schemas.microsoft.com/office/drawing/2014/main" xmlns="" id="{FDF0F2C5-13D4-E145-97EA-5E6529CEA771}"/>
               </a:ext>
             </a:extLst>
           </p:cNvPr>
@@ -1744,7 +1746,7 @@
           <p:cNvPr id="6" name="Content Placeholder 5">
             <a:extLst>
               <a:ext uri="{FF2B5EF4-FFF2-40B4-BE49-F238E27FC236}">
-                <a16:creationId xmlns="" xmlns:a16="http://schemas.microsoft.com/office/drawing/2014/main" id="{EA7DDD7F-FDF7-9449-89DF-9F12D024D18A}"/>
+                <a16:creationId xmlns:a16="http://schemas.microsoft.com/office/drawing/2014/main" xmlns="" id="{EA7DDD7F-FDF7-9449-89DF-9F12D024D18A}"/>
               </a:ext>
             </a:extLst>
           </p:cNvPr>
@@ -1806,7 +1808,7 @@
           <p:cNvPr id="7" name="Date Placeholder 6">
             <a:extLst>
               <a:ext uri="{FF2B5EF4-FFF2-40B4-BE49-F238E27FC236}">
-                <a16:creationId xmlns="" xmlns:a16="http://schemas.microsoft.com/office/drawing/2014/main" id="{D6C73B7B-A1E3-9B4E-ACA8-C238AA42B522}"/>
+                <a16:creationId xmlns:a16="http://schemas.microsoft.com/office/drawing/2014/main" xmlns="" id="{D6C73B7B-A1E3-9B4E-ACA8-C238AA42B522}"/>
               </a:ext>
             </a:extLst>
           </p:cNvPr>
@@ -1835,7 +1837,7 @@
           <p:cNvPr id="8" name="Footer Placeholder 7">
             <a:extLst>
               <a:ext uri="{FF2B5EF4-FFF2-40B4-BE49-F238E27FC236}">
-                <a16:creationId xmlns="" xmlns:a16="http://schemas.microsoft.com/office/drawing/2014/main" id="{6C52F377-195A-CA47-A9E9-9E1758DC403B}"/>
+                <a16:creationId xmlns:a16="http://schemas.microsoft.com/office/drawing/2014/main" xmlns="" id="{6C52F377-195A-CA47-A9E9-9E1758DC403B}"/>
               </a:ext>
             </a:extLst>
           </p:cNvPr>
@@ -1860,7 +1862,7 @@
           <p:cNvPr id="9" name="Slide Number Placeholder 8">
             <a:extLst>
               <a:ext uri="{FF2B5EF4-FFF2-40B4-BE49-F238E27FC236}">
-                <a16:creationId xmlns="" xmlns:a16="http://schemas.microsoft.com/office/drawing/2014/main" id="{284E5D55-8520-4844-87D1-E02663F92CC5}"/>
+                <a16:creationId xmlns:a16="http://schemas.microsoft.com/office/drawing/2014/main" xmlns="" id="{284E5D55-8520-4844-87D1-E02663F92CC5}"/>
               </a:ext>
             </a:extLst>
           </p:cNvPr>
@@ -1919,7 +1921,7 @@
           <p:cNvPr id="2" name="Title 1">
             <a:extLst>
               <a:ext uri="{FF2B5EF4-FFF2-40B4-BE49-F238E27FC236}">
-                <a16:creationId xmlns="" xmlns:a16="http://schemas.microsoft.com/office/drawing/2014/main" id="{591DEF3D-C702-CA48-AF0E-6F8BB7772D26}"/>
+                <a16:creationId xmlns:a16="http://schemas.microsoft.com/office/drawing/2014/main" xmlns="" id="{591DEF3D-C702-CA48-AF0E-6F8BB7772D26}"/>
               </a:ext>
             </a:extLst>
           </p:cNvPr>
@@ -1947,7 +1949,7 @@
           <p:cNvPr id="3" name="Date Placeholder 2">
             <a:extLst>
               <a:ext uri="{FF2B5EF4-FFF2-40B4-BE49-F238E27FC236}">
-                <a16:creationId xmlns="" xmlns:a16="http://schemas.microsoft.com/office/drawing/2014/main" id="{E51525BE-20AE-DA45-B203-29B795C90888}"/>
+                <a16:creationId xmlns:a16="http://schemas.microsoft.com/office/drawing/2014/main" xmlns="" id="{E51525BE-20AE-DA45-B203-29B795C90888}"/>
               </a:ext>
             </a:extLst>
           </p:cNvPr>
@@ -1976,7 +1978,7 @@
           <p:cNvPr id="4" name="Footer Placeholder 3">
             <a:extLst>
               <a:ext uri="{FF2B5EF4-FFF2-40B4-BE49-F238E27FC236}">
-                <a16:creationId xmlns="" xmlns:a16="http://schemas.microsoft.com/office/drawing/2014/main" id="{7C03BA58-3079-4F46-A626-0652AF5A3AFF}"/>
+                <a16:creationId xmlns:a16="http://schemas.microsoft.com/office/drawing/2014/main" xmlns="" id="{7C03BA58-3079-4F46-A626-0652AF5A3AFF}"/>
               </a:ext>
             </a:extLst>
           </p:cNvPr>
@@ -2001,7 +2003,7 @@
           <p:cNvPr id="5" name="Slide Number Placeholder 4">
             <a:extLst>
               <a:ext uri="{FF2B5EF4-FFF2-40B4-BE49-F238E27FC236}">
-                <a16:creationId xmlns="" xmlns:a16="http://schemas.microsoft.com/office/drawing/2014/main" id="{19CBE195-CAE5-AE41-9A02-F0FEE7047826}"/>
+                <a16:creationId xmlns:a16="http://schemas.microsoft.com/office/drawing/2014/main" xmlns="" id="{19CBE195-CAE5-AE41-9A02-F0FEE7047826}"/>
               </a:ext>
             </a:extLst>
           </p:cNvPr>
@@ -2060,7 +2062,7 @@
           <p:cNvPr id="2" name="Date Placeholder 1">
             <a:extLst>
               <a:ext uri="{FF2B5EF4-FFF2-40B4-BE49-F238E27FC236}">
-                <a16:creationId xmlns="" xmlns:a16="http://schemas.microsoft.com/office/drawing/2014/main" id="{C34FCBDA-D7BD-2C4E-88A1-2AFB5B48FB31}"/>
+                <a16:creationId xmlns:a16="http://schemas.microsoft.com/office/drawing/2014/main" xmlns="" id="{C34FCBDA-D7BD-2C4E-88A1-2AFB5B48FB31}"/>
               </a:ext>
             </a:extLst>
           </p:cNvPr>
@@ -2089,7 +2091,7 @@
           <p:cNvPr id="3" name="Footer Placeholder 2">
             <a:extLst>
               <a:ext uri="{FF2B5EF4-FFF2-40B4-BE49-F238E27FC236}">
-                <a16:creationId xmlns="" xmlns:a16="http://schemas.microsoft.com/office/drawing/2014/main" id="{18E57C92-201B-F74C-9CC7-86384947C87F}"/>
+                <a16:creationId xmlns:a16="http://schemas.microsoft.com/office/drawing/2014/main" xmlns="" id="{18E57C92-201B-F74C-9CC7-86384947C87F}"/>
               </a:ext>
             </a:extLst>
           </p:cNvPr>
@@ -2114,7 +2116,7 @@
           <p:cNvPr id="4" name="Slide Number Placeholder 3">
             <a:extLst>
               <a:ext uri="{FF2B5EF4-FFF2-40B4-BE49-F238E27FC236}">
-                <a16:creationId xmlns="" xmlns:a16="http://schemas.microsoft.com/office/drawing/2014/main" id="{6CD423C3-3F28-C246-806B-4AB5E2DE25BE}"/>
+                <a16:creationId xmlns:a16="http://schemas.microsoft.com/office/drawing/2014/main" xmlns="" id="{6CD423C3-3F28-C246-806B-4AB5E2DE25BE}"/>
               </a:ext>
             </a:extLst>
           </p:cNvPr>
@@ -2173,7 +2175,7 @@
           <p:cNvPr id="2" name="Title 1">
             <a:extLst>
               <a:ext uri="{FF2B5EF4-FFF2-40B4-BE49-F238E27FC236}">
-                <a16:creationId xmlns="" xmlns:a16="http://schemas.microsoft.com/office/drawing/2014/main" id="{7D5AA6BE-A0FE-9342-BF77-AE09E862FE5E}"/>
+                <a16:creationId xmlns:a16="http://schemas.microsoft.com/office/drawing/2014/main" xmlns="" id="{7D5AA6BE-A0FE-9342-BF77-AE09E862FE5E}"/>
               </a:ext>
             </a:extLst>
           </p:cNvPr>
@@ -2210,7 +2212,7 @@
           <p:cNvPr id="3" name="Content Placeholder 2">
             <a:extLst>
               <a:ext uri="{FF2B5EF4-FFF2-40B4-BE49-F238E27FC236}">
-                <a16:creationId xmlns="" xmlns:a16="http://schemas.microsoft.com/office/drawing/2014/main" id="{792AC1F3-04B5-704E-BBCB-70A2D8615777}"/>
+                <a16:creationId xmlns:a16="http://schemas.microsoft.com/office/drawing/2014/main" xmlns="" id="{792AC1F3-04B5-704E-BBCB-70A2D8615777}"/>
               </a:ext>
             </a:extLst>
           </p:cNvPr>
@@ -2300,7 +2302,7 @@
           <p:cNvPr id="4" name="Text Placeholder 3">
             <a:extLst>
               <a:ext uri="{FF2B5EF4-FFF2-40B4-BE49-F238E27FC236}">
-                <a16:creationId xmlns="" xmlns:a16="http://schemas.microsoft.com/office/drawing/2014/main" id="{7219EEB2-A8F5-8642-AEE3-51CF40050372}"/>
+                <a16:creationId xmlns:a16="http://schemas.microsoft.com/office/drawing/2014/main" xmlns="" id="{7219EEB2-A8F5-8642-AEE3-51CF40050372}"/>
               </a:ext>
             </a:extLst>
           </p:cNvPr>
@@ -2371,7 +2373,7 @@
           <p:cNvPr id="5" name="Date Placeholder 4">
             <a:extLst>
               <a:ext uri="{FF2B5EF4-FFF2-40B4-BE49-F238E27FC236}">
-                <a16:creationId xmlns="" xmlns:a16="http://schemas.microsoft.com/office/drawing/2014/main" id="{B90CABEF-1DFA-2D4F-B71E-8F28391C3915}"/>
+                <a16:creationId xmlns:a16="http://schemas.microsoft.com/office/drawing/2014/main" xmlns="" id="{B90CABEF-1DFA-2D4F-B71E-8F28391C3915}"/>
               </a:ext>
             </a:extLst>
           </p:cNvPr>
@@ -2400,7 +2402,7 @@
           <p:cNvPr id="6" name="Footer Placeholder 5">
             <a:extLst>
               <a:ext uri="{FF2B5EF4-FFF2-40B4-BE49-F238E27FC236}">
-                <a16:creationId xmlns="" xmlns:a16="http://schemas.microsoft.com/office/drawing/2014/main" id="{6112FC5D-4475-2949-927E-E672BFA45CD9}"/>
+                <a16:creationId xmlns:a16="http://schemas.microsoft.com/office/drawing/2014/main" xmlns="" id="{6112FC5D-4475-2949-927E-E672BFA45CD9}"/>
               </a:ext>
             </a:extLst>
           </p:cNvPr>
@@ -2425,7 +2427,7 @@
           <p:cNvPr id="7" name="Slide Number Placeholder 6">
             <a:extLst>
               <a:ext uri="{FF2B5EF4-FFF2-40B4-BE49-F238E27FC236}">
-                <a16:creationId xmlns="" xmlns:a16="http://schemas.microsoft.com/office/drawing/2014/main" id="{1D5806EA-5287-9B43-83AD-AAC49F1C4038}"/>
+                <a16:creationId xmlns:a16="http://schemas.microsoft.com/office/drawing/2014/main" xmlns="" id="{1D5806EA-5287-9B43-83AD-AAC49F1C4038}"/>
               </a:ext>
             </a:extLst>
           </p:cNvPr>
@@ -2484,7 +2486,7 @@
           <p:cNvPr id="2" name="Title 1">
             <a:extLst>
               <a:ext uri="{FF2B5EF4-FFF2-40B4-BE49-F238E27FC236}">
-                <a16:creationId xmlns="" xmlns:a16="http://schemas.microsoft.com/office/drawing/2014/main" id="{C10EBA9C-BFC9-8242-B3B1-4F99CBFD9984}"/>
+                <a16:creationId xmlns:a16="http://schemas.microsoft.com/office/drawing/2014/main" xmlns="" id="{C10EBA9C-BFC9-8242-B3B1-4F99CBFD9984}"/>
               </a:ext>
             </a:extLst>
           </p:cNvPr>
@@ -2521,7 +2523,7 @@
           <p:cNvPr id="3" name="Picture Placeholder 2">
             <a:extLst>
               <a:ext uri="{FF2B5EF4-FFF2-40B4-BE49-F238E27FC236}">
-                <a16:creationId xmlns="" xmlns:a16="http://schemas.microsoft.com/office/drawing/2014/main" id="{E9DC4A93-CDA4-144F-983C-9A7B25D6C6D2}"/>
+                <a16:creationId xmlns:a16="http://schemas.microsoft.com/office/drawing/2014/main" xmlns="" id="{E9DC4A93-CDA4-144F-983C-9A7B25D6C6D2}"/>
               </a:ext>
             </a:extLst>
           </p:cNvPr>
@@ -2588,7 +2590,7 @@
           <p:cNvPr id="4" name="Text Placeholder 3">
             <a:extLst>
               <a:ext uri="{FF2B5EF4-FFF2-40B4-BE49-F238E27FC236}">
-                <a16:creationId xmlns="" xmlns:a16="http://schemas.microsoft.com/office/drawing/2014/main" id="{8C2F38D3-A0FE-CE45-A6F6-5164B333DC4F}"/>
+                <a16:creationId xmlns:a16="http://schemas.microsoft.com/office/drawing/2014/main" xmlns="" id="{8C2F38D3-A0FE-CE45-A6F6-5164B333DC4F}"/>
               </a:ext>
             </a:extLst>
           </p:cNvPr>
@@ -2659,7 +2661,7 @@
           <p:cNvPr id="5" name="Date Placeholder 4">
             <a:extLst>
               <a:ext uri="{FF2B5EF4-FFF2-40B4-BE49-F238E27FC236}">
-                <a16:creationId xmlns="" xmlns:a16="http://schemas.microsoft.com/office/drawing/2014/main" id="{795634D3-1A71-F546-92DD-9657E5294366}"/>
+                <a16:creationId xmlns:a16="http://schemas.microsoft.com/office/drawing/2014/main" xmlns="" id="{795634D3-1A71-F546-92DD-9657E5294366}"/>
               </a:ext>
             </a:extLst>
           </p:cNvPr>
@@ -2688,7 +2690,7 @@
           <p:cNvPr id="6" name="Footer Placeholder 5">
             <a:extLst>
               <a:ext uri="{FF2B5EF4-FFF2-40B4-BE49-F238E27FC236}">
-                <a16:creationId xmlns="" xmlns:a16="http://schemas.microsoft.com/office/drawing/2014/main" id="{996702C2-E5D2-9044-BF25-10167E871950}"/>
+                <a16:creationId xmlns:a16="http://schemas.microsoft.com/office/drawing/2014/main" xmlns="" id="{996702C2-E5D2-9044-BF25-10167E871950}"/>
               </a:ext>
             </a:extLst>
           </p:cNvPr>
@@ -2713,7 +2715,7 @@
           <p:cNvPr id="7" name="Slide Number Placeholder 6">
             <a:extLst>
               <a:ext uri="{FF2B5EF4-FFF2-40B4-BE49-F238E27FC236}">
-                <a16:creationId xmlns="" xmlns:a16="http://schemas.microsoft.com/office/drawing/2014/main" id="{2E35ED01-1922-164A-A231-3C46E7E63C89}"/>
+                <a16:creationId xmlns:a16="http://schemas.microsoft.com/office/drawing/2014/main" xmlns="" id="{2E35ED01-1922-164A-A231-3C46E7E63C89}"/>
               </a:ext>
             </a:extLst>
           </p:cNvPr>
@@ -2777,7 +2779,7 @@
           <p:cNvPr id="2" name="Title Placeholder 1">
             <a:extLst>
               <a:ext uri="{FF2B5EF4-FFF2-40B4-BE49-F238E27FC236}">
-                <a16:creationId xmlns="" xmlns:a16="http://schemas.microsoft.com/office/drawing/2014/main" id="{A683D89E-E8CA-F745-9F6B-08644C36C0D0}"/>
+                <a16:creationId xmlns:a16="http://schemas.microsoft.com/office/drawing/2014/main" xmlns="" id="{A683D89E-E8CA-F745-9F6B-08644C36C0D0}"/>
               </a:ext>
             </a:extLst>
           </p:cNvPr>
@@ -2815,7 +2817,7 @@
           <p:cNvPr id="3" name="Text Placeholder 2">
             <a:extLst>
               <a:ext uri="{FF2B5EF4-FFF2-40B4-BE49-F238E27FC236}">
-                <a16:creationId xmlns="" xmlns:a16="http://schemas.microsoft.com/office/drawing/2014/main" id="{D138AA9B-E68F-BE49-9A4B-987E7A2D507B}"/>
+                <a16:creationId xmlns:a16="http://schemas.microsoft.com/office/drawing/2014/main" xmlns="" id="{D138AA9B-E68F-BE49-9A4B-987E7A2D507B}"/>
               </a:ext>
             </a:extLst>
           </p:cNvPr>
@@ -2882,7 +2884,7 @@
           <p:cNvPr id="4" name="Date Placeholder 3">
             <a:extLst>
               <a:ext uri="{FF2B5EF4-FFF2-40B4-BE49-F238E27FC236}">
-                <a16:creationId xmlns="" xmlns:a16="http://schemas.microsoft.com/office/drawing/2014/main" id="{92668FFF-EA98-4F41-8C82-5AA85A0F7CEC}"/>
+                <a16:creationId xmlns:a16="http://schemas.microsoft.com/office/drawing/2014/main" xmlns="" id="{92668FFF-EA98-4F41-8C82-5AA85A0F7CEC}"/>
               </a:ext>
             </a:extLst>
           </p:cNvPr>
@@ -2929,7 +2931,7 @@
           <p:cNvPr id="5" name="Footer Placeholder 4">
             <a:extLst>
               <a:ext uri="{FF2B5EF4-FFF2-40B4-BE49-F238E27FC236}">
-                <a16:creationId xmlns="" xmlns:a16="http://schemas.microsoft.com/office/drawing/2014/main" id="{53A7B868-7983-8046-B9CC-84BA3F77A585}"/>
+                <a16:creationId xmlns:a16="http://schemas.microsoft.com/office/drawing/2014/main" xmlns="" id="{53A7B868-7983-8046-B9CC-84BA3F77A585}"/>
               </a:ext>
             </a:extLst>
           </p:cNvPr>
@@ -2972,7 +2974,7 @@
           <p:cNvPr id="6" name="Slide Number Placeholder 5">
             <a:extLst>
               <a:ext uri="{FF2B5EF4-FFF2-40B4-BE49-F238E27FC236}">
-                <a16:creationId xmlns="" xmlns:a16="http://schemas.microsoft.com/office/drawing/2014/main" id="{B99F5B29-0C4F-1C46-9321-A158809E0BFF}"/>
+                <a16:creationId xmlns:a16="http://schemas.microsoft.com/office/drawing/2014/main" xmlns="" id="{B99F5B29-0C4F-1C46-9321-A158809E0BFF}"/>
               </a:ext>
             </a:extLst>
           </p:cNvPr>
@@ -3340,7 +3342,7 @@
           <p:cNvPr id="2" name="Title 1">
             <a:extLst>
               <a:ext uri="{FF2B5EF4-FFF2-40B4-BE49-F238E27FC236}">
-                <a16:creationId xmlns="" xmlns:a16="http://schemas.microsoft.com/office/drawing/2014/main" id="{87B7F9A8-63A2-A943-847B-4DF16CB860B6}"/>
+                <a16:creationId xmlns:a16="http://schemas.microsoft.com/office/drawing/2014/main" xmlns="" id="{87B7F9A8-63A2-A943-847B-4DF16CB860B6}"/>
               </a:ext>
             </a:extLst>
           </p:cNvPr>
@@ -3369,7 +3371,7 @@
           <p:cNvPr id="3" name="Subtitle 2">
             <a:extLst>
               <a:ext uri="{FF2B5EF4-FFF2-40B4-BE49-F238E27FC236}">
-                <a16:creationId xmlns="" xmlns:a16="http://schemas.microsoft.com/office/drawing/2014/main" id="{BD723198-6A7E-1A4C-9453-0B93C8D9F0EF}"/>
+                <a16:creationId xmlns:a16="http://schemas.microsoft.com/office/drawing/2014/main" xmlns="" id="{BD723198-6A7E-1A4C-9453-0B93C8D9F0EF}"/>
               </a:ext>
             </a:extLst>
           </p:cNvPr>
@@ -3403,6 +3405,13 @@
   <p:clrMapOvr>
     <a:masterClrMapping/>
   </p:clrMapOvr>
+  <p:timing>
+    <p:tnLst>
+      <p:par>
+        <p:cTn id="1" dur="indefinite" restart="never" nodeType="tmRoot"/>
+      </p:par>
+    </p:tnLst>
+  </p:timing>
 </p:sld>
 </file>
 
@@ -3428,7 +3437,192 @@
           <p:cNvPr id="2" name="Title 1">
             <a:extLst>
               <a:ext uri="{FF2B5EF4-FFF2-40B4-BE49-F238E27FC236}">
-                <a16:creationId xmlns="" xmlns:a16="http://schemas.microsoft.com/office/drawing/2014/main" id="{7D641731-F534-2649-83FB-6F010DF1AD7C}"/>
+                <a16:creationId xmlns:a16="http://schemas.microsoft.com/office/drawing/2014/main" xmlns="" id="{7D641731-F534-2649-83FB-6F010DF1AD7C}"/>
+              </a:ext>
+            </a:extLst>
+          </p:cNvPr>
+          <p:cNvSpPr>
+            <a:spLocks noGrp="1"/>
+          </p:cNvSpPr>
+          <p:nvPr>
+            <p:ph type="title"/>
+          </p:nvPr>
+        </p:nvSpPr>
+        <p:spPr/>
+        <p:txBody>
+          <a:bodyPr/>
+          <a:lstStyle/>
+          <a:p>
+            <a:r>
+              <a:rPr lang="en-US" dirty="0"/>
+              <a:t>Qualitative effects </a:t>
+            </a:r>
+            <a:r>
+              <a:rPr lang="en-US" dirty="0" smtClean="0"/>
+              <a:t>(8 </a:t>
+            </a:r>
+            <a:r>
+              <a:rPr lang="en-US" dirty="0"/>
+              <a:t>focal regions – high)</a:t>
+            </a:r>
+          </a:p>
+        </p:txBody>
+      </p:sp>
+      <p:pic>
+        <p:nvPicPr>
+          <p:cNvPr id="6" name="Imagen 5"/>
+          <p:cNvPicPr>
+            <a:picLocks noChangeAspect="1"/>
+          </p:cNvPicPr>
+          <p:nvPr/>
+        </p:nvPicPr>
+        <p:blipFill>
+          <a:blip r:embed="rId2"/>
+          <a:stretch>
+            <a:fillRect/>
+          </a:stretch>
+        </p:blipFill>
+        <p:spPr>
+          <a:xfrm>
+            <a:off x="1091238" y="1505619"/>
+            <a:ext cx="10009524" cy="5352381"/>
+          </a:xfrm>
+          <a:prstGeom prst="rect">
+            <a:avLst/>
+          </a:prstGeom>
+        </p:spPr>
+      </p:pic>
+    </p:spTree>
+    <p:extLst>
+      <p:ext uri="{BB962C8B-B14F-4D97-AF65-F5344CB8AC3E}">
+        <p14:creationId xmlns:p14="http://schemas.microsoft.com/office/powerpoint/2010/main" val="738334701"/>
+      </p:ext>
+    </p:extLst>
+  </p:cSld>
+  <p:clrMapOvr>
+    <a:masterClrMapping/>
+  </p:clrMapOvr>
+</p:sld>
+</file>
+
+<file path=ppt/slides/slide11.xml><?xml version="1.0" encoding="utf-8"?>
+<p:sld xmlns:a="http://schemas.openxmlformats.org/drawingml/2006/main" xmlns:r="http://schemas.openxmlformats.org/officeDocument/2006/relationships" xmlns:p="http://schemas.openxmlformats.org/presentationml/2006/main">
+  <p:cSld>
+    <p:spTree>
+      <p:nvGrpSpPr>
+        <p:cNvPr id="1" name=""/>
+        <p:cNvGrpSpPr/>
+        <p:nvPr/>
+      </p:nvGrpSpPr>
+      <p:grpSpPr>
+        <a:xfrm>
+          <a:off x="0" y="0"/>
+          <a:ext cx="0" cy="0"/>
+          <a:chOff x="0" y="0"/>
+          <a:chExt cx="0" cy="0"/>
+        </a:xfrm>
+      </p:grpSpPr>
+      <p:sp>
+        <p:nvSpPr>
+          <p:cNvPr id="2" name="Title 1">
+            <a:extLst>
+              <a:ext uri="{FF2B5EF4-FFF2-40B4-BE49-F238E27FC236}">
+                <a16:creationId xmlns:a16="http://schemas.microsoft.com/office/drawing/2014/main" xmlns="" id="{7D641731-F534-2649-83FB-6F010DF1AD7C}"/>
+              </a:ext>
+            </a:extLst>
+          </p:cNvPr>
+          <p:cNvSpPr>
+            <a:spLocks noGrp="1"/>
+          </p:cNvSpPr>
+          <p:nvPr>
+            <p:ph type="title"/>
+          </p:nvPr>
+        </p:nvSpPr>
+        <p:spPr/>
+        <p:txBody>
+          <a:bodyPr/>
+          <a:lstStyle/>
+          <a:p>
+            <a:r>
+              <a:rPr lang="en-US" dirty="0"/>
+              <a:t>Qualitative effects </a:t>
+            </a:r>
+            <a:r>
+              <a:rPr lang="en-US" dirty="0" smtClean="0"/>
+              <a:t>(8 </a:t>
+            </a:r>
+            <a:r>
+              <a:rPr lang="en-US" dirty="0"/>
+              <a:t>focal regions – </a:t>
+            </a:r>
+            <a:r>
+              <a:rPr lang="en-US" dirty="0" smtClean="0"/>
+              <a:t>medium)</a:t>
+            </a:r>
+            <a:endParaRPr lang="en-US" dirty="0"/>
+          </a:p>
+        </p:txBody>
+      </p:sp>
+      <p:pic>
+        <p:nvPicPr>
+          <p:cNvPr id="4" name="Imagen 3"/>
+          <p:cNvPicPr>
+            <a:picLocks noChangeAspect="1"/>
+          </p:cNvPicPr>
+          <p:nvPr/>
+        </p:nvPicPr>
+        <p:blipFill>
+          <a:blip r:embed="rId2"/>
+          <a:stretch>
+            <a:fillRect/>
+          </a:stretch>
+        </p:blipFill>
+        <p:spPr>
+          <a:xfrm>
+            <a:off x="1091238" y="1505619"/>
+            <a:ext cx="10009524" cy="5352381"/>
+          </a:xfrm>
+          <a:prstGeom prst="rect">
+            <a:avLst/>
+          </a:prstGeom>
+        </p:spPr>
+      </p:pic>
+    </p:spTree>
+    <p:extLst>
+      <p:ext uri="{BB962C8B-B14F-4D97-AF65-F5344CB8AC3E}">
+        <p14:creationId xmlns:p14="http://schemas.microsoft.com/office/powerpoint/2010/main" val="90231614"/>
+      </p:ext>
+    </p:extLst>
+  </p:cSld>
+  <p:clrMapOvr>
+    <a:masterClrMapping/>
+  </p:clrMapOvr>
+</p:sld>
+</file>
+
+<file path=ppt/slides/slide12.xml><?xml version="1.0" encoding="utf-8"?>
+<p:sld xmlns:a="http://schemas.openxmlformats.org/drawingml/2006/main" xmlns:r="http://schemas.openxmlformats.org/officeDocument/2006/relationships" xmlns:p="http://schemas.openxmlformats.org/presentationml/2006/main">
+  <p:cSld>
+    <p:spTree>
+      <p:nvGrpSpPr>
+        <p:cNvPr id="1" name=""/>
+        <p:cNvGrpSpPr/>
+        <p:nvPr/>
+      </p:nvGrpSpPr>
+      <p:grpSpPr>
+        <a:xfrm>
+          <a:off x="0" y="0"/>
+          <a:ext cx="0" cy="0"/>
+          <a:chOff x="0" y="0"/>
+          <a:chExt cx="0" cy="0"/>
+        </a:xfrm>
+      </p:grpSpPr>
+      <p:sp>
+        <p:nvSpPr>
+          <p:cNvPr id="2" name="Title 1">
+            <a:extLst>
+              <a:ext uri="{FF2B5EF4-FFF2-40B4-BE49-F238E27FC236}">
+                <a16:creationId xmlns:a16="http://schemas.microsoft.com/office/drawing/2014/main" xmlns="" id="{7D641731-F534-2649-83FB-6F010DF1AD7C}"/>
               </a:ext>
             </a:extLst>
           </p:cNvPr>
@@ -3523,7 +3717,7 @@
           <p:cNvPr id="2" name="Title 1">
             <a:extLst>
               <a:ext uri="{FF2B5EF4-FFF2-40B4-BE49-F238E27FC236}">
-                <a16:creationId xmlns="" xmlns:a16="http://schemas.microsoft.com/office/drawing/2014/main" id="{4DA57ACC-E929-4E4F-B5F4-004C092C4E18}"/>
+                <a16:creationId xmlns:a16="http://schemas.microsoft.com/office/drawing/2014/main" xmlns="" id="{4DA57ACC-E929-4E4F-B5F4-004C092C4E18}"/>
               </a:ext>
             </a:extLst>
           </p:cNvPr>
@@ -3541,7 +3735,7 @@
           <a:p>
             <a:r>
               <a:rPr lang="en-US" dirty="0" smtClean="0"/>
-              <a:t>Qualitative effects at both individual and dyad level</a:t>
+              <a:t>Qualitative effects</a:t>
             </a:r>
             <a:endParaRPr lang="en-US" dirty="0"/>
           </a:p>
@@ -3552,7 +3746,7 @@
           <p:cNvPr id="3" name="Content Placeholder 2">
             <a:extLst>
               <a:ext uri="{FF2B5EF4-FFF2-40B4-BE49-F238E27FC236}">
-                <a16:creationId xmlns="" xmlns:a16="http://schemas.microsoft.com/office/drawing/2014/main" id="{FA65E03C-49F9-DE4E-91A0-84A8B6E28ADC}"/>
+                <a16:creationId xmlns:a16="http://schemas.microsoft.com/office/drawing/2014/main" xmlns="" id="{FA65E03C-49F9-DE4E-91A0-84A8B6E28ADC}"/>
               </a:ext>
             </a:extLst>
           </p:cNvPr>
@@ -3566,7 +3760,7 @@
         <p:spPr>
           <a:xfrm>
             <a:off x="838200" y="1825625"/>
-            <a:ext cx="10515600" cy="3809056"/>
+            <a:ext cx="7094838" cy="3809056"/>
           </a:xfrm>
         </p:spPr>
         <p:txBody>
@@ -3577,7 +3771,7 @@
               <a:buNone/>
             </a:pPr>
             <a:r>
-              <a:rPr lang="en-US" dirty="0" smtClean="0"/>
+              <a:rPr lang="en-US" sz="2000" dirty="0" smtClean="0"/>
               <a:t>Model: </a:t>
             </a:r>
             <a:r>
@@ -3586,7 +3780,7 @@
             </a:r>
             <a:r>
               <a:rPr lang="en-US" sz="2000" dirty="0" err="1" smtClean="0"/>
-              <a:t>k,i,s</a:t>
+              <a:t>k,i,s,j</a:t>
             </a:r>
             <a:r>
               <a:rPr lang="en-US" sz="2000" dirty="0" smtClean="0"/>
@@ -3623,12 +3817,20 @@
               <a:t>, </a:t>
             </a:r>
             <a:r>
-              <a:rPr lang="en-US" sz="2000" smtClean="0"/>
+              <a:rPr lang="en-US" sz="2000" dirty="0" smtClean="0"/>
               <a:t>)*</a:t>
             </a:r>
             <a:r>
-              <a:rPr lang="en-US" sz="2000" smtClean="0"/>
-              <a:t>I(I, k)*</a:t>
+              <a:rPr lang="en-US" sz="2000" dirty="0" smtClean="0"/>
+              <a:t>I(</a:t>
+            </a:r>
+            <a:r>
+              <a:rPr lang="en-US" sz="2000" dirty="0" err="1" smtClean="0"/>
+              <a:t>k,i</a:t>
+            </a:r>
+            <a:r>
+              <a:rPr lang="en-US" sz="2000" dirty="0" smtClean="0"/>
+              <a:t>)*</a:t>
             </a:r>
             <a:r>
               <a:rPr lang="en-US" sz="2000" dirty="0" smtClean="0"/>
@@ -3660,37 +3862,331 @@
             </a:r>
             <a:r>
               <a:rPr lang="en-US" sz="2000" dirty="0" smtClean="0"/>
-              <a:t>*Sigmoid(</a:t>
+              <a:t>*sim(</a:t>
             </a:r>
             <a:r>
               <a:rPr lang="en-US" sz="2000" dirty="0" err="1" smtClean="0"/>
-              <a:t>FRAsim</a:t>
+              <a:t>k,i</a:t>
             </a:r>
             <a:r>
               <a:rPr lang="en-US" sz="2000" dirty="0" smtClean="0"/>
-              <a:t>(</a:t>
-            </a:r>
-            <a:r>
-              <a:rPr lang="en-US" sz="2000" dirty="0" err="1" smtClean="0"/>
-              <a:t>i</a:t>
-            </a:r>
-            <a:r>
-              <a:rPr lang="en-US" sz="2000" dirty="0" smtClean="0"/>
-              <a:t>, k), </a:t>
+              <a:t>,</a:t>
             </a:r>
             <a:r>
               <a:rPr lang="en-US" sz="2000" dirty="0" smtClean="0">
                 <a:sym typeface="Symbol" panose="05050102010706020507" pitchFamily="18" charset="2"/>
               </a:rPr>
-              <a:t>, </a:t>
+              <a:t>)</a:t>
             </a:r>
             <a:r>
               <a:rPr lang="en-US" sz="2000" dirty="0" smtClean="0"/>
-              <a:t>)*Focal(k</a:t>
-            </a:r>
+              <a:t>*</a:t>
+            </a:r>
+            <a:r>
+              <a:rPr lang="en-US" sz="2000" dirty="0" smtClean="0"/>
+              <a:t>Focal(k</a:t>
+            </a:r>
+            <a:r>
+              <a:rPr lang="en-US" sz="2000" dirty="0" smtClean="0"/>
+              <a:t>) </a:t>
+            </a:r>
+          </a:p>
+          <a:p>
+            <a:pPr marL="0" indent="0">
+              <a:buNone/>
+            </a:pPr>
             <a:r>
               <a:rPr lang="en-US" sz="2000" dirty="0"/>
+              <a:t>	</a:t>
+            </a:r>
+            <a:r>
+              <a:rPr lang="en-US" sz="2000" dirty="0" smtClean="0"/>
+              <a:t>		</a:t>
+            </a:r>
+            <a:r>
+              <a:rPr lang="en-US" sz="2000" dirty="0" smtClean="0"/>
+              <a:t>+ </a:t>
+            </a:r>
+            <a:r>
+              <a:rPr lang="en-US" sz="2000" dirty="0" smtClean="0">
+                <a:sym typeface="Symbol" panose="05050102010706020507" pitchFamily="18" charset="2"/>
+              </a:rPr>
+              <a:t>*sim(k</a:t>
+            </a:r>
+            <a:r>
+              <a:rPr lang="en-US" sz="2000" baseline="30000" dirty="0" smtClean="0">
+                <a:sym typeface="Symbol" panose="05050102010706020507" pitchFamily="18" charset="2"/>
+              </a:rPr>
+              <a:t>-1</a:t>
+            </a:r>
+            <a:r>
+              <a:rPr lang="en-US" sz="2000" dirty="0" smtClean="0">
+                <a:sym typeface="Symbol" panose="05050102010706020507" pitchFamily="18" charset="2"/>
+              </a:rPr>
+              <a:t>,j,</a:t>
+            </a:r>
+            <a:r>
+              <a:rPr lang="en-US" sz="2000" dirty="0" smtClean="0">
+                <a:sym typeface="Symbol" panose="05050102010706020507" pitchFamily="18" charset="2"/>
+              </a:rPr>
+              <a:t>)</a:t>
+            </a:r>
+            <a:r>
+              <a:rPr lang="en-US" sz="2000" dirty="0"/>
+              <a:t> *Focal(k)</a:t>
+            </a:r>
+            <a:endParaRPr lang="en-US" sz="2000" dirty="0"/>
+          </a:p>
+          <a:p>
+            <a:pPr marL="0" indent="0">
+              <a:buNone/>
+            </a:pPr>
+            <a:endParaRPr lang="en-US" sz="2000" dirty="0" smtClean="0"/>
+          </a:p>
+          <a:p>
+            <a:pPr marL="0" indent="0">
+              <a:buNone/>
+            </a:pPr>
+            <a:r>
+              <a:rPr lang="en-US" sz="2000" dirty="0"/>
+              <a:t>Model: P(</a:t>
+            </a:r>
+            <a:r>
+              <a:rPr lang="en-US" sz="2000" dirty="0" err="1"/>
+              <a:t>k,i,s,j</a:t>
+            </a:r>
+            <a:r>
+              <a:rPr lang="en-US" sz="2000" dirty="0"/>
+              <a:t>) = </a:t>
+            </a:r>
+            <a:r>
+              <a:rPr lang="en-US" sz="2000" dirty="0" err="1"/>
+              <a:t>Bias</a:t>
+            </a:r>
+            <a:r>
+              <a:rPr lang="en-US" sz="2000" baseline="-25000" dirty="0" err="1"/>
+              <a:t>k</a:t>
+            </a:r>
+            <a:r>
+              <a:rPr lang="en-US" sz="2000" dirty="0"/>
+              <a:t> + α*Sigmoid(s, </a:t>
+            </a:r>
+            <a:r>
+              <a:rPr lang="en-US" sz="2000" dirty="0">
+                <a:sym typeface="Symbol" panose="05050102010706020507" pitchFamily="18" charset="2"/>
+              </a:rPr>
+              <a:t>, </a:t>
+            </a:r>
+            <a:r>
+              <a:rPr lang="en-US" sz="2000" dirty="0"/>
+              <a:t>)*</a:t>
+            </a:r>
+            <a:r>
+              <a:rPr lang="en-US" sz="2000" dirty="0" smtClean="0"/>
+              <a:t>I(</a:t>
+            </a:r>
+            <a:r>
+              <a:rPr lang="en-US" sz="2000" dirty="0" err="1" smtClean="0"/>
+              <a:t>k,i</a:t>
+            </a:r>
+            <a:r>
+              <a:rPr lang="en-US" sz="2000" dirty="0" smtClean="0"/>
+              <a:t>)*</a:t>
+            </a:r>
+            <a:r>
+              <a:rPr lang="en-US" sz="2000" dirty="0"/>
+              <a:t>Focal(k) </a:t>
+            </a:r>
+          </a:p>
+          <a:p>
+            <a:pPr marL="0" indent="0">
+              <a:buNone/>
+            </a:pPr>
+            <a:r>
+              <a:rPr lang="en-US" sz="2000" dirty="0"/>
+              <a:t>			+ </a:t>
+            </a:r>
+            <a:r>
+              <a:rPr lang="en-US" sz="2000" dirty="0">
+                <a:sym typeface="Symbol" panose="05050102010706020507" pitchFamily="18" charset="2"/>
+              </a:rPr>
+              <a:t></a:t>
+            </a:r>
+            <a:r>
+              <a:rPr lang="en-US" sz="2000" dirty="0" smtClean="0"/>
+              <a:t>*Sigmoid(</a:t>
+            </a:r>
+            <a:r>
+              <a:rPr lang="en-US" sz="2000" dirty="0" err="1" smtClean="0">
+                <a:solidFill>
+                  <a:srgbClr val="FF0000"/>
+                </a:solidFill>
+              </a:rPr>
+              <a:t>FRAsim</a:t>
+            </a:r>
+            <a:r>
+              <a:rPr lang="en-US" sz="2000" dirty="0" smtClean="0">
+                <a:solidFill>
+                  <a:srgbClr val="FF0000"/>
+                </a:solidFill>
+              </a:rPr>
+              <a:t>(</a:t>
+            </a:r>
+            <a:r>
+              <a:rPr lang="en-US" sz="2000" dirty="0" err="1" smtClean="0">
+                <a:solidFill>
+                  <a:srgbClr val="FF0000"/>
+                </a:solidFill>
+              </a:rPr>
+              <a:t>k,i,j</a:t>
+            </a:r>
+            <a:r>
+              <a:rPr lang="en-US" sz="2000" dirty="0" smtClean="0">
+                <a:solidFill>
+                  <a:srgbClr val="FF0000"/>
+                </a:solidFill>
+              </a:rPr>
               <a:t>)</a:t>
+            </a:r>
+            <a:r>
+              <a:rPr lang="en-US" sz="2000" dirty="0" smtClean="0"/>
+              <a:t>,</a:t>
+            </a:r>
+            <a:r>
+              <a:rPr lang="en-US" sz="2000" dirty="0" smtClean="0">
+                <a:sym typeface="Symbol" panose="05050102010706020507" pitchFamily="18" charset="2"/>
+              </a:rPr>
+              <a:t>,</a:t>
+            </a:r>
+            <a:r>
+              <a:rPr lang="en-US" sz="2000" dirty="0">
+                <a:sym typeface="Symbol" panose="05050102010706020507" pitchFamily="18" charset="2"/>
+              </a:rPr>
+              <a:t> </a:t>
+            </a:r>
+            <a:r>
+              <a:rPr lang="en-US" sz="2000" dirty="0" smtClean="0"/>
+              <a:t>)*</a:t>
+            </a:r>
+            <a:r>
+              <a:rPr lang="en-US" sz="2000" dirty="0"/>
+              <a:t>Focal(k)</a:t>
+            </a:r>
+          </a:p>
+          <a:p>
+            <a:pPr marL="0" indent="0">
+              <a:buNone/>
+            </a:pPr>
+            <a:endParaRPr lang="en-US" sz="2000" dirty="0" smtClean="0"/>
+          </a:p>
+          <a:p>
+            <a:pPr marL="0" indent="0">
+              <a:buNone/>
+            </a:pPr>
+            <a:r>
+              <a:rPr lang="en-US" sz="2000" dirty="0" smtClean="0"/>
+              <a:t>Model</a:t>
+            </a:r>
+            <a:r>
+              <a:rPr lang="en-US" sz="2000" dirty="0"/>
+              <a:t>: P(</a:t>
+            </a:r>
+            <a:r>
+              <a:rPr lang="en-US" sz="2000" dirty="0" err="1"/>
+              <a:t>k,i,s</a:t>
+            </a:r>
+            <a:r>
+              <a:rPr lang="en-US" sz="2000" dirty="0"/>
+              <a:t>) = </a:t>
+            </a:r>
+            <a:r>
+              <a:rPr lang="en-US" sz="2000" dirty="0" err="1" smtClean="0"/>
+              <a:t>Bias</a:t>
+            </a:r>
+            <a:r>
+              <a:rPr lang="en-US" sz="2000" baseline="-25000" dirty="0" err="1" smtClean="0"/>
+              <a:t>k</a:t>
+            </a:r>
+            <a:r>
+              <a:rPr lang="en-US" sz="2000" dirty="0" smtClean="0"/>
+              <a:t>*(1 + Sigmoid(</a:t>
+            </a:r>
+            <a:r>
+              <a:rPr lang="en-US" sz="2000" dirty="0" err="1" smtClean="0"/>
+              <a:t>FRAsim</a:t>
+            </a:r>
+            <a:r>
+              <a:rPr lang="en-US" sz="2000" dirty="0" smtClean="0"/>
+              <a:t>(</a:t>
+            </a:r>
+            <a:r>
+              <a:rPr lang="en-US" sz="2000" dirty="0" err="1" smtClean="0"/>
+              <a:t>k,i,j</a:t>
+            </a:r>
+            <a:r>
+              <a:rPr lang="en-US" sz="2000" dirty="0" smtClean="0"/>
+              <a:t>), </a:t>
+            </a:r>
+            <a:r>
+              <a:rPr lang="en-US" sz="2000" dirty="0" smtClean="0">
+                <a:sym typeface="Symbol" panose="05050102010706020507" pitchFamily="18" charset="2"/>
+              </a:rPr>
+              <a:t>, </a:t>
+            </a:r>
+            <a:r>
+              <a:rPr lang="en-US" sz="2000" dirty="0" smtClean="0"/>
+              <a:t>)*</a:t>
+            </a:r>
+            <a:r>
+              <a:rPr lang="en-US" sz="2000" dirty="0"/>
+              <a:t>Focal(k)</a:t>
+            </a:r>
+            <a:r>
+              <a:rPr lang="en-US" sz="2000" dirty="0" smtClean="0"/>
+              <a:t>) </a:t>
+            </a:r>
+          </a:p>
+          <a:p>
+            <a:pPr marL="0" indent="0">
+              <a:buNone/>
+            </a:pPr>
+            <a:r>
+              <a:rPr lang="en-US" sz="2000" dirty="0"/>
+              <a:t>	</a:t>
+            </a:r>
+            <a:r>
+              <a:rPr lang="en-US" sz="2000" dirty="0" smtClean="0"/>
+              <a:t>		+ </a:t>
+            </a:r>
+            <a:r>
+              <a:rPr lang="en-US" sz="2000" dirty="0"/>
+              <a:t>α*Sigmoid(s, </a:t>
+            </a:r>
+            <a:r>
+              <a:rPr lang="en-US" sz="2000" dirty="0">
+                <a:sym typeface="Symbol" panose="05050102010706020507" pitchFamily="18" charset="2"/>
+              </a:rPr>
+              <a:t>, </a:t>
+            </a:r>
+            <a:r>
+              <a:rPr lang="en-US" sz="2000" dirty="0"/>
+              <a:t>)*</a:t>
+            </a:r>
+            <a:r>
+              <a:rPr lang="en-US" sz="2000" dirty="0" smtClean="0"/>
+              <a:t>I(</a:t>
+            </a:r>
+            <a:r>
+              <a:rPr lang="en-US" sz="2000" dirty="0" err="1" smtClean="0"/>
+              <a:t>k,i</a:t>
+            </a:r>
+            <a:r>
+              <a:rPr lang="en-US" sz="2000" dirty="0" smtClean="0"/>
+              <a:t>)*</a:t>
+            </a:r>
+            <a:r>
+              <a:rPr lang="en-US" sz="2000" dirty="0"/>
+              <a:t>Focal(k) </a:t>
             </a:r>
           </a:p>
           <a:p>
@@ -3709,8 +4205,8 @@
         </p:nvSpPr>
         <p:spPr>
           <a:xfrm>
-            <a:off x="838200" y="6312516"/>
-            <a:ext cx="5060092" cy="276999"/>
+            <a:off x="838200" y="6331324"/>
+            <a:ext cx="10515600" cy="276999"/>
           </a:xfrm>
           <a:prstGeom prst="rect">
             <a:avLst/>
@@ -3722,6 +4218,7 @@
           </a:bodyPr>
           <a:lstStyle/>
           <a:p>
+            <a:pPr algn="ctr"/>
             <a:r>
               <a:rPr lang="en-US" sz="1200" dirty="0"/>
               <a:t>k: region in grid; </a:t>
@@ -3736,7 +4233,7 @@
             </a:r>
             <a:r>
               <a:rPr lang="en-US" sz="1200" dirty="0" smtClean="0"/>
-              <a:t>round</a:t>
+              <a:t>round; j: overlapping region on last round</a:t>
             </a:r>
             <a:endParaRPr lang="en-US" sz="1200" dirty="0"/>
           </a:p>
@@ -3744,14 +4241,14 @@
       </p:sp>
       <p:sp>
         <p:nvSpPr>
-          <p:cNvPr id="5" name="CuadroTexto 4"/>
+          <p:cNvPr id="10" name="CuadroTexto 9"/>
           <p:cNvSpPr txBox="1"/>
           <p:nvPr/>
         </p:nvSpPr>
         <p:spPr>
           <a:xfrm>
-            <a:off x="7397579" y="2780459"/>
-            <a:ext cx="2616422" cy="369332"/>
+            <a:off x="8402595" y="3268488"/>
+            <a:ext cx="3470245" cy="923330"/>
           </a:xfrm>
           <a:prstGeom prst="rect">
             <a:avLst/>
@@ -3765,32 +4262,95 @@
           <a:lstStyle/>
           <a:p>
             <a:r>
-              <a:rPr lang="es-CO" smtClean="0"/>
-              <a:t>Behavior</a:t>
+              <a:rPr lang="es-CO" dirty="0" err="1" smtClean="0"/>
+              <a:t>FRAsim</a:t>
             </a:r>
             <a:r>
               <a:rPr lang="es-CO" dirty="0" smtClean="0"/>
-              <a:t> at </a:t>
+              <a:t>(</a:t>
             </a:r>
             <a:r>
               <a:rPr lang="es-CO" dirty="0" err="1" smtClean="0"/>
-              <a:t>the</a:t>
+              <a:t>k,i,j</a:t>
             </a:r>
             <a:r>
               <a:rPr lang="es-CO" dirty="0" smtClean="0"/>
-              <a:t> </a:t>
+              <a:t>)=sim(</a:t>
             </a:r>
             <a:r>
               <a:rPr lang="es-CO" dirty="0" err="1" smtClean="0"/>
-              <a:t>dyad</a:t>
+              <a:t>k,i</a:t>
             </a:r>
             <a:r>
               <a:rPr lang="es-CO" dirty="0" smtClean="0"/>
-              <a:t> </a:t>
-            </a:r>
-            <a:r>
-              <a:rPr lang="es-CO" dirty="0" err="1" smtClean="0"/>
-              <a:t>level</a:t>
+              <a:t>)+sim(</a:t>
+            </a:r>
+            <a:r>
+              <a:rPr lang="en-US" dirty="0" smtClean="0">
+                <a:sym typeface="Symbol" panose="05050102010706020507" pitchFamily="18" charset="2"/>
+              </a:rPr>
+              <a:t>k</a:t>
+            </a:r>
+            <a:r>
+              <a:rPr lang="en-US" baseline="30000" dirty="0" smtClean="0">
+                <a:sym typeface="Symbol" panose="05050102010706020507" pitchFamily="18" charset="2"/>
+              </a:rPr>
+              <a:t>-1</a:t>
+            </a:r>
+            <a:r>
+              <a:rPr lang="en-US" dirty="0" smtClean="0">
+                <a:sym typeface="Symbol" panose="05050102010706020507" pitchFamily="18" charset="2"/>
+              </a:rPr>
+              <a:t>,j)</a:t>
+            </a:r>
+          </a:p>
+          <a:p>
+            <a:endParaRPr lang="en-US" dirty="0">
+              <a:sym typeface="Symbol" panose="05050102010706020507" pitchFamily="18" charset="2"/>
+            </a:endParaRPr>
+          </a:p>
+          <a:p>
+            <a:r>
+              <a:rPr lang="en-US" dirty="0" smtClean="0">
+                <a:sym typeface="Symbol" panose="05050102010706020507" pitchFamily="18" charset="2"/>
+              </a:rPr>
+              <a:t>sim(</a:t>
+            </a:r>
+            <a:r>
+              <a:rPr lang="en-US" dirty="0" err="1" smtClean="0">
+                <a:sym typeface="Symbol" panose="05050102010706020507" pitchFamily="18" charset="2"/>
+              </a:rPr>
+              <a:t>k,i</a:t>
+            </a:r>
+            <a:r>
+              <a:rPr lang="en-US" dirty="0" smtClean="0">
+                <a:sym typeface="Symbol" panose="05050102010706020507" pitchFamily="18" charset="2"/>
+              </a:rPr>
+              <a:t>)=Intersection(</a:t>
+            </a:r>
+            <a:r>
+              <a:rPr lang="en-US" dirty="0" err="1" smtClean="0">
+                <a:sym typeface="Symbol" panose="05050102010706020507" pitchFamily="18" charset="2"/>
+              </a:rPr>
+              <a:t>k,i</a:t>
+            </a:r>
+            <a:r>
+              <a:rPr lang="en-US" dirty="0" smtClean="0">
+                <a:sym typeface="Symbol" panose="05050102010706020507" pitchFamily="18" charset="2"/>
+              </a:rPr>
+              <a:t>)/Union(</a:t>
+            </a:r>
+            <a:r>
+              <a:rPr lang="en-US" dirty="0" err="1" smtClean="0">
+                <a:sym typeface="Symbol" panose="05050102010706020507" pitchFamily="18" charset="2"/>
+              </a:rPr>
+              <a:t>k,i</a:t>
+            </a:r>
+            <a:r>
+              <a:rPr lang="en-US" dirty="0" smtClean="0">
+                <a:sym typeface="Symbol" panose="05050102010706020507" pitchFamily="18" charset="2"/>
+              </a:rPr>
+              <a:t>)</a:t>
             </a:r>
             <a:endParaRPr lang="es-CO" dirty="0"/>
           </a:p>
@@ -3798,14 +4358,14 @@
       </p:sp>
       <p:sp>
         <p:nvSpPr>
-          <p:cNvPr id="6" name="CuadroTexto 5"/>
+          <p:cNvPr id="11" name="CuadroTexto 10"/>
           <p:cNvSpPr txBox="1"/>
           <p:nvPr/>
         </p:nvSpPr>
         <p:spPr>
           <a:xfrm>
-            <a:off x="1709352" y="2780459"/>
-            <a:ext cx="3075137" cy="369332"/>
+            <a:off x="8657968" y="2018270"/>
+            <a:ext cx="2597571" cy="369332"/>
           </a:xfrm>
           <a:prstGeom prst="rect">
             <a:avLst/>
@@ -3819,87 +4379,173 @@
           <a:lstStyle/>
           <a:p>
             <a:r>
+              <a:rPr lang="es-CO" dirty="0"/>
+              <a:t>s</a:t>
+            </a:r>
+            <a:r>
+              <a:rPr lang="es-CO" dirty="0" smtClean="0"/>
+              <a:t>im(</a:t>
+            </a:r>
+            <a:r>
               <a:rPr lang="es-CO" dirty="0" err="1" smtClean="0"/>
-              <a:t>Behavior</a:t>
+              <a:t>k,i</a:t>
             </a:r>
             <a:r>
               <a:rPr lang="es-CO" dirty="0" smtClean="0"/>
-              <a:t> at </a:t>
-            </a:r>
-            <a:r>
-              <a:rPr lang="es-CO" dirty="0" err="1" smtClean="0"/>
-              <a:t>the</a:t>
-            </a:r>
-            <a:r>
-              <a:rPr lang="es-CO" dirty="0" smtClean="0"/>
-              <a:t> individual </a:t>
-            </a:r>
-            <a:r>
-              <a:rPr lang="es-CO" dirty="0" err="1" smtClean="0"/>
-              <a:t>level</a:t>
+              <a:t>,</a:t>
+            </a:r>
+            <a:r>
+              <a:rPr lang="en-US" dirty="0" smtClean="0">
+                <a:sym typeface="Symbol" panose="05050102010706020507" pitchFamily="18" charset="2"/>
+              </a:rPr>
+              <a:t>)=</a:t>
+            </a:r>
+            <a:r>
+              <a:rPr lang="en-US" dirty="0" err="1" smtClean="0">
+                <a:sym typeface="Symbol" panose="05050102010706020507" pitchFamily="18" charset="2"/>
+              </a:rPr>
+              <a:t>exp</a:t>
+            </a:r>
+            <a:r>
+              <a:rPr lang="en-US" dirty="0" smtClean="0">
+                <a:sym typeface="Symbol" panose="05050102010706020507" pitchFamily="18" charset="2"/>
+              </a:rPr>
+              <a:t>(-*</a:t>
+            </a:r>
+            <a:r>
+              <a:rPr lang="en-US" dirty="0" err="1" smtClean="0">
+                <a:sym typeface="Symbol" panose="05050102010706020507" pitchFamily="18" charset="2"/>
+              </a:rPr>
+              <a:t>dist</a:t>
+            </a:r>
+            <a:r>
+              <a:rPr lang="en-US" dirty="0" smtClean="0">
+                <a:sym typeface="Symbol" panose="05050102010706020507" pitchFamily="18" charset="2"/>
+              </a:rPr>
+              <a:t>(</a:t>
+            </a:r>
+            <a:r>
+              <a:rPr lang="en-US" dirty="0" err="1" smtClean="0">
+                <a:sym typeface="Symbol" panose="05050102010706020507" pitchFamily="18" charset="2"/>
+              </a:rPr>
+              <a:t>k,i</a:t>
+            </a:r>
+            <a:r>
+              <a:rPr lang="en-US" dirty="0" smtClean="0">
+                <a:sym typeface="Symbol" panose="05050102010706020507" pitchFamily="18" charset="2"/>
+              </a:rPr>
+              <a:t>))</a:t>
             </a:r>
             <a:endParaRPr lang="es-CO" dirty="0"/>
           </a:p>
         </p:txBody>
       </p:sp>
-      <p:pic>
-        <p:nvPicPr>
-          <p:cNvPr id="7" name="Picture 4">
-            <a:extLst>
-              <a:ext uri="{FF2B5EF4-FFF2-40B4-BE49-F238E27FC236}">
-                <a16:creationId xmlns="" xmlns:a16="http://schemas.microsoft.com/office/drawing/2014/main" id="{42A5F47C-E3A3-414A-B60D-E7F7D9F019C1}"/>
-              </a:ext>
-            </a:extLst>
-          </p:cNvPr>
-          <p:cNvPicPr>
-            <a:picLocks noChangeAspect="1"/>
-          </p:cNvPicPr>
+      <p:cxnSp>
+        <p:nvCxnSpPr>
+          <p:cNvPr id="13" name="Conector recto de flecha 12"/>
+          <p:cNvCxnSpPr/>
           <p:nvPr/>
-        </p:nvPicPr>
-        <p:blipFill rotWithShape="1">
-          <a:blip r:embed="rId2"/>
-          <a:srcRect l="66734"/>
-          <a:stretch/>
-        </p:blipFill>
+        </p:nvCxnSpPr>
+        <p:spPr>
+          <a:xfrm flipH="1" flipV="1">
+            <a:off x="8872151" y="4191818"/>
+            <a:ext cx="1084602" cy="1047447"/>
+          </a:xfrm>
+          <a:prstGeom prst="straightConnector1">
+            <a:avLst/>
+          </a:prstGeom>
+          <a:ln w="28575">
+            <a:tailEnd type="triangle"/>
+          </a:ln>
+        </p:spPr>
+        <p:style>
+          <a:lnRef idx="1">
+            <a:schemeClr val="accent1"/>
+          </a:lnRef>
+          <a:fillRef idx="0">
+            <a:schemeClr val="accent1"/>
+          </a:fillRef>
+          <a:effectRef idx="0">
+            <a:schemeClr val="accent1"/>
+          </a:effectRef>
+          <a:fontRef idx="minor">
+            <a:schemeClr val="tx1"/>
+          </a:fontRef>
+        </p:style>
+      </p:cxnSp>
+      <p:sp>
+        <p:nvSpPr>
+          <p:cNvPr id="14" name="CuadroTexto 13"/>
+          <p:cNvSpPr txBox="1"/>
+          <p:nvPr/>
+        </p:nvSpPr>
         <p:spPr>
           <a:xfrm>
-            <a:off x="7820153" y="3299541"/>
-            <a:ext cx="1916069" cy="2920047"/>
+            <a:off x="10096340" y="4807560"/>
+            <a:ext cx="2029017" cy="1200329"/>
           </a:xfrm>
           <a:prstGeom prst="rect">
             <a:avLst/>
           </a:prstGeom>
+          <a:noFill/>
         </p:spPr>
-      </p:pic>
-      <p:pic>
-        <p:nvPicPr>
-          <p:cNvPr id="8" name="Picture 4">
-            <a:extLst>
-              <a:ext uri="{FF2B5EF4-FFF2-40B4-BE49-F238E27FC236}">
-                <a16:creationId xmlns="" xmlns:a16="http://schemas.microsoft.com/office/drawing/2014/main" id="{42A5F47C-E3A3-414A-B60D-E7F7D9F019C1}"/>
-              </a:ext>
-            </a:extLst>
-          </p:cNvPr>
-          <p:cNvPicPr>
-            <a:picLocks noChangeAspect="1"/>
-          </p:cNvPicPr>
-          <p:nvPr/>
-        </p:nvPicPr>
-        <p:blipFill rotWithShape="1">
-          <a:blip r:embed="rId2"/>
-          <a:srcRect r="32766"/>
-          <a:stretch/>
-        </p:blipFill>
-        <p:spPr>
-          <a:xfrm>
-            <a:off x="1317281" y="3339539"/>
-            <a:ext cx="3872557" cy="2920047"/>
-          </a:xfrm>
-          <a:prstGeom prst="rect">
-            <a:avLst/>
-          </a:prstGeom>
-        </p:spPr>
-      </p:pic>
+        <p:txBody>
+          <a:bodyPr wrap="none" rtlCol="0">
+            <a:spAutoFit/>
+          </a:bodyPr>
+          <a:lstStyle/>
+          <a:p>
+            <a:r>
+              <a:rPr lang="es-CO" dirty="0" smtClean="0"/>
+              <a:t>No </a:t>
+            </a:r>
+            <a:r>
+              <a:rPr lang="es-CO" dirty="0" err="1" smtClean="0"/>
+              <a:t>model</a:t>
+            </a:r>
+            <a:r>
+              <a:rPr lang="es-CO" dirty="0" smtClean="0"/>
+              <a:t> </a:t>
+            </a:r>
+          </a:p>
+          <a:p>
+            <a:r>
+              <a:rPr lang="es-CO" dirty="0" err="1" smtClean="0"/>
+              <a:t>parameters</a:t>
+            </a:r>
+            <a:r>
+              <a:rPr lang="es-CO" dirty="0" smtClean="0"/>
+              <a:t> </a:t>
+            </a:r>
+          </a:p>
+          <a:p>
+            <a:r>
+              <a:rPr lang="es-CO" dirty="0" smtClean="0"/>
+              <a:t>so can be </a:t>
+            </a:r>
+            <a:r>
+              <a:rPr lang="es-CO" dirty="0" err="1" smtClean="0"/>
+              <a:t>visualized</a:t>
+            </a:r>
+            <a:endParaRPr lang="es-CO" dirty="0" smtClean="0"/>
+          </a:p>
+          <a:p>
+            <a:r>
+              <a:rPr lang="es-CO" dirty="0" smtClean="0"/>
+              <a:t>and </a:t>
+            </a:r>
+            <a:r>
+              <a:rPr lang="es-CO" dirty="0" err="1" smtClean="0"/>
+              <a:t>fitted</a:t>
+            </a:r>
+            <a:r>
+              <a:rPr lang="es-CO" dirty="0" smtClean="0"/>
+              <a:t>!</a:t>
+            </a:r>
+            <a:endParaRPr lang="es-CO" dirty="0"/>
+          </a:p>
+        </p:txBody>
+      </p:sp>
     </p:spTree>
     <p:extLst>
       <p:ext uri="{BB962C8B-B14F-4D97-AF65-F5344CB8AC3E}">
@@ -3931,7 +4577,7 @@
                             </p:stCondLst>
                             <p:childTnLst>
                               <p:par>
-                                <p:cTn id="5" presetID="1" presetClass="entr" presetSubtype="0" fill="hold" grpId="0" nodeType="clickEffect">
+                                <p:cTn id="5" presetID="1" presetClass="entr" presetSubtype="0" fill="hold" nodeType="clickEffect">
                                   <p:stCondLst>
                                     <p:cond delay="0"/>
                                   </p:stCondLst>
@@ -3944,7 +4590,11 @@
                                           </p:stCondLst>
                                         </p:cTn>
                                         <p:tgtEl>
-                                          <p:spTgt spid="5"/>
+                                          <p:spTgt spid="3">
+                                            <p:txEl>
+                                              <p:pRg st="4" end="4"/>
+                                            </p:txEl>
+                                          </p:spTgt>
                                         </p:tgtEl>
                                         <p:attrNameLst>
                                           <p:attrName>style.visibility</p:attrName>
@@ -3971,7 +4621,11 @@
                                           </p:stCondLst>
                                         </p:cTn>
                                         <p:tgtEl>
-                                          <p:spTgt spid="7"/>
+                                          <p:spTgt spid="3">
+                                            <p:txEl>
+                                              <p:pRg st="5" end="5"/>
+                                            </p:txEl>
+                                          </p:spTgt>
                                         </p:tgtEl>
                                         <p:attrNameLst>
                                           <p:attrName>style.visibility</p:attrName>
@@ -4016,7 +4670,52 @@
                                           </p:stCondLst>
                                         </p:cTn>
                                         <p:tgtEl>
-                                          <p:spTgt spid="6"/>
+                                          <p:spTgt spid="10"/>
+                                        </p:tgtEl>
+                                        <p:attrNameLst>
+                                          <p:attrName>style.visibility</p:attrName>
+                                        </p:attrNameLst>
+                                      </p:cBhvr>
+                                      <p:to>
+                                        <p:strVal val="visible"/>
+                                      </p:to>
+                                    </p:set>
+                                  </p:childTnLst>
+                                </p:cTn>
+                              </p:par>
+                            </p:childTnLst>
+                          </p:cTn>
+                        </p:par>
+                      </p:childTnLst>
+                    </p:cTn>
+                  </p:par>
+                  <p:par>
+                    <p:cTn id="13" fill="hold">
+                      <p:stCondLst>
+                        <p:cond delay="indefinite"/>
+                      </p:stCondLst>
+                      <p:childTnLst>
+                        <p:par>
+                          <p:cTn id="14" fill="hold">
+                            <p:stCondLst>
+                              <p:cond delay="0"/>
+                            </p:stCondLst>
+                            <p:childTnLst>
+                              <p:par>
+                                <p:cTn id="15" presetID="1" presetClass="entr" presetSubtype="0" fill="hold" nodeType="clickEffect">
+                                  <p:stCondLst>
+                                    <p:cond delay="0"/>
+                                  </p:stCondLst>
+                                  <p:childTnLst>
+                                    <p:set>
+                                      <p:cBhvr>
+                                        <p:cTn id="16" dur="1" fill="hold">
+                                          <p:stCondLst>
+                                            <p:cond delay="0"/>
+                                          </p:stCondLst>
+                                        </p:cTn>
+                                        <p:tgtEl>
+                                          <p:spTgt spid="13"/>
                                         </p:tgtEl>
                                         <p:attrNameLst>
                                           <p:attrName>style.visibility</p:attrName>
@@ -4030,20 +4729,100 @@
                                 </p:cTn>
                               </p:par>
                               <p:par>
-                                <p:cTn id="13" presetID="1" presetClass="entr" presetSubtype="0" fill="hold" nodeType="withEffect">
+                                <p:cTn id="17" presetID="1" presetClass="entr" presetSubtype="0" fill="hold" grpId="0" nodeType="withEffect">
                                   <p:stCondLst>
                                     <p:cond delay="0"/>
                                   </p:stCondLst>
                                   <p:childTnLst>
                                     <p:set>
                                       <p:cBhvr>
-                                        <p:cTn id="14" dur="1" fill="hold">
+                                        <p:cTn id="18" dur="1" fill="hold">
                                           <p:stCondLst>
                                             <p:cond delay="0"/>
                                           </p:stCondLst>
                                         </p:cTn>
                                         <p:tgtEl>
-                                          <p:spTgt spid="8"/>
+                                          <p:spTgt spid="14"/>
+                                        </p:tgtEl>
+                                        <p:attrNameLst>
+                                          <p:attrName>style.visibility</p:attrName>
+                                        </p:attrNameLst>
+                                      </p:cBhvr>
+                                      <p:to>
+                                        <p:strVal val="visible"/>
+                                      </p:to>
+                                    </p:set>
+                                  </p:childTnLst>
+                                </p:cTn>
+                              </p:par>
+                            </p:childTnLst>
+                          </p:cTn>
+                        </p:par>
+                      </p:childTnLst>
+                    </p:cTn>
+                  </p:par>
+                  <p:par>
+                    <p:cTn id="19" fill="hold">
+                      <p:stCondLst>
+                        <p:cond delay="indefinite"/>
+                      </p:stCondLst>
+                      <p:childTnLst>
+                        <p:par>
+                          <p:cTn id="20" fill="hold">
+                            <p:stCondLst>
+                              <p:cond delay="0"/>
+                            </p:stCondLst>
+                            <p:childTnLst>
+                              <p:par>
+                                <p:cTn id="21" presetID="1" presetClass="entr" presetSubtype="0" fill="hold" nodeType="clickEffect">
+                                  <p:stCondLst>
+                                    <p:cond delay="0"/>
+                                  </p:stCondLst>
+                                  <p:childTnLst>
+                                    <p:set>
+                                      <p:cBhvr>
+                                        <p:cTn id="22" dur="1" fill="hold">
+                                          <p:stCondLst>
+                                            <p:cond delay="0"/>
+                                          </p:stCondLst>
+                                        </p:cTn>
+                                        <p:tgtEl>
+                                          <p:spTgt spid="3">
+                                            <p:txEl>
+                                              <p:pRg st="7" end="7"/>
+                                            </p:txEl>
+                                          </p:spTgt>
+                                        </p:tgtEl>
+                                        <p:attrNameLst>
+                                          <p:attrName>style.visibility</p:attrName>
+                                        </p:attrNameLst>
+                                      </p:cBhvr>
+                                      <p:to>
+                                        <p:strVal val="visible"/>
+                                      </p:to>
+                                    </p:set>
+                                  </p:childTnLst>
+                                </p:cTn>
+                              </p:par>
+                              <p:par>
+                                <p:cTn id="23" presetID="1" presetClass="entr" presetSubtype="0" fill="hold" nodeType="withEffect">
+                                  <p:stCondLst>
+                                    <p:cond delay="0"/>
+                                  </p:stCondLst>
+                                  <p:childTnLst>
+                                    <p:set>
+                                      <p:cBhvr>
+                                        <p:cTn id="24" dur="1" fill="hold">
+                                          <p:stCondLst>
+                                            <p:cond delay="0"/>
+                                          </p:stCondLst>
+                                        </p:cTn>
+                                        <p:tgtEl>
+                                          <p:spTgt spid="3">
+                                            <p:txEl>
+                                              <p:pRg st="8" end="8"/>
+                                            </p:txEl>
+                                          </p:spTgt>
                                         </p:tgtEl>
                                         <p:attrNameLst>
                                           <p:attrName>style.visibility</p:attrName>
@@ -4084,14 +4863,299 @@
       </p:par>
     </p:tnLst>
     <p:bldLst>
-      <p:bldP spid="5" grpId="0"/>
-      <p:bldP spid="6" grpId="0"/>
+      <p:bldP spid="10" grpId="0"/>
+      <p:bldP spid="14" grpId="0"/>
     </p:bldLst>
   </p:timing>
 </p:sld>
 </file>
 
 <file path=ppt/slides/slide3.xml><?xml version="1.0" encoding="utf-8"?>
+<p:sld xmlns:a="http://schemas.openxmlformats.org/drawingml/2006/main" xmlns:r="http://schemas.openxmlformats.org/officeDocument/2006/relationships" xmlns:p="http://schemas.openxmlformats.org/presentationml/2006/main">
+  <p:cSld>
+    <p:spTree>
+      <p:nvGrpSpPr>
+        <p:cNvPr id="1" name=""/>
+        <p:cNvGrpSpPr/>
+        <p:nvPr/>
+      </p:nvGrpSpPr>
+      <p:grpSpPr>
+        <a:xfrm>
+          <a:off x="0" y="0"/>
+          <a:ext cx="0" cy="0"/>
+          <a:chOff x="0" y="0"/>
+          <a:chExt cx="0" cy="0"/>
+        </a:xfrm>
+      </p:grpSpPr>
+      <p:sp>
+        <p:nvSpPr>
+          <p:cNvPr id="2" name="Title 1">
+            <a:extLst>
+              <a:ext uri="{FF2B5EF4-FFF2-40B4-BE49-F238E27FC236}">
+                <a16:creationId xmlns:a16="http://schemas.microsoft.com/office/drawing/2014/main" xmlns="" id="{4DA57ACC-E929-4E4F-B5F4-004C092C4E18}"/>
+              </a:ext>
+            </a:extLst>
+          </p:cNvPr>
+          <p:cNvSpPr>
+            <a:spLocks noGrp="1"/>
+          </p:cNvSpPr>
+          <p:nvPr>
+            <p:ph type="title"/>
+          </p:nvPr>
+        </p:nvSpPr>
+        <p:spPr/>
+        <p:txBody>
+          <a:bodyPr/>
+          <a:lstStyle/>
+          <a:p>
+            <a:r>
+              <a:rPr lang="en-US" dirty="0" smtClean="0"/>
+              <a:t>Qualitative effects </a:t>
+            </a:r>
+            <a:r>
+              <a:rPr lang="en-US" dirty="0" err="1" smtClean="0"/>
+              <a:t>FRASim</a:t>
+            </a:r>
+            <a:endParaRPr lang="en-US" dirty="0"/>
+          </a:p>
+        </p:txBody>
+      </p:sp>
+      <p:pic>
+        <p:nvPicPr>
+          <p:cNvPr id="11" name="Imagen 10"/>
+          <p:cNvPicPr>
+            <a:picLocks noChangeAspect="1"/>
+          </p:cNvPicPr>
+          <p:nvPr/>
+        </p:nvPicPr>
+        <p:blipFill>
+          <a:blip r:embed="rId2"/>
+          <a:stretch>
+            <a:fillRect/>
+          </a:stretch>
+        </p:blipFill>
+        <p:spPr>
+          <a:xfrm>
+            <a:off x="838200" y="2024283"/>
+            <a:ext cx="4537662" cy="4371281"/>
+          </a:xfrm>
+          <a:prstGeom prst="rect">
+            <a:avLst/>
+          </a:prstGeom>
+        </p:spPr>
+      </p:pic>
+      <p:pic>
+        <p:nvPicPr>
+          <p:cNvPr id="13" name="Imagen 12"/>
+          <p:cNvPicPr>
+            <a:picLocks noChangeAspect="1"/>
+          </p:cNvPicPr>
+          <p:nvPr/>
+        </p:nvPicPr>
+        <p:blipFill>
+          <a:blip r:embed="rId3"/>
+          <a:stretch>
+            <a:fillRect/>
+          </a:stretch>
+        </p:blipFill>
+        <p:spPr>
+          <a:xfrm>
+            <a:off x="5788459" y="2024283"/>
+            <a:ext cx="5192784" cy="4072495"/>
+          </a:xfrm>
+          <a:prstGeom prst="rect">
+            <a:avLst/>
+          </a:prstGeom>
+        </p:spPr>
+      </p:pic>
+    </p:spTree>
+    <p:extLst>
+      <p:ext uri="{BB962C8B-B14F-4D97-AF65-F5344CB8AC3E}">
+        <p14:creationId xmlns:p14="http://schemas.microsoft.com/office/powerpoint/2010/main" val="3720195567"/>
+      </p:ext>
+    </p:extLst>
+  </p:cSld>
+  <p:clrMapOvr>
+    <a:masterClrMapping/>
+  </p:clrMapOvr>
+  <p:timing>
+    <p:tnLst>
+      <p:par>
+        <p:cTn id="1" dur="indefinite" restart="never" nodeType="tmRoot"/>
+      </p:par>
+    </p:tnLst>
+  </p:timing>
+</p:sld>
+</file>
+
+<file path=ppt/slides/slide4.xml><?xml version="1.0" encoding="utf-8"?>
+<p:sld xmlns:a="http://schemas.openxmlformats.org/drawingml/2006/main" xmlns:r="http://schemas.openxmlformats.org/officeDocument/2006/relationships" xmlns:p="http://schemas.openxmlformats.org/presentationml/2006/main">
+  <p:cSld>
+    <p:spTree>
+      <p:nvGrpSpPr>
+        <p:cNvPr id="1" name=""/>
+        <p:cNvGrpSpPr/>
+        <p:nvPr/>
+      </p:nvGrpSpPr>
+      <p:grpSpPr>
+        <a:xfrm>
+          <a:off x="0" y="0"/>
+          <a:ext cx="0" cy="0"/>
+          <a:chOff x="0" y="0"/>
+          <a:chExt cx="0" cy="0"/>
+        </a:xfrm>
+      </p:grpSpPr>
+      <p:sp>
+        <p:nvSpPr>
+          <p:cNvPr id="2" name="Título 1"/>
+          <p:cNvSpPr>
+            <a:spLocks noGrp="1"/>
+          </p:cNvSpPr>
+          <p:nvPr>
+            <p:ph type="title"/>
+          </p:nvPr>
+        </p:nvSpPr>
+        <p:spPr/>
+        <p:txBody>
+          <a:bodyPr/>
+          <a:lstStyle/>
+          <a:p>
+            <a:r>
+              <a:rPr lang="es-CO" dirty="0" err="1" smtClean="0"/>
+              <a:t>FRAsim</a:t>
+            </a:r>
+            <a:r>
+              <a:rPr lang="es-CO" dirty="0" smtClean="0"/>
+              <a:t> as a </a:t>
+            </a:r>
+            <a:r>
+              <a:rPr lang="es-CO" dirty="0" err="1" smtClean="0"/>
+              <a:t>threshold</a:t>
+            </a:r>
+            <a:r>
+              <a:rPr lang="es-CO" dirty="0" smtClean="0"/>
+              <a:t> </a:t>
+            </a:r>
+            <a:r>
+              <a:rPr lang="es-CO" dirty="0" err="1" smtClean="0"/>
+              <a:t>mechanism</a:t>
+            </a:r>
+            <a:endParaRPr lang="es-CO" dirty="0"/>
+          </a:p>
+        </p:txBody>
+      </p:sp>
+      <p:graphicFrame>
+        <p:nvGraphicFramePr>
+          <p:cNvPr id="4" name="Objeto 3"/>
+          <p:cNvGraphicFramePr>
+            <a:graphicFrameLocks noChangeAspect="1"/>
+          </p:cNvGraphicFramePr>
+          <p:nvPr>
+            <p:extLst>
+              <p:ext uri="{D42A27DB-BD31-4B8C-83A1-F6EECF244321}">
+                <p14:modId xmlns:p14="http://schemas.microsoft.com/office/powerpoint/2010/main" val="4209666687"/>
+              </p:ext>
+            </p:extLst>
+          </p:nvPr>
+        </p:nvGraphicFramePr>
+        <p:xfrm>
+          <a:off x="3165056" y="1907021"/>
+          <a:ext cx="6012500" cy="4509375"/>
+        </p:xfrm>
+        <a:graphic>
+          <a:graphicData uri="http://schemas.openxmlformats.org/presentationml/2006/ole">
+            <mc:AlternateContent xmlns:mc="http://schemas.openxmlformats.org/markup-compatibility/2006">
+              <mc:Choice xmlns:v="urn:schemas-microsoft-com:vml" Requires="v">
+                <p:oleObj spid="_x0000_s1035" name="Acrobat Document" r:id="rId3" imgW="5486400" imgH="4114800" progId="AcroExch.Document.DC">
+                  <p:embed/>
+                </p:oleObj>
+              </mc:Choice>
+              <mc:Fallback>
+                <p:oleObj name="Acrobat Document" r:id="rId3" imgW="5486400" imgH="4114800" progId="AcroExch.Document.DC">
+                  <p:embed/>
+                  <p:pic>
+                    <p:nvPicPr>
+                      <p:cNvPr id="0" name=""/>
+                      <p:cNvPicPr/>
+                      <p:nvPr/>
+                    </p:nvPicPr>
+                    <p:blipFill>
+                      <a:blip r:embed="rId4"/>
+                      <a:stretch>
+                        <a:fillRect/>
+                      </a:stretch>
+                    </p:blipFill>
+                    <p:spPr>
+                      <a:xfrm>
+                        <a:off x="3165056" y="1907021"/>
+                        <a:ext cx="6012500" cy="4509375"/>
+                      </a:xfrm>
+                      <a:prstGeom prst="rect">
+                        <a:avLst/>
+                      </a:prstGeom>
+                    </p:spPr>
+                  </p:pic>
+                </p:oleObj>
+              </mc:Fallback>
+            </mc:AlternateContent>
+          </a:graphicData>
+        </a:graphic>
+      </p:graphicFrame>
+      <p:sp>
+        <p:nvSpPr>
+          <p:cNvPr id="5" name="CuadroTexto 4"/>
+          <p:cNvSpPr txBox="1"/>
+          <p:nvPr/>
+        </p:nvSpPr>
+        <p:spPr>
+          <a:xfrm>
+            <a:off x="838200" y="2100649"/>
+            <a:ext cx="1639488" cy="369332"/>
+          </a:xfrm>
+          <a:prstGeom prst="rect">
+            <a:avLst/>
+          </a:prstGeom>
+          <a:noFill/>
+        </p:spPr>
+        <p:txBody>
+          <a:bodyPr wrap="none" rtlCol="0">
+            <a:spAutoFit/>
+          </a:bodyPr>
+          <a:lstStyle/>
+          <a:p>
+            <a:r>
+              <a:rPr lang="es-CO" dirty="0" err="1" smtClean="0"/>
+              <a:t>Behavioral</a:t>
+            </a:r>
+            <a:r>
+              <a:rPr lang="es-CO" dirty="0" smtClean="0"/>
+              <a:t> data</a:t>
+            </a:r>
+            <a:endParaRPr lang="es-CO" dirty="0"/>
+          </a:p>
+        </p:txBody>
+      </p:sp>
+    </p:spTree>
+    <p:extLst>
+      <p:ext uri="{BB962C8B-B14F-4D97-AF65-F5344CB8AC3E}">
+        <p14:creationId xmlns:p14="http://schemas.microsoft.com/office/powerpoint/2010/main" val="1065332315"/>
+      </p:ext>
+    </p:extLst>
+  </p:cSld>
+  <p:clrMapOvr>
+    <a:masterClrMapping/>
+  </p:clrMapOvr>
+  <p:timing>
+    <p:tnLst>
+      <p:par>
+        <p:cTn id="1" dur="indefinite" restart="never" nodeType="tmRoot"/>
+      </p:par>
+    </p:tnLst>
+  </p:timing>
+</p:sld>
+</file>
+
+<file path=ppt/slides/slide5.xml><?xml version="1.0" encoding="utf-8"?>
 <p:sld xmlns:a="http://schemas.openxmlformats.org/drawingml/2006/main" xmlns:r="http://schemas.openxmlformats.org/officeDocument/2006/relationships" xmlns:p="http://schemas.openxmlformats.org/presentationml/2006/main">
   <p:cSld>
     <p:spTree>
@@ -4281,10 +5345,17 @@
   <p:clrMapOvr>
     <a:masterClrMapping/>
   </p:clrMapOvr>
+  <p:timing>
+    <p:tnLst>
+      <p:par>
+        <p:cTn id="1" dur="indefinite" restart="never" nodeType="tmRoot"/>
+      </p:par>
+    </p:tnLst>
+  </p:timing>
 </p:sld>
 </file>
 
-<file path=ppt/slides/slide4.xml><?xml version="1.0" encoding="utf-8"?>
+<file path=ppt/slides/slide6.xml><?xml version="1.0" encoding="utf-8"?>
 <p:sld xmlns:a="http://schemas.openxmlformats.org/drawingml/2006/main" xmlns:r="http://schemas.openxmlformats.org/officeDocument/2006/relationships" xmlns:p="http://schemas.openxmlformats.org/presentationml/2006/main">
   <p:cSld>
     <p:spTree>
@@ -4330,7 +5401,7 @@
           <p:cNvPr id="2" name="Title 1">
             <a:extLst>
               <a:ext uri="{FF2B5EF4-FFF2-40B4-BE49-F238E27FC236}">
-                <a16:creationId xmlns="" xmlns:a16="http://schemas.microsoft.com/office/drawing/2014/main" id="{7D641731-F534-2649-83FB-6F010DF1AD7C}"/>
+                <a16:creationId xmlns:a16="http://schemas.microsoft.com/office/drawing/2014/main" xmlns="" id="{7D641731-F534-2649-83FB-6F010DF1AD7C}"/>
               </a:ext>
             </a:extLst>
           </p:cNvPr>
@@ -4358,7 +5429,7 @@
           <p:cNvPr id="8" name="Frame 7">
             <a:extLst>
               <a:ext uri="{FF2B5EF4-FFF2-40B4-BE49-F238E27FC236}">
-                <a16:creationId xmlns="" xmlns:a16="http://schemas.microsoft.com/office/drawing/2014/main" id="{CB7CF0CF-074A-2540-BE74-0B81F99EC27E}"/>
+                <a16:creationId xmlns:a16="http://schemas.microsoft.com/office/drawing/2014/main" xmlns="" id="{CB7CF0CF-074A-2540-BE74-0B81F99EC27E}"/>
               </a:ext>
             </a:extLst>
           </p:cNvPr>
@@ -4416,7 +5487,7 @@
 </p:sld>
 </file>
 
-<file path=ppt/slides/slide5.xml><?xml version="1.0" encoding="utf-8"?>
+<file path=ppt/slides/slide7.xml><?xml version="1.0" encoding="utf-8"?>
 <p:sld xmlns:a="http://schemas.openxmlformats.org/drawingml/2006/main" xmlns:r="http://schemas.openxmlformats.org/officeDocument/2006/relationships" xmlns:p="http://schemas.openxmlformats.org/presentationml/2006/main">
   <p:cSld>
     <p:spTree>
@@ -4462,7 +5533,7 @@
           <p:cNvPr id="2" name="Title 1">
             <a:extLst>
               <a:ext uri="{FF2B5EF4-FFF2-40B4-BE49-F238E27FC236}">
-                <a16:creationId xmlns="" xmlns:a16="http://schemas.microsoft.com/office/drawing/2014/main" id="{7D641731-F534-2649-83FB-6F010DF1AD7C}"/>
+                <a16:creationId xmlns:a16="http://schemas.microsoft.com/office/drawing/2014/main" xmlns="" id="{7D641731-F534-2649-83FB-6F010DF1AD7C}"/>
               </a:ext>
             </a:extLst>
           </p:cNvPr>
@@ -4490,7 +5561,7 @@
           <p:cNvPr id="6" name="Frame 7">
             <a:extLst>
               <a:ext uri="{FF2B5EF4-FFF2-40B4-BE49-F238E27FC236}">
-                <a16:creationId xmlns="" xmlns:a16="http://schemas.microsoft.com/office/drawing/2014/main" id="{CB7CF0CF-074A-2540-BE74-0B81F99EC27E}"/>
+                <a16:creationId xmlns:a16="http://schemas.microsoft.com/office/drawing/2014/main" xmlns="" id="{CB7CF0CF-074A-2540-BE74-0B81F99EC27E}"/>
               </a:ext>
             </a:extLst>
           </p:cNvPr>
@@ -4539,270 +5610,6 @@
     <p:extLst>
       <p:ext uri="{BB962C8B-B14F-4D97-AF65-F5344CB8AC3E}">
         <p14:creationId xmlns:p14="http://schemas.microsoft.com/office/powerpoint/2010/main" val="2711302745"/>
-      </p:ext>
-    </p:extLst>
-  </p:cSld>
-  <p:clrMapOvr>
-    <a:masterClrMapping/>
-  </p:clrMapOvr>
-</p:sld>
-</file>
-
-<file path=ppt/slides/slide6.xml><?xml version="1.0" encoding="utf-8"?>
-<p:sld xmlns:a="http://schemas.openxmlformats.org/drawingml/2006/main" xmlns:r="http://schemas.openxmlformats.org/officeDocument/2006/relationships" xmlns:p="http://schemas.openxmlformats.org/presentationml/2006/main">
-  <p:cSld>
-    <p:spTree>
-      <p:nvGrpSpPr>
-        <p:cNvPr id="1" name=""/>
-        <p:cNvGrpSpPr/>
-        <p:nvPr/>
-      </p:nvGrpSpPr>
-      <p:grpSpPr>
-        <a:xfrm>
-          <a:off x="0" y="0"/>
-          <a:ext cx="0" cy="0"/>
-          <a:chOff x="0" y="0"/>
-          <a:chExt cx="0" cy="0"/>
-        </a:xfrm>
-      </p:grpSpPr>
-      <p:sp>
-        <p:nvSpPr>
-          <p:cNvPr id="2" name="Title 1">
-            <a:extLst>
-              <a:ext uri="{FF2B5EF4-FFF2-40B4-BE49-F238E27FC236}">
-                <a16:creationId xmlns="" xmlns:a16="http://schemas.microsoft.com/office/drawing/2014/main" id="{7D641731-F534-2649-83FB-6F010DF1AD7C}"/>
-              </a:ext>
-            </a:extLst>
-          </p:cNvPr>
-          <p:cNvSpPr>
-            <a:spLocks noGrp="1"/>
-          </p:cNvSpPr>
-          <p:nvPr>
-            <p:ph type="title"/>
-          </p:nvPr>
-        </p:nvSpPr>
-        <p:spPr/>
-        <p:txBody>
-          <a:bodyPr/>
-          <a:lstStyle/>
-          <a:p>
-            <a:r>
-              <a:rPr lang="en-US" dirty="0"/>
-              <a:t>Qualitative effects (2 focal regions – low)</a:t>
-            </a:r>
-          </a:p>
-        </p:txBody>
-      </p:sp>
-      <p:pic>
-        <p:nvPicPr>
-          <p:cNvPr id="3" name="Imagen 2"/>
-          <p:cNvPicPr>
-            <a:picLocks noChangeAspect="1"/>
-          </p:cNvPicPr>
-          <p:nvPr/>
-        </p:nvPicPr>
-        <p:blipFill>
-          <a:blip r:embed="rId2"/>
-          <a:stretch>
-            <a:fillRect/>
-          </a:stretch>
-        </p:blipFill>
-        <p:spPr>
-          <a:xfrm>
-            <a:off x="1505524" y="1690688"/>
-            <a:ext cx="9180952" cy="5019048"/>
-          </a:xfrm>
-          <a:prstGeom prst="rect">
-            <a:avLst/>
-          </a:prstGeom>
-        </p:spPr>
-      </p:pic>
-      <p:sp>
-        <p:nvSpPr>
-          <p:cNvPr id="6" name="Frame 7">
-            <a:extLst>
-              <a:ext uri="{FF2B5EF4-FFF2-40B4-BE49-F238E27FC236}">
-                <a16:creationId xmlns="" xmlns:a16="http://schemas.microsoft.com/office/drawing/2014/main" id="{CB7CF0CF-074A-2540-BE74-0B81F99EC27E}"/>
-              </a:ext>
-            </a:extLst>
-          </p:cNvPr>
-          <p:cNvSpPr/>
-          <p:nvPr/>
-        </p:nvSpPr>
-        <p:spPr>
-          <a:xfrm>
-            <a:off x="5684108" y="6436426"/>
-            <a:ext cx="396057" cy="318601"/>
-          </a:xfrm>
-          <a:prstGeom prst="frame">
-            <a:avLst/>
-          </a:prstGeom>
-        </p:spPr>
-        <p:style>
-          <a:lnRef idx="2">
-            <a:schemeClr val="accent1">
-              <a:shade val="50000"/>
-            </a:schemeClr>
-          </a:lnRef>
-          <a:fillRef idx="1">
-            <a:schemeClr val="accent1"/>
-          </a:fillRef>
-          <a:effectRef idx="0">
-            <a:schemeClr val="accent1"/>
-          </a:effectRef>
-          <a:fontRef idx="minor">
-            <a:schemeClr val="lt1"/>
-          </a:fontRef>
-        </p:style>
-        <p:txBody>
-          <a:bodyPr rtlCol="0" anchor="ctr"/>
-          <a:lstStyle/>
-          <a:p>
-            <a:pPr algn="ctr"/>
-            <a:endParaRPr lang="en-US">
-              <a:solidFill>
-                <a:schemeClr val="tx1"/>
-              </a:solidFill>
-            </a:endParaRPr>
-          </a:p>
-        </p:txBody>
-      </p:sp>
-    </p:spTree>
-    <p:extLst>
-      <p:ext uri="{BB962C8B-B14F-4D97-AF65-F5344CB8AC3E}">
-        <p14:creationId xmlns:p14="http://schemas.microsoft.com/office/powerpoint/2010/main" val="943131144"/>
-      </p:ext>
-    </p:extLst>
-  </p:cSld>
-  <p:clrMapOvr>
-    <a:masterClrMapping/>
-  </p:clrMapOvr>
-</p:sld>
-</file>
-
-<file path=ppt/slides/slide7.xml><?xml version="1.0" encoding="utf-8"?>
-<p:sld xmlns:a="http://schemas.openxmlformats.org/drawingml/2006/main" xmlns:r="http://schemas.openxmlformats.org/officeDocument/2006/relationships" xmlns:p="http://schemas.openxmlformats.org/presentationml/2006/main">
-  <p:cSld>
-    <p:spTree>
-      <p:nvGrpSpPr>
-        <p:cNvPr id="1" name=""/>
-        <p:cNvGrpSpPr/>
-        <p:nvPr/>
-      </p:nvGrpSpPr>
-      <p:grpSpPr>
-        <a:xfrm>
-          <a:off x="0" y="0"/>
-          <a:ext cx="0" cy="0"/>
-          <a:chOff x="0" y="0"/>
-          <a:chExt cx="0" cy="0"/>
-        </a:xfrm>
-      </p:grpSpPr>
-      <p:sp>
-        <p:nvSpPr>
-          <p:cNvPr id="2" name="Title 1">
-            <a:extLst>
-              <a:ext uri="{FF2B5EF4-FFF2-40B4-BE49-F238E27FC236}">
-                <a16:creationId xmlns="" xmlns:a16="http://schemas.microsoft.com/office/drawing/2014/main" id="{7D641731-F534-2649-83FB-6F010DF1AD7C}"/>
-              </a:ext>
-            </a:extLst>
-          </p:cNvPr>
-          <p:cNvSpPr>
-            <a:spLocks noGrp="1"/>
-          </p:cNvSpPr>
-          <p:nvPr>
-            <p:ph type="title"/>
-          </p:nvPr>
-        </p:nvSpPr>
-        <p:spPr/>
-        <p:txBody>
-          <a:bodyPr/>
-          <a:lstStyle/>
-          <a:p>
-            <a:r>
-              <a:rPr lang="en-US" dirty="0"/>
-              <a:t>Qualitative effects (2 focal regions – too low)</a:t>
-            </a:r>
-          </a:p>
-        </p:txBody>
-      </p:sp>
-      <p:pic>
-        <p:nvPicPr>
-          <p:cNvPr id="4" name="Imagen 3"/>
-          <p:cNvPicPr>
-            <a:picLocks noChangeAspect="1"/>
-          </p:cNvPicPr>
-          <p:nvPr/>
-        </p:nvPicPr>
-        <p:blipFill>
-          <a:blip r:embed="rId2"/>
-          <a:stretch>
-            <a:fillRect/>
-          </a:stretch>
-        </p:blipFill>
-        <p:spPr>
-          <a:xfrm>
-            <a:off x="1505524" y="1690688"/>
-            <a:ext cx="9180952" cy="5019048"/>
-          </a:xfrm>
-          <a:prstGeom prst="rect">
-            <a:avLst/>
-          </a:prstGeom>
-        </p:spPr>
-      </p:pic>
-      <p:sp>
-        <p:nvSpPr>
-          <p:cNvPr id="6" name="Frame 7">
-            <a:extLst>
-              <a:ext uri="{FF2B5EF4-FFF2-40B4-BE49-F238E27FC236}">
-                <a16:creationId xmlns="" xmlns:a16="http://schemas.microsoft.com/office/drawing/2014/main" id="{CB7CF0CF-074A-2540-BE74-0B81F99EC27E}"/>
-              </a:ext>
-            </a:extLst>
-          </p:cNvPr>
-          <p:cNvSpPr/>
-          <p:nvPr/>
-        </p:nvSpPr>
-        <p:spPr>
-          <a:xfrm>
-            <a:off x="5684108" y="6436426"/>
-            <a:ext cx="396057" cy="318601"/>
-          </a:xfrm>
-          <a:prstGeom prst="frame">
-            <a:avLst/>
-          </a:prstGeom>
-        </p:spPr>
-        <p:style>
-          <a:lnRef idx="2">
-            <a:schemeClr val="accent1">
-              <a:shade val="50000"/>
-            </a:schemeClr>
-          </a:lnRef>
-          <a:fillRef idx="1">
-            <a:schemeClr val="accent1"/>
-          </a:fillRef>
-          <a:effectRef idx="0">
-            <a:schemeClr val="accent1"/>
-          </a:effectRef>
-          <a:fontRef idx="minor">
-            <a:schemeClr val="lt1"/>
-          </a:fontRef>
-        </p:style>
-        <p:txBody>
-          <a:bodyPr rtlCol="0" anchor="ctr"/>
-          <a:lstStyle/>
-          <a:p>
-            <a:pPr algn="ctr"/>
-            <a:endParaRPr lang="en-US">
-              <a:solidFill>
-                <a:schemeClr val="tx1"/>
-              </a:solidFill>
-            </a:endParaRPr>
-          </a:p>
-        </p:txBody>
-      </p:sp>
-    </p:spTree>
-    <p:extLst>
-      <p:ext uri="{BB962C8B-B14F-4D97-AF65-F5344CB8AC3E}">
-        <p14:creationId xmlns:p14="http://schemas.microsoft.com/office/powerpoint/2010/main" val="3642458735"/>
       </p:ext>
     </p:extLst>
   </p:cSld>
@@ -4834,7 +5641,7 @@
           <p:cNvPr id="2" name="Title 1">
             <a:extLst>
               <a:ext uri="{FF2B5EF4-FFF2-40B4-BE49-F238E27FC236}">
-                <a16:creationId xmlns="" xmlns:a16="http://schemas.microsoft.com/office/drawing/2014/main" id="{7D641731-F534-2649-83FB-6F010DF1AD7C}"/>
+                <a16:creationId xmlns:a16="http://schemas.microsoft.com/office/drawing/2014/main" xmlns="" id="{7D641731-F534-2649-83FB-6F010DF1AD7C}"/>
               </a:ext>
             </a:extLst>
           </p:cNvPr>
@@ -4852,22 +5659,14 @@
           <a:p>
             <a:r>
               <a:rPr lang="en-US" dirty="0"/>
-              <a:t>Qualitative effects </a:t>
-            </a:r>
-            <a:r>
-              <a:rPr lang="en-US" dirty="0" smtClean="0"/>
-              <a:t>(8 </a:t>
-            </a:r>
-            <a:r>
-              <a:rPr lang="en-US" dirty="0"/>
-              <a:t>focal regions – high)</a:t>
+              <a:t>Qualitative effects (2 focal regions – low)</a:t>
             </a:r>
           </a:p>
         </p:txBody>
       </p:sp>
       <p:pic>
         <p:nvPicPr>
-          <p:cNvPr id="6" name="Imagen 5"/>
+          <p:cNvPr id="3" name="Imagen 2"/>
           <p:cNvPicPr>
             <a:picLocks noChangeAspect="1"/>
           </p:cNvPicPr>
@@ -4881,18 +5680,68 @@
         </p:blipFill>
         <p:spPr>
           <a:xfrm>
-            <a:off x="1091238" y="1505619"/>
-            <a:ext cx="10009524" cy="5352381"/>
+            <a:off x="1505524" y="1690688"/>
+            <a:ext cx="9180952" cy="5019048"/>
           </a:xfrm>
           <a:prstGeom prst="rect">
             <a:avLst/>
           </a:prstGeom>
         </p:spPr>
       </p:pic>
+      <p:sp>
+        <p:nvSpPr>
+          <p:cNvPr id="6" name="Frame 7">
+            <a:extLst>
+              <a:ext uri="{FF2B5EF4-FFF2-40B4-BE49-F238E27FC236}">
+                <a16:creationId xmlns:a16="http://schemas.microsoft.com/office/drawing/2014/main" xmlns="" id="{CB7CF0CF-074A-2540-BE74-0B81F99EC27E}"/>
+              </a:ext>
+            </a:extLst>
+          </p:cNvPr>
+          <p:cNvSpPr/>
+          <p:nvPr/>
+        </p:nvSpPr>
+        <p:spPr>
+          <a:xfrm>
+            <a:off x="5684108" y="6436426"/>
+            <a:ext cx="396057" cy="318601"/>
+          </a:xfrm>
+          <a:prstGeom prst="frame">
+            <a:avLst/>
+          </a:prstGeom>
+        </p:spPr>
+        <p:style>
+          <a:lnRef idx="2">
+            <a:schemeClr val="accent1">
+              <a:shade val="50000"/>
+            </a:schemeClr>
+          </a:lnRef>
+          <a:fillRef idx="1">
+            <a:schemeClr val="accent1"/>
+          </a:fillRef>
+          <a:effectRef idx="0">
+            <a:schemeClr val="accent1"/>
+          </a:effectRef>
+          <a:fontRef idx="minor">
+            <a:schemeClr val="lt1"/>
+          </a:fontRef>
+        </p:style>
+        <p:txBody>
+          <a:bodyPr rtlCol="0" anchor="ctr"/>
+          <a:lstStyle/>
+          <a:p>
+            <a:pPr algn="ctr"/>
+            <a:endParaRPr lang="en-US">
+              <a:solidFill>
+                <a:schemeClr val="tx1"/>
+              </a:solidFill>
+            </a:endParaRPr>
+          </a:p>
+        </p:txBody>
+      </p:sp>
     </p:spTree>
     <p:extLst>
       <p:ext uri="{BB962C8B-B14F-4D97-AF65-F5344CB8AC3E}">
-        <p14:creationId xmlns:p14="http://schemas.microsoft.com/office/powerpoint/2010/main" val="738334701"/>
+        <p14:creationId xmlns:p14="http://schemas.microsoft.com/office/powerpoint/2010/main" val="943131144"/>
       </p:ext>
     </p:extLst>
   </p:cSld>
@@ -4924,7 +5773,7 @@
           <p:cNvPr id="2" name="Title 1">
             <a:extLst>
               <a:ext uri="{FF2B5EF4-FFF2-40B4-BE49-F238E27FC236}">
-                <a16:creationId xmlns="" xmlns:a16="http://schemas.microsoft.com/office/drawing/2014/main" id="{7D641731-F534-2649-83FB-6F010DF1AD7C}"/>
+                <a16:creationId xmlns:a16="http://schemas.microsoft.com/office/drawing/2014/main" xmlns="" id="{7D641731-F534-2649-83FB-6F010DF1AD7C}"/>
               </a:ext>
             </a:extLst>
           </p:cNvPr>
@@ -4942,21 +5791,8 @@
           <a:p>
             <a:r>
               <a:rPr lang="en-US" dirty="0"/>
-              <a:t>Qualitative effects </a:t>
-            </a:r>
-            <a:r>
-              <a:rPr lang="en-US" dirty="0" smtClean="0"/>
-              <a:t>(8 </a:t>
-            </a:r>
-            <a:r>
-              <a:rPr lang="en-US" dirty="0"/>
-              <a:t>focal regions – </a:t>
-            </a:r>
-            <a:r>
-              <a:rPr lang="en-US" dirty="0" smtClean="0"/>
-              <a:t>medium)</a:t>
-            </a:r>
-            <a:endParaRPr lang="en-US" dirty="0"/>
+              <a:t>Qualitative effects (2 focal regions – too low)</a:t>
+            </a:r>
           </a:p>
         </p:txBody>
       </p:sp>
@@ -4976,18 +5812,68 @@
         </p:blipFill>
         <p:spPr>
           <a:xfrm>
-            <a:off x="1091238" y="1505619"/>
-            <a:ext cx="10009524" cy="5352381"/>
+            <a:off x="1505524" y="1690688"/>
+            <a:ext cx="9180952" cy="5019048"/>
           </a:xfrm>
           <a:prstGeom prst="rect">
             <a:avLst/>
           </a:prstGeom>
         </p:spPr>
       </p:pic>
+      <p:sp>
+        <p:nvSpPr>
+          <p:cNvPr id="6" name="Frame 7">
+            <a:extLst>
+              <a:ext uri="{FF2B5EF4-FFF2-40B4-BE49-F238E27FC236}">
+                <a16:creationId xmlns:a16="http://schemas.microsoft.com/office/drawing/2014/main" xmlns="" id="{CB7CF0CF-074A-2540-BE74-0B81F99EC27E}"/>
+              </a:ext>
+            </a:extLst>
+          </p:cNvPr>
+          <p:cNvSpPr/>
+          <p:nvPr/>
+        </p:nvSpPr>
+        <p:spPr>
+          <a:xfrm>
+            <a:off x="5684108" y="6436426"/>
+            <a:ext cx="396057" cy="318601"/>
+          </a:xfrm>
+          <a:prstGeom prst="frame">
+            <a:avLst/>
+          </a:prstGeom>
+        </p:spPr>
+        <p:style>
+          <a:lnRef idx="2">
+            <a:schemeClr val="accent1">
+              <a:shade val="50000"/>
+            </a:schemeClr>
+          </a:lnRef>
+          <a:fillRef idx="1">
+            <a:schemeClr val="accent1"/>
+          </a:fillRef>
+          <a:effectRef idx="0">
+            <a:schemeClr val="accent1"/>
+          </a:effectRef>
+          <a:fontRef idx="minor">
+            <a:schemeClr val="lt1"/>
+          </a:fontRef>
+        </p:style>
+        <p:txBody>
+          <a:bodyPr rtlCol="0" anchor="ctr"/>
+          <a:lstStyle/>
+          <a:p>
+            <a:pPr algn="ctr"/>
+            <a:endParaRPr lang="en-US">
+              <a:solidFill>
+                <a:schemeClr val="tx1"/>
+              </a:solidFill>
+            </a:endParaRPr>
+          </a:p>
+        </p:txBody>
+      </p:sp>
     </p:spTree>
     <p:extLst>
       <p:ext uri="{BB962C8B-B14F-4D97-AF65-F5344CB8AC3E}">
-        <p14:creationId xmlns:p14="http://schemas.microsoft.com/office/powerpoint/2010/main" val="90231614"/>
+        <p14:creationId xmlns:p14="http://schemas.microsoft.com/office/powerpoint/2010/main" val="3642458735"/>
       </p:ext>
     </p:extLst>
   </p:cSld>

--- a/FRA/Qualitative effects (FRA).pptx
+++ b/FRA/Qualitative effects (FRA).pptx
@@ -8,15 +8,12 @@
     <p:sldId id="256" r:id="rId2"/>
     <p:sldId id="257" r:id="rId3"/>
     <p:sldId id="266" r:id="rId4"/>
-    <p:sldId id="267" r:id="rId5"/>
-    <p:sldId id="265" r:id="rId6"/>
-    <p:sldId id="258" r:id="rId7"/>
-    <p:sldId id="259" r:id="rId8"/>
-    <p:sldId id="261" r:id="rId9"/>
-    <p:sldId id="260" r:id="rId10"/>
-    <p:sldId id="262" r:id="rId11"/>
-    <p:sldId id="263" r:id="rId12"/>
-    <p:sldId id="264" r:id="rId13"/>
+    <p:sldId id="268" r:id="rId5"/>
+    <p:sldId id="270" r:id="rId6"/>
+    <p:sldId id="269" r:id="rId7"/>
+    <p:sldId id="271" r:id="rId8"/>
+    <p:sldId id="267" r:id="rId9"/>
+    <p:sldId id="265" r:id="rId10"/>
   </p:sldIdLst>
   <p:sldSz cx="12192000" cy="6858000"/>
   <p:notesSz cx="6858000" cy="9144000"/>
@@ -145,7 +142,7 @@
           <p:cNvPr id="2" name="Title 1">
             <a:extLst>
               <a:ext uri="{FF2B5EF4-FFF2-40B4-BE49-F238E27FC236}">
-                <a16:creationId xmlns:a16="http://schemas.microsoft.com/office/drawing/2014/main" xmlns="" id="{B05912D0-1206-4940-BF2D-1469575047BA}"/>
+                <a16:creationId xmlns="" xmlns:a16="http://schemas.microsoft.com/office/drawing/2014/main" id="{B05912D0-1206-4940-BF2D-1469575047BA}"/>
               </a:ext>
             </a:extLst>
           </p:cNvPr>
@@ -182,7 +179,7 @@
           <p:cNvPr id="3" name="Subtitle 2">
             <a:extLst>
               <a:ext uri="{FF2B5EF4-FFF2-40B4-BE49-F238E27FC236}">
-                <a16:creationId xmlns:a16="http://schemas.microsoft.com/office/drawing/2014/main" xmlns="" id="{216F8B8E-CE8A-C345-9E35-34F8B2950ED0}"/>
+                <a16:creationId xmlns="" xmlns:a16="http://schemas.microsoft.com/office/drawing/2014/main" id="{216F8B8E-CE8A-C345-9E35-34F8B2950ED0}"/>
               </a:ext>
             </a:extLst>
           </p:cNvPr>
@@ -252,7 +249,7 @@
           <p:cNvPr id="4" name="Date Placeholder 3">
             <a:extLst>
               <a:ext uri="{FF2B5EF4-FFF2-40B4-BE49-F238E27FC236}">
-                <a16:creationId xmlns:a16="http://schemas.microsoft.com/office/drawing/2014/main" xmlns="" id="{052CB1BC-A066-1B4D-99E3-448EDB9D669D}"/>
+                <a16:creationId xmlns="" xmlns:a16="http://schemas.microsoft.com/office/drawing/2014/main" id="{052CB1BC-A066-1B4D-99E3-448EDB9D669D}"/>
               </a:ext>
             </a:extLst>
           </p:cNvPr>
@@ -270,7 +267,7 @@
           <a:p>
             <a:fld id="{B1358315-875D-C14B-AA42-F119B319A6F4}" type="datetimeFigureOut">
               <a:rPr lang="en-US" smtClean="0"/>
-              <a:t>2/26/2020</a:t>
+              <a:t>2/29/2020</a:t>
             </a:fld>
             <a:endParaRPr lang="en-US"/>
           </a:p>
@@ -281,7 +278,7 @@
           <p:cNvPr id="5" name="Footer Placeholder 4">
             <a:extLst>
               <a:ext uri="{FF2B5EF4-FFF2-40B4-BE49-F238E27FC236}">
-                <a16:creationId xmlns:a16="http://schemas.microsoft.com/office/drawing/2014/main" xmlns="" id="{7478779C-ECAC-684E-BD72-A7AD6696FCC8}"/>
+                <a16:creationId xmlns="" xmlns:a16="http://schemas.microsoft.com/office/drawing/2014/main" id="{7478779C-ECAC-684E-BD72-A7AD6696FCC8}"/>
               </a:ext>
             </a:extLst>
           </p:cNvPr>
@@ -306,7 +303,7 @@
           <p:cNvPr id="6" name="Slide Number Placeholder 5">
             <a:extLst>
               <a:ext uri="{FF2B5EF4-FFF2-40B4-BE49-F238E27FC236}">
-                <a16:creationId xmlns:a16="http://schemas.microsoft.com/office/drawing/2014/main" xmlns="" id="{15793FC4-245C-8448-85E1-BC450197BBCD}"/>
+                <a16:creationId xmlns="" xmlns:a16="http://schemas.microsoft.com/office/drawing/2014/main" id="{15793FC4-245C-8448-85E1-BC450197BBCD}"/>
               </a:ext>
             </a:extLst>
           </p:cNvPr>
@@ -365,7 +362,7 @@
           <p:cNvPr id="2" name="Title 1">
             <a:extLst>
               <a:ext uri="{FF2B5EF4-FFF2-40B4-BE49-F238E27FC236}">
-                <a16:creationId xmlns:a16="http://schemas.microsoft.com/office/drawing/2014/main" xmlns="" id="{26AAFE84-2D30-3149-B59E-44BF6824A6C6}"/>
+                <a16:creationId xmlns="" xmlns:a16="http://schemas.microsoft.com/office/drawing/2014/main" id="{26AAFE84-2D30-3149-B59E-44BF6824A6C6}"/>
               </a:ext>
             </a:extLst>
           </p:cNvPr>
@@ -393,7 +390,7 @@
           <p:cNvPr id="3" name="Vertical Text Placeholder 2">
             <a:extLst>
               <a:ext uri="{FF2B5EF4-FFF2-40B4-BE49-F238E27FC236}">
-                <a16:creationId xmlns:a16="http://schemas.microsoft.com/office/drawing/2014/main" xmlns="" id="{296E7605-CC1B-9A40-8403-71AA41403078}"/>
+                <a16:creationId xmlns="" xmlns:a16="http://schemas.microsoft.com/office/drawing/2014/main" id="{296E7605-CC1B-9A40-8403-71AA41403078}"/>
               </a:ext>
             </a:extLst>
           </p:cNvPr>
@@ -450,7 +447,7 @@
           <p:cNvPr id="4" name="Date Placeholder 3">
             <a:extLst>
               <a:ext uri="{FF2B5EF4-FFF2-40B4-BE49-F238E27FC236}">
-                <a16:creationId xmlns:a16="http://schemas.microsoft.com/office/drawing/2014/main" xmlns="" id="{920229F3-8E32-8841-BEBB-0F290E2CEE97}"/>
+                <a16:creationId xmlns="" xmlns:a16="http://schemas.microsoft.com/office/drawing/2014/main" id="{920229F3-8E32-8841-BEBB-0F290E2CEE97}"/>
               </a:ext>
             </a:extLst>
           </p:cNvPr>
@@ -468,7 +465,7 @@
           <a:p>
             <a:fld id="{B1358315-875D-C14B-AA42-F119B319A6F4}" type="datetimeFigureOut">
               <a:rPr lang="en-US" smtClean="0"/>
-              <a:t>2/26/2020</a:t>
+              <a:t>2/29/2020</a:t>
             </a:fld>
             <a:endParaRPr lang="en-US"/>
           </a:p>
@@ -479,7 +476,7 @@
           <p:cNvPr id="5" name="Footer Placeholder 4">
             <a:extLst>
               <a:ext uri="{FF2B5EF4-FFF2-40B4-BE49-F238E27FC236}">
-                <a16:creationId xmlns:a16="http://schemas.microsoft.com/office/drawing/2014/main" xmlns="" id="{B3184893-19BF-6F40-85B8-40F467DB5181}"/>
+                <a16:creationId xmlns="" xmlns:a16="http://schemas.microsoft.com/office/drawing/2014/main" id="{B3184893-19BF-6F40-85B8-40F467DB5181}"/>
               </a:ext>
             </a:extLst>
           </p:cNvPr>
@@ -504,7 +501,7 @@
           <p:cNvPr id="6" name="Slide Number Placeholder 5">
             <a:extLst>
               <a:ext uri="{FF2B5EF4-FFF2-40B4-BE49-F238E27FC236}">
-                <a16:creationId xmlns:a16="http://schemas.microsoft.com/office/drawing/2014/main" xmlns="" id="{32D120C1-91DA-EC4B-90F3-6C13FE71AC78}"/>
+                <a16:creationId xmlns="" xmlns:a16="http://schemas.microsoft.com/office/drawing/2014/main" id="{32D120C1-91DA-EC4B-90F3-6C13FE71AC78}"/>
               </a:ext>
             </a:extLst>
           </p:cNvPr>
@@ -563,7 +560,7 @@
           <p:cNvPr id="2" name="Vertical Title 1">
             <a:extLst>
               <a:ext uri="{FF2B5EF4-FFF2-40B4-BE49-F238E27FC236}">
-                <a16:creationId xmlns:a16="http://schemas.microsoft.com/office/drawing/2014/main" xmlns="" id="{64BF3082-59FA-8E4B-853E-C99DB118E26D}"/>
+                <a16:creationId xmlns="" xmlns:a16="http://schemas.microsoft.com/office/drawing/2014/main" id="{64BF3082-59FA-8E4B-853E-C99DB118E26D}"/>
               </a:ext>
             </a:extLst>
           </p:cNvPr>
@@ -596,7 +593,7 @@
           <p:cNvPr id="3" name="Vertical Text Placeholder 2">
             <a:extLst>
               <a:ext uri="{FF2B5EF4-FFF2-40B4-BE49-F238E27FC236}">
-                <a16:creationId xmlns:a16="http://schemas.microsoft.com/office/drawing/2014/main" xmlns="" id="{0F793994-E586-CE43-A374-D8711BED74AA}"/>
+                <a16:creationId xmlns="" xmlns:a16="http://schemas.microsoft.com/office/drawing/2014/main" id="{0F793994-E586-CE43-A374-D8711BED74AA}"/>
               </a:ext>
             </a:extLst>
           </p:cNvPr>
@@ -658,7 +655,7 @@
           <p:cNvPr id="4" name="Date Placeholder 3">
             <a:extLst>
               <a:ext uri="{FF2B5EF4-FFF2-40B4-BE49-F238E27FC236}">
-                <a16:creationId xmlns:a16="http://schemas.microsoft.com/office/drawing/2014/main" xmlns="" id="{FD7FB6A7-5B1A-6142-8C4F-A301449FD7F3}"/>
+                <a16:creationId xmlns="" xmlns:a16="http://schemas.microsoft.com/office/drawing/2014/main" id="{FD7FB6A7-5B1A-6142-8C4F-A301449FD7F3}"/>
               </a:ext>
             </a:extLst>
           </p:cNvPr>
@@ -676,7 +673,7 @@
           <a:p>
             <a:fld id="{B1358315-875D-C14B-AA42-F119B319A6F4}" type="datetimeFigureOut">
               <a:rPr lang="en-US" smtClean="0"/>
-              <a:t>2/26/2020</a:t>
+              <a:t>2/29/2020</a:t>
             </a:fld>
             <a:endParaRPr lang="en-US"/>
           </a:p>
@@ -687,7 +684,7 @@
           <p:cNvPr id="5" name="Footer Placeholder 4">
             <a:extLst>
               <a:ext uri="{FF2B5EF4-FFF2-40B4-BE49-F238E27FC236}">
-                <a16:creationId xmlns:a16="http://schemas.microsoft.com/office/drawing/2014/main" xmlns="" id="{AFA04DFC-A954-BE46-88BF-1FE5893283E6}"/>
+                <a16:creationId xmlns="" xmlns:a16="http://schemas.microsoft.com/office/drawing/2014/main" id="{AFA04DFC-A954-BE46-88BF-1FE5893283E6}"/>
               </a:ext>
             </a:extLst>
           </p:cNvPr>
@@ -712,7 +709,7 @@
           <p:cNvPr id="6" name="Slide Number Placeholder 5">
             <a:extLst>
               <a:ext uri="{FF2B5EF4-FFF2-40B4-BE49-F238E27FC236}">
-                <a16:creationId xmlns:a16="http://schemas.microsoft.com/office/drawing/2014/main" xmlns="" id="{6CE97A62-AA1C-BD45-B66F-70E46B30F21E}"/>
+                <a16:creationId xmlns="" xmlns:a16="http://schemas.microsoft.com/office/drawing/2014/main" id="{6CE97A62-AA1C-BD45-B66F-70E46B30F21E}"/>
               </a:ext>
             </a:extLst>
           </p:cNvPr>
@@ -771,7 +768,7 @@
           <p:cNvPr id="2" name="Title 1">
             <a:extLst>
               <a:ext uri="{FF2B5EF4-FFF2-40B4-BE49-F238E27FC236}">
-                <a16:creationId xmlns:a16="http://schemas.microsoft.com/office/drawing/2014/main" xmlns="" id="{4180531F-CA59-2243-83C1-2ACD47EA28FB}"/>
+                <a16:creationId xmlns="" xmlns:a16="http://schemas.microsoft.com/office/drawing/2014/main" id="{4180531F-CA59-2243-83C1-2ACD47EA28FB}"/>
               </a:ext>
             </a:extLst>
           </p:cNvPr>
@@ -799,7 +796,7 @@
           <p:cNvPr id="3" name="Content Placeholder 2">
             <a:extLst>
               <a:ext uri="{FF2B5EF4-FFF2-40B4-BE49-F238E27FC236}">
-                <a16:creationId xmlns:a16="http://schemas.microsoft.com/office/drawing/2014/main" xmlns="" id="{67C84797-1F1E-2041-9AB3-3063DE7F1AFD}"/>
+                <a16:creationId xmlns="" xmlns:a16="http://schemas.microsoft.com/office/drawing/2014/main" id="{67C84797-1F1E-2041-9AB3-3063DE7F1AFD}"/>
               </a:ext>
             </a:extLst>
           </p:cNvPr>
@@ -856,7 +853,7 @@
           <p:cNvPr id="4" name="Date Placeholder 3">
             <a:extLst>
               <a:ext uri="{FF2B5EF4-FFF2-40B4-BE49-F238E27FC236}">
-                <a16:creationId xmlns:a16="http://schemas.microsoft.com/office/drawing/2014/main" xmlns="" id="{13A3BAF6-ED2E-F741-827E-A6F835697B6A}"/>
+                <a16:creationId xmlns="" xmlns:a16="http://schemas.microsoft.com/office/drawing/2014/main" id="{13A3BAF6-ED2E-F741-827E-A6F835697B6A}"/>
               </a:ext>
             </a:extLst>
           </p:cNvPr>
@@ -874,7 +871,7 @@
           <a:p>
             <a:fld id="{B1358315-875D-C14B-AA42-F119B319A6F4}" type="datetimeFigureOut">
               <a:rPr lang="en-US" smtClean="0"/>
-              <a:t>2/26/2020</a:t>
+              <a:t>2/29/2020</a:t>
             </a:fld>
             <a:endParaRPr lang="en-US"/>
           </a:p>
@@ -885,7 +882,7 @@
           <p:cNvPr id="5" name="Footer Placeholder 4">
             <a:extLst>
               <a:ext uri="{FF2B5EF4-FFF2-40B4-BE49-F238E27FC236}">
-                <a16:creationId xmlns:a16="http://schemas.microsoft.com/office/drawing/2014/main" xmlns="" id="{D0F7A1FC-9CAC-B546-8AF8-F886042CCC48}"/>
+                <a16:creationId xmlns="" xmlns:a16="http://schemas.microsoft.com/office/drawing/2014/main" id="{D0F7A1FC-9CAC-B546-8AF8-F886042CCC48}"/>
               </a:ext>
             </a:extLst>
           </p:cNvPr>
@@ -910,7 +907,7 @@
           <p:cNvPr id="6" name="Slide Number Placeholder 5">
             <a:extLst>
               <a:ext uri="{FF2B5EF4-FFF2-40B4-BE49-F238E27FC236}">
-                <a16:creationId xmlns:a16="http://schemas.microsoft.com/office/drawing/2014/main" xmlns="" id="{DCD8F4DA-FD16-2742-B1A4-B6E5FD0A9C7A}"/>
+                <a16:creationId xmlns="" xmlns:a16="http://schemas.microsoft.com/office/drawing/2014/main" id="{DCD8F4DA-FD16-2742-B1A4-B6E5FD0A9C7A}"/>
               </a:ext>
             </a:extLst>
           </p:cNvPr>
@@ -969,7 +966,7 @@
           <p:cNvPr id="2" name="Title 1">
             <a:extLst>
               <a:ext uri="{FF2B5EF4-FFF2-40B4-BE49-F238E27FC236}">
-                <a16:creationId xmlns:a16="http://schemas.microsoft.com/office/drawing/2014/main" xmlns="" id="{4E00D51C-2994-4B4F-984A-976EE6E3C510}"/>
+                <a16:creationId xmlns="" xmlns:a16="http://schemas.microsoft.com/office/drawing/2014/main" id="{4E00D51C-2994-4B4F-984A-976EE6E3C510}"/>
               </a:ext>
             </a:extLst>
           </p:cNvPr>
@@ -1006,7 +1003,7 @@
           <p:cNvPr id="3" name="Text Placeholder 2">
             <a:extLst>
               <a:ext uri="{FF2B5EF4-FFF2-40B4-BE49-F238E27FC236}">
-                <a16:creationId xmlns:a16="http://schemas.microsoft.com/office/drawing/2014/main" xmlns="" id="{145F7415-E3F3-C04B-93F9-57C4C434FDFC}"/>
+                <a16:creationId xmlns="" xmlns:a16="http://schemas.microsoft.com/office/drawing/2014/main" id="{145F7415-E3F3-C04B-93F9-57C4C434FDFC}"/>
               </a:ext>
             </a:extLst>
           </p:cNvPr>
@@ -1131,7 +1128,7 @@
           <p:cNvPr id="4" name="Date Placeholder 3">
             <a:extLst>
               <a:ext uri="{FF2B5EF4-FFF2-40B4-BE49-F238E27FC236}">
-                <a16:creationId xmlns:a16="http://schemas.microsoft.com/office/drawing/2014/main" xmlns="" id="{592773E6-10B6-BF47-9265-1D68776551CF}"/>
+                <a16:creationId xmlns="" xmlns:a16="http://schemas.microsoft.com/office/drawing/2014/main" id="{592773E6-10B6-BF47-9265-1D68776551CF}"/>
               </a:ext>
             </a:extLst>
           </p:cNvPr>
@@ -1149,7 +1146,7 @@
           <a:p>
             <a:fld id="{B1358315-875D-C14B-AA42-F119B319A6F4}" type="datetimeFigureOut">
               <a:rPr lang="en-US" smtClean="0"/>
-              <a:t>2/26/2020</a:t>
+              <a:t>2/29/2020</a:t>
             </a:fld>
             <a:endParaRPr lang="en-US"/>
           </a:p>
@@ -1160,7 +1157,7 @@
           <p:cNvPr id="5" name="Footer Placeholder 4">
             <a:extLst>
               <a:ext uri="{FF2B5EF4-FFF2-40B4-BE49-F238E27FC236}">
-                <a16:creationId xmlns:a16="http://schemas.microsoft.com/office/drawing/2014/main" xmlns="" id="{3B5E7CB8-4F82-EE48-A501-3202B9A49844}"/>
+                <a16:creationId xmlns="" xmlns:a16="http://schemas.microsoft.com/office/drawing/2014/main" id="{3B5E7CB8-4F82-EE48-A501-3202B9A49844}"/>
               </a:ext>
             </a:extLst>
           </p:cNvPr>
@@ -1185,7 +1182,7 @@
           <p:cNvPr id="6" name="Slide Number Placeholder 5">
             <a:extLst>
               <a:ext uri="{FF2B5EF4-FFF2-40B4-BE49-F238E27FC236}">
-                <a16:creationId xmlns:a16="http://schemas.microsoft.com/office/drawing/2014/main" xmlns="" id="{93DA6DD5-5E21-8A4D-8225-44BC26CACC24}"/>
+                <a16:creationId xmlns="" xmlns:a16="http://schemas.microsoft.com/office/drawing/2014/main" id="{93DA6DD5-5E21-8A4D-8225-44BC26CACC24}"/>
               </a:ext>
             </a:extLst>
           </p:cNvPr>
@@ -1244,7 +1241,7 @@
           <p:cNvPr id="2" name="Title 1">
             <a:extLst>
               <a:ext uri="{FF2B5EF4-FFF2-40B4-BE49-F238E27FC236}">
-                <a16:creationId xmlns:a16="http://schemas.microsoft.com/office/drawing/2014/main" xmlns="" id="{FE86356C-B4B4-A445-B67F-B441513D4178}"/>
+                <a16:creationId xmlns="" xmlns:a16="http://schemas.microsoft.com/office/drawing/2014/main" id="{FE86356C-B4B4-A445-B67F-B441513D4178}"/>
               </a:ext>
             </a:extLst>
           </p:cNvPr>
@@ -1272,7 +1269,7 @@
           <p:cNvPr id="3" name="Content Placeholder 2">
             <a:extLst>
               <a:ext uri="{FF2B5EF4-FFF2-40B4-BE49-F238E27FC236}">
-                <a16:creationId xmlns:a16="http://schemas.microsoft.com/office/drawing/2014/main" xmlns="" id="{F748FDB8-B134-354B-8899-112DE68C1E13}"/>
+                <a16:creationId xmlns="" xmlns:a16="http://schemas.microsoft.com/office/drawing/2014/main" id="{F748FDB8-B134-354B-8899-112DE68C1E13}"/>
               </a:ext>
             </a:extLst>
           </p:cNvPr>
@@ -1334,7 +1331,7 @@
           <p:cNvPr id="4" name="Content Placeholder 3">
             <a:extLst>
               <a:ext uri="{FF2B5EF4-FFF2-40B4-BE49-F238E27FC236}">
-                <a16:creationId xmlns:a16="http://schemas.microsoft.com/office/drawing/2014/main" xmlns="" id="{8FD4DBC1-43CA-8545-BE20-92023EB67CD1}"/>
+                <a16:creationId xmlns="" xmlns:a16="http://schemas.microsoft.com/office/drawing/2014/main" id="{8FD4DBC1-43CA-8545-BE20-92023EB67CD1}"/>
               </a:ext>
             </a:extLst>
           </p:cNvPr>
@@ -1396,7 +1393,7 @@
           <p:cNvPr id="5" name="Date Placeholder 4">
             <a:extLst>
               <a:ext uri="{FF2B5EF4-FFF2-40B4-BE49-F238E27FC236}">
-                <a16:creationId xmlns:a16="http://schemas.microsoft.com/office/drawing/2014/main" xmlns="" id="{783E85CC-86A9-FC40-A3B0-5E3F1DF90096}"/>
+                <a16:creationId xmlns="" xmlns:a16="http://schemas.microsoft.com/office/drawing/2014/main" id="{783E85CC-86A9-FC40-A3B0-5E3F1DF90096}"/>
               </a:ext>
             </a:extLst>
           </p:cNvPr>
@@ -1414,7 +1411,7 @@
           <a:p>
             <a:fld id="{B1358315-875D-C14B-AA42-F119B319A6F4}" type="datetimeFigureOut">
               <a:rPr lang="en-US" smtClean="0"/>
-              <a:t>2/26/2020</a:t>
+              <a:t>2/29/2020</a:t>
             </a:fld>
             <a:endParaRPr lang="en-US"/>
           </a:p>
@@ -1425,7 +1422,7 @@
           <p:cNvPr id="6" name="Footer Placeholder 5">
             <a:extLst>
               <a:ext uri="{FF2B5EF4-FFF2-40B4-BE49-F238E27FC236}">
-                <a16:creationId xmlns:a16="http://schemas.microsoft.com/office/drawing/2014/main" xmlns="" id="{17A48C46-319D-F348-9FF5-A2FDEC6776B4}"/>
+                <a16:creationId xmlns="" xmlns:a16="http://schemas.microsoft.com/office/drawing/2014/main" id="{17A48C46-319D-F348-9FF5-A2FDEC6776B4}"/>
               </a:ext>
             </a:extLst>
           </p:cNvPr>
@@ -1450,7 +1447,7 @@
           <p:cNvPr id="7" name="Slide Number Placeholder 6">
             <a:extLst>
               <a:ext uri="{FF2B5EF4-FFF2-40B4-BE49-F238E27FC236}">
-                <a16:creationId xmlns:a16="http://schemas.microsoft.com/office/drawing/2014/main" xmlns="" id="{8C8FBF63-FE76-294F-8C40-1BA53D6C3BAE}"/>
+                <a16:creationId xmlns="" xmlns:a16="http://schemas.microsoft.com/office/drawing/2014/main" id="{8C8FBF63-FE76-294F-8C40-1BA53D6C3BAE}"/>
               </a:ext>
             </a:extLst>
           </p:cNvPr>
@@ -1509,7 +1506,7 @@
           <p:cNvPr id="2" name="Title 1">
             <a:extLst>
               <a:ext uri="{FF2B5EF4-FFF2-40B4-BE49-F238E27FC236}">
-                <a16:creationId xmlns:a16="http://schemas.microsoft.com/office/drawing/2014/main" xmlns="" id="{929B5B03-DF2A-584E-85B8-6B7738A6542E}"/>
+                <a16:creationId xmlns="" xmlns:a16="http://schemas.microsoft.com/office/drawing/2014/main" id="{929B5B03-DF2A-584E-85B8-6B7738A6542E}"/>
               </a:ext>
             </a:extLst>
           </p:cNvPr>
@@ -1542,7 +1539,7 @@
           <p:cNvPr id="3" name="Text Placeholder 2">
             <a:extLst>
               <a:ext uri="{FF2B5EF4-FFF2-40B4-BE49-F238E27FC236}">
-                <a16:creationId xmlns:a16="http://schemas.microsoft.com/office/drawing/2014/main" xmlns="" id="{B258A496-A57A-1547-A7C2-146A0B0970EA}"/>
+                <a16:creationId xmlns="" xmlns:a16="http://schemas.microsoft.com/office/drawing/2014/main" id="{B258A496-A57A-1547-A7C2-146A0B0970EA}"/>
               </a:ext>
             </a:extLst>
           </p:cNvPr>
@@ -1613,7 +1610,7 @@
           <p:cNvPr id="4" name="Content Placeholder 3">
             <a:extLst>
               <a:ext uri="{FF2B5EF4-FFF2-40B4-BE49-F238E27FC236}">
-                <a16:creationId xmlns:a16="http://schemas.microsoft.com/office/drawing/2014/main" xmlns="" id="{D3019813-238C-E742-80E1-EFBD04E3EBA3}"/>
+                <a16:creationId xmlns="" xmlns:a16="http://schemas.microsoft.com/office/drawing/2014/main" id="{D3019813-238C-E742-80E1-EFBD04E3EBA3}"/>
               </a:ext>
             </a:extLst>
           </p:cNvPr>
@@ -1675,7 +1672,7 @@
           <p:cNvPr id="5" name="Text Placeholder 4">
             <a:extLst>
               <a:ext uri="{FF2B5EF4-FFF2-40B4-BE49-F238E27FC236}">
-                <a16:creationId xmlns:a16="http://schemas.microsoft.com/office/drawing/2014/main" xmlns="" id="{FDF0F2C5-13D4-E145-97EA-5E6529CEA771}"/>
+                <a16:creationId xmlns="" xmlns:a16="http://schemas.microsoft.com/office/drawing/2014/main" id="{FDF0F2C5-13D4-E145-97EA-5E6529CEA771}"/>
               </a:ext>
             </a:extLst>
           </p:cNvPr>
@@ -1746,7 +1743,7 @@
           <p:cNvPr id="6" name="Content Placeholder 5">
             <a:extLst>
               <a:ext uri="{FF2B5EF4-FFF2-40B4-BE49-F238E27FC236}">
-                <a16:creationId xmlns:a16="http://schemas.microsoft.com/office/drawing/2014/main" xmlns="" id="{EA7DDD7F-FDF7-9449-89DF-9F12D024D18A}"/>
+                <a16:creationId xmlns="" xmlns:a16="http://schemas.microsoft.com/office/drawing/2014/main" id="{EA7DDD7F-FDF7-9449-89DF-9F12D024D18A}"/>
               </a:ext>
             </a:extLst>
           </p:cNvPr>
@@ -1808,7 +1805,7 @@
           <p:cNvPr id="7" name="Date Placeholder 6">
             <a:extLst>
               <a:ext uri="{FF2B5EF4-FFF2-40B4-BE49-F238E27FC236}">
-                <a16:creationId xmlns:a16="http://schemas.microsoft.com/office/drawing/2014/main" xmlns="" id="{D6C73B7B-A1E3-9B4E-ACA8-C238AA42B522}"/>
+                <a16:creationId xmlns="" xmlns:a16="http://schemas.microsoft.com/office/drawing/2014/main" id="{D6C73B7B-A1E3-9B4E-ACA8-C238AA42B522}"/>
               </a:ext>
             </a:extLst>
           </p:cNvPr>
@@ -1826,7 +1823,7 @@
           <a:p>
             <a:fld id="{B1358315-875D-C14B-AA42-F119B319A6F4}" type="datetimeFigureOut">
               <a:rPr lang="en-US" smtClean="0"/>
-              <a:t>2/26/2020</a:t>
+              <a:t>2/29/2020</a:t>
             </a:fld>
             <a:endParaRPr lang="en-US"/>
           </a:p>
@@ -1837,7 +1834,7 @@
           <p:cNvPr id="8" name="Footer Placeholder 7">
             <a:extLst>
               <a:ext uri="{FF2B5EF4-FFF2-40B4-BE49-F238E27FC236}">
-                <a16:creationId xmlns:a16="http://schemas.microsoft.com/office/drawing/2014/main" xmlns="" id="{6C52F377-195A-CA47-A9E9-9E1758DC403B}"/>
+                <a16:creationId xmlns="" xmlns:a16="http://schemas.microsoft.com/office/drawing/2014/main" id="{6C52F377-195A-CA47-A9E9-9E1758DC403B}"/>
               </a:ext>
             </a:extLst>
           </p:cNvPr>
@@ -1862,7 +1859,7 @@
           <p:cNvPr id="9" name="Slide Number Placeholder 8">
             <a:extLst>
               <a:ext uri="{FF2B5EF4-FFF2-40B4-BE49-F238E27FC236}">
-                <a16:creationId xmlns:a16="http://schemas.microsoft.com/office/drawing/2014/main" xmlns="" id="{284E5D55-8520-4844-87D1-E02663F92CC5}"/>
+                <a16:creationId xmlns="" xmlns:a16="http://schemas.microsoft.com/office/drawing/2014/main" id="{284E5D55-8520-4844-87D1-E02663F92CC5}"/>
               </a:ext>
             </a:extLst>
           </p:cNvPr>
@@ -1921,7 +1918,7 @@
           <p:cNvPr id="2" name="Title 1">
             <a:extLst>
               <a:ext uri="{FF2B5EF4-FFF2-40B4-BE49-F238E27FC236}">
-                <a16:creationId xmlns:a16="http://schemas.microsoft.com/office/drawing/2014/main" xmlns="" id="{591DEF3D-C702-CA48-AF0E-6F8BB7772D26}"/>
+                <a16:creationId xmlns="" xmlns:a16="http://schemas.microsoft.com/office/drawing/2014/main" id="{591DEF3D-C702-CA48-AF0E-6F8BB7772D26}"/>
               </a:ext>
             </a:extLst>
           </p:cNvPr>
@@ -1949,7 +1946,7 @@
           <p:cNvPr id="3" name="Date Placeholder 2">
             <a:extLst>
               <a:ext uri="{FF2B5EF4-FFF2-40B4-BE49-F238E27FC236}">
-                <a16:creationId xmlns:a16="http://schemas.microsoft.com/office/drawing/2014/main" xmlns="" id="{E51525BE-20AE-DA45-B203-29B795C90888}"/>
+                <a16:creationId xmlns="" xmlns:a16="http://schemas.microsoft.com/office/drawing/2014/main" id="{E51525BE-20AE-DA45-B203-29B795C90888}"/>
               </a:ext>
             </a:extLst>
           </p:cNvPr>
@@ -1967,7 +1964,7 @@
           <a:p>
             <a:fld id="{B1358315-875D-C14B-AA42-F119B319A6F4}" type="datetimeFigureOut">
               <a:rPr lang="en-US" smtClean="0"/>
-              <a:t>2/26/2020</a:t>
+              <a:t>2/29/2020</a:t>
             </a:fld>
             <a:endParaRPr lang="en-US"/>
           </a:p>
@@ -1978,7 +1975,7 @@
           <p:cNvPr id="4" name="Footer Placeholder 3">
             <a:extLst>
               <a:ext uri="{FF2B5EF4-FFF2-40B4-BE49-F238E27FC236}">
-                <a16:creationId xmlns:a16="http://schemas.microsoft.com/office/drawing/2014/main" xmlns="" id="{7C03BA58-3079-4F46-A626-0652AF5A3AFF}"/>
+                <a16:creationId xmlns="" xmlns:a16="http://schemas.microsoft.com/office/drawing/2014/main" id="{7C03BA58-3079-4F46-A626-0652AF5A3AFF}"/>
               </a:ext>
             </a:extLst>
           </p:cNvPr>
@@ -2003,7 +2000,7 @@
           <p:cNvPr id="5" name="Slide Number Placeholder 4">
             <a:extLst>
               <a:ext uri="{FF2B5EF4-FFF2-40B4-BE49-F238E27FC236}">
-                <a16:creationId xmlns:a16="http://schemas.microsoft.com/office/drawing/2014/main" xmlns="" id="{19CBE195-CAE5-AE41-9A02-F0FEE7047826}"/>
+                <a16:creationId xmlns="" xmlns:a16="http://schemas.microsoft.com/office/drawing/2014/main" id="{19CBE195-CAE5-AE41-9A02-F0FEE7047826}"/>
               </a:ext>
             </a:extLst>
           </p:cNvPr>
@@ -2062,7 +2059,7 @@
           <p:cNvPr id="2" name="Date Placeholder 1">
             <a:extLst>
               <a:ext uri="{FF2B5EF4-FFF2-40B4-BE49-F238E27FC236}">
-                <a16:creationId xmlns:a16="http://schemas.microsoft.com/office/drawing/2014/main" xmlns="" id="{C34FCBDA-D7BD-2C4E-88A1-2AFB5B48FB31}"/>
+                <a16:creationId xmlns="" xmlns:a16="http://schemas.microsoft.com/office/drawing/2014/main" id="{C34FCBDA-D7BD-2C4E-88A1-2AFB5B48FB31}"/>
               </a:ext>
             </a:extLst>
           </p:cNvPr>
@@ -2080,7 +2077,7 @@
           <a:p>
             <a:fld id="{B1358315-875D-C14B-AA42-F119B319A6F4}" type="datetimeFigureOut">
               <a:rPr lang="en-US" smtClean="0"/>
-              <a:t>2/26/2020</a:t>
+              <a:t>2/29/2020</a:t>
             </a:fld>
             <a:endParaRPr lang="en-US"/>
           </a:p>
@@ -2091,7 +2088,7 @@
           <p:cNvPr id="3" name="Footer Placeholder 2">
             <a:extLst>
               <a:ext uri="{FF2B5EF4-FFF2-40B4-BE49-F238E27FC236}">
-                <a16:creationId xmlns:a16="http://schemas.microsoft.com/office/drawing/2014/main" xmlns="" id="{18E57C92-201B-F74C-9CC7-86384947C87F}"/>
+                <a16:creationId xmlns="" xmlns:a16="http://schemas.microsoft.com/office/drawing/2014/main" id="{18E57C92-201B-F74C-9CC7-86384947C87F}"/>
               </a:ext>
             </a:extLst>
           </p:cNvPr>
@@ -2116,7 +2113,7 @@
           <p:cNvPr id="4" name="Slide Number Placeholder 3">
             <a:extLst>
               <a:ext uri="{FF2B5EF4-FFF2-40B4-BE49-F238E27FC236}">
-                <a16:creationId xmlns:a16="http://schemas.microsoft.com/office/drawing/2014/main" xmlns="" id="{6CD423C3-3F28-C246-806B-4AB5E2DE25BE}"/>
+                <a16:creationId xmlns="" xmlns:a16="http://schemas.microsoft.com/office/drawing/2014/main" id="{6CD423C3-3F28-C246-806B-4AB5E2DE25BE}"/>
               </a:ext>
             </a:extLst>
           </p:cNvPr>
@@ -2175,7 +2172,7 @@
           <p:cNvPr id="2" name="Title 1">
             <a:extLst>
               <a:ext uri="{FF2B5EF4-FFF2-40B4-BE49-F238E27FC236}">
-                <a16:creationId xmlns:a16="http://schemas.microsoft.com/office/drawing/2014/main" xmlns="" id="{7D5AA6BE-A0FE-9342-BF77-AE09E862FE5E}"/>
+                <a16:creationId xmlns="" xmlns:a16="http://schemas.microsoft.com/office/drawing/2014/main" id="{7D5AA6BE-A0FE-9342-BF77-AE09E862FE5E}"/>
               </a:ext>
             </a:extLst>
           </p:cNvPr>
@@ -2212,7 +2209,7 @@
           <p:cNvPr id="3" name="Content Placeholder 2">
             <a:extLst>
               <a:ext uri="{FF2B5EF4-FFF2-40B4-BE49-F238E27FC236}">
-                <a16:creationId xmlns:a16="http://schemas.microsoft.com/office/drawing/2014/main" xmlns="" id="{792AC1F3-04B5-704E-BBCB-70A2D8615777}"/>
+                <a16:creationId xmlns="" xmlns:a16="http://schemas.microsoft.com/office/drawing/2014/main" id="{792AC1F3-04B5-704E-BBCB-70A2D8615777}"/>
               </a:ext>
             </a:extLst>
           </p:cNvPr>
@@ -2302,7 +2299,7 @@
           <p:cNvPr id="4" name="Text Placeholder 3">
             <a:extLst>
               <a:ext uri="{FF2B5EF4-FFF2-40B4-BE49-F238E27FC236}">
-                <a16:creationId xmlns:a16="http://schemas.microsoft.com/office/drawing/2014/main" xmlns="" id="{7219EEB2-A8F5-8642-AEE3-51CF40050372}"/>
+                <a16:creationId xmlns="" xmlns:a16="http://schemas.microsoft.com/office/drawing/2014/main" id="{7219EEB2-A8F5-8642-AEE3-51CF40050372}"/>
               </a:ext>
             </a:extLst>
           </p:cNvPr>
@@ -2373,7 +2370,7 @@
           <p:cNvPr id="5" name="Date Placeholder 4">
             <a:extLst>
               <a:ext uri="{FF2B5EF4-FFF2-40B4-BE49-F238E27FC236}">
-                <a16:creationId xmlns:a16="http://schemas.microsoft.com/office/drawing/2014/main" xmlns="" id="{B90CABEF-1DFA-2D4F-B71E-8F28391C3915}"/>
+                <a16:creationId xmlns="" xmlns:a16="http://schemas.microsoft.com/office/drawing/2014/main" id="{B90CABEF-1DFA-2D4F-B71E-8F28391C3915}"/>
               </a:ext>
             </a:extLst>
           </p:cNvPr>
@@ -2391,7 +2388,7 @@
           <a:p>
             <a:fld id="{B1358315-875D-C14B-AA42-F119B319A6F4}" type="datetimeFigureOut">
               <a:rPr lang="en-US" smtClean="0"/>
-              <a:t>2/26/2020</a:t>
+              <a:t>2/29/2020</a:t>
             </a:fld>
             <a:endParaRPr lang="en-US"/>
           </a:p>
@@ -2402,7 +2399,7 @@
           <p:cNvPr id="6" name="Footer Placeholder 5">
             <a:extLst>
               <a:ext uri="{FF2B5EF4-FFF2-40B4-BE49-F238E27FC236}">
-                <a16:creationId xmlns:a16="http://schemas.microsoft.com/office/drawing/2014/main" xmlns="" id="{6112FC5D-4475-2949-927E-E672BFA45CD9}"/>
+                <a16:creationId xmlns="" xmlns:a16="http://schemas.microsoft.com/office/drawing/2014/main" id="{6112FC5D-4475-2949-927E-E672BFA45CD9}"/>
               </a:ext>
             </a:extLst>
           </p:cNvPr>
@@ -2427,7 +2424,7 @@
           <p:cNvPr id="7" name="Slide Number Placeholder 6">
             <a:extLst>
               <a:ext uri="{FF2B5EF4-FFF2-40B4-BE49-F238E27FC236}">
-                <a16:creationId xmlns:a16="http://schemas.microsoft.com/office/drawing/2014/main" xmlns="" id="{1D5806EA-5287-9B43-83AD-AAC49F1C4038}"/>
+                <a16:creationId xmlns="" xmlns:a16="http://schemas.microsoft.com/office/drawing/2014/main" id="{1D5806EA-5287-9B43-83AD-AAC49F1C4038}"/>
               </a:ext>
             </a:extLst>
           </p:cNvPr>
@@ -2486,7 +2483,7 @@
           <p:cNvPr id="2" name="Title 1">
             <a:extLst>
               <a:ext uri="{FF2B5EF4-FFF2-40B4-BE49-F238E27FC236}">
-                <a16:creationId xmlns:a16="http://schemas.microsoft.com/office/drawing/2014/main" xmlns="" id="{C10EBA9C-BFC9-8242-B3B1-4F99CBFD9984}"/>
+                <a16:creationId xmlns="" xmlns:a16="http://schemas.microsoft.com/office/drawing/2014/main" id="{C10EBA9C-BFC9-8242-B3B1-4F99CBFD9984}"/>
               </a:ext>
             </a:extLst>
           </p:cNvPr>
@@ -2523,7 +2520,7 @@
           <p:cNvPr id="3" name="Picture Placeholder 2">
             <a:extLst>
               <a:ext uri="{FF2B5EF4-FFF2-40B4-BE49-F238E27FC236}">
-                <a16:creationId xmlns:a16="http://schemas.microsoft.com/office/drawing/2014/main" xmlns="" id="{E9DC4A93-CDA4-144F-983C-9A7B25D6C6D2}"/>
+                <a16:creationId xmlns="" xmlns:a16="http://schemas.microsoft.com/office/drawing/2014/main" id="{E9DC4A93-CDA4-144F-983C-9A7B25D6C6D2}"/>
               </a:ext>
             </a:extLst>
           </p:cNvPr>
@@ -2590,7 +2587,7 @@
           <p:cNvPr id="4" name="Text Placeholder 3">
             <a:extLst>
               <a:ext uri="{FF2B5EF4-FFF2-40B4-BE49-F238E27FC236}">
-                <a16:creationId xmlns:a16="http://schemas.microsoft.com/office/drawing/2014/main" xmlns="" id="{8C2F38D3-A0FE-CE45-A6F6-5164B333DC4F}"/>
+                <a16:creationId xmlns="" xmlns:a16="http://schemas.microsoft.com/office/drawing/2014/main" id="{8C2F38D3-A0FE-CE45-A6F6-5164B333DC4F}"/>
               </a:ext>
             </a:extLst>
           </p:cNvPr>
@@ -2661,7 +2658,7 @@
           <p:cNvPr id="5" name="Date Placeholder 4">
             <a:extLst>
               <a:ext uri="{FF2B5EF4-FFF2-40B4-BE49-F238E27FC236}">
-                <a16:creationId xmlns:a16="http://schemas.microsoft.com/office/drawing/2014/main" xmlns="" id="{795634D3-1A71-F546-92DD-9657E5294366}"/>
+                <a16:creationId xmlns="" xmlns:a16="http://schemas.microsoft.com/office/drawing/2014/main" id="{795634D3-1A71-F546-92DD-9657E5294366}"/>
               </a:ext>
             </a:extLst>
           </p:cNvPr>
@@ -2679,7 +2676,7 @@
           <a:p>
             <a:fld id="{B1358315-875D-C14B-AA42-F119B319A6F4}" type="datetimeFigureOut">
               <a:rPr lang="en-US" smtClean="0"/>
-              <a:t>2/26/2020</a:t>
+              <a:t>2/29/2020</a:t>
             </a:fld>
             <a:endParaRPr lang="en-US"/>
           </a:p>
@@ -2690,7 +2687,7 @@
           <p:cNvPr id="6" name="Footer Placeholder 5">
             <a:extLst>
               <a:ext uri="{FF2B5EF4-FFF2-40B4-BE49-F238E27FC236}">
-                <a16:creationId xmlns:a16="http://schemas.microsoft.com/office/drawing/2014/main" xmlns="" id="{996702C2-E5D2-9044-BF25-10167E871950}"/>
+                <a16:creationId xmlns="" xmlns:a16="http://schemas.microsoft.com/office/drawing/2014/main" id="{996702C2-E5D2-9044-BF25-10167E871950}"/>
               </a:ext>
             </a:extLst>
           </p:cNvPr>
@@ -2715,7 +2712,7 @@
           <p:cNvPr id="7" name="Slide Number Placeholder 6">
             <a:extLst>
               <a:ext uri="{FF2B5EF4-FFF2-40B4-BE49-F238E27FC236}">
-                <a16:creationId xmlns:a16="http://schemas.microsoft.com/office/drawing/2014/main" xmlns="" id="{2E35ED01-1922-164A-A231-3C46E7E63C89}"/>
+                <a16:creationId xmlns="" xmlns:a16="http://schemas.microsoft.com/office/drawing/2014/main" id="{2E35ED01-1922-164A-A231-3C46E7E63C89}"/>
               </a:ext>
             </a:extLst>
           </p:cNvPr>
@@ -2779,7 +2776,7 @@
           <p:cNvPr id="2" name="Title Placeholder 1">
             <a:extLst>
               <a:ext uri="{FF2B5EF4-FFF2-40B4-BE49-F238E27FC236}">
-                <a16:creationId xmlns:a16="http://schemas.microsoft.com/office/drawing/2014/main" xmlns="" id="{A683D89E-E8CA-F745-9F6B-08644C36C0D0}"/>
+                <a16:creationId xmlns="" xmlns:a16="http://schemas.microsoft.com/office/drawing/2014/main" id="{A683D89E-E8CA-F745-9F6B-08644C36C0D0}"/>
               </a:ext>
             </a:extLst>
           </p:cNvPr>
@@ -2817,7 +2814,7 @@
           <p:cNvPr id="3" name="Text Placeholder 2">
             <a:extLst>
               <a:ext uri="{FF2B5EF4-FFF2-40B4-BE49-F238E27FC236}">
-                <a16:creationId xmlns:a16="http://schemas.microsoft.com/office/drawing/2014/main" xmlns="" id="{D138AA9B-E68F-BE49-9A4B-987E7A2D507B}"/>
+                <a16:creationId xmlns="" xmlns:a16="http://schemas.microsoft.com/office/drawing/2014/main" id="{D138AA9B-E68F-BE49-9A4B-987E7A2D507B}"/>
               </a:ext>
             </a:extLst>
           </p:cNvPr>
@@ -2884,7 +2881,7 @@
           <p:cNvPr id="4" name="Date Placeholder 3">
             <a:extLst>
               <a:ext uri="{FF2B5EF4-FFF2-40B4-BE49-F238E27FC236}">
-                <a16:creationId xmlns:a16="http://schemas.microsoft.com/office/drawing/2014/main" xmlns="" id="{92668FFF-EA98-4F41-8C82-5AA85A0F7CEC}"/>
+                <a16:creationId xmlns="" xmlns:a16="http://schemas.microsoft.com/office/drawing/2014/main" id="{92668FFF-EA98-4F41-8C82-5AA85A0F7CEC}"/>
               </a:ext>
             </a:extLst>
           </p:cNvPr>
@@ -2920,7 +2917,7 @@
           <a:p>
             <a:fld id="{B1358315-875D-C14B-AA42-F119B319A6F4}" type="datetimeFigureOut">
               <a:rPr lang="en-US" smtClean="0"/>
-              <a:t>2/26/2020</a:t>
+              <a:t>2/29/2020</a:t>
             </a:fld>
             <a:endParaRPr lang="en-US"/>
           </a:p>
@@ -2931,7 +2928,7 @@
           <p:cNvPr id="5" name="Footer Placeholder 4">
             <a:extLst>
               <a:ext uri="{FF2B5EF4-FFF2-40B4-BE49-F238E27FC236}">
-                <a16:creationId xmlns:a16="http://schemas.microsoft.com/office/drawing/2014/main" xmlns="" id="{53A7B868-7983-8046-B9CC-84BA3F77A585}"/>
+                <a16:creationId xmlns="" xmlns:a16="http://schemas.microsoft.com/office/drawing/2014/main" id="{53A7B868-7983-8046-B9CC-84BA3F77A585}"/>
               </a:ext>
             </a:extLst>
           </p:cNvPr>
@@ -2974,7 +2971,7 @@
           <p:cNvPr id="6" name="Slide Number Placeholder 5">
             <a:extLst>
               <a:ext uri="{FF2B5EF4-FFF2-40B4-BE49-F238E27FC236}">
-                <a16:creationId xmlns:a16="http://schemas.microsoft.com/office/drawing/2014/main" xmlns="" id="{B99F5B29-0C4F-1C46-9321-A158809E0BFF}"/>
+                <a16:creationId xmlns="" xmlns:a16="http://schemas.microsoft.com/office/drawing/2014/main" id="{B99F5B29-0C4F-1C46-9321-A158809E0BFF}"/>
               </a:ext>
             </a:extLst>
           </p:cNvPr>
@@ -3342,7 +3339,7 @@
           <p:cNvPr id="2" name="Title 1">
             <a:extLst>
               <a:ext uri="{FF2B5EF4-FFF2-40B4-BE49-F238E27FC236}">
-                <a16:creationId xmlns:a16="http://schemas.microsoft.com/office/drawing/2014/main" xmlns="" id="{87B7F9A8-63A2-A943-847B-4DF16CB860B6}"/>
+                <a16:creationId xmlns="" xmlns:a16="http://schemas.microsoft.com/office/drawing/2014/main" id="{87B7F9A8-63A2-A943-847B-4DF16CB860B6}"/>
               </a:ext>
             </a:extLst>
           </p:cNvPr>
@@ -3371,7 +3368,7 @@
           <p:cNvPr id="3" name="Subtitle 2">
             <a:extLst>
               <a:ext uri="{FF2B5EF4-FFF2-40B4-BE49-F238E27FC236}">
-                <a16:creationId xmlns:a16="http://schemas.microsoft.com/office/drawing/2014/main" xmlns="" id="{BD723198-6A7E-1A4C-9453-0B93C8D9F0EF}"/>
+                <a16:creationId xmlns="" xmlns:a16="http://schemas.microsoft.com/office/drawing/2014/main" id="{BD723198-6A7E-1A4C-9453-0B93C8D9F0EF}"/>
               </a:ext>
             </a:extLst>
           </p:cNvPr>
@@ -3415,286 +3412,6 @@
 </p:sld>
 </file>
 
-<file path=ppt/slides/slide10.xml><?xml version="1.0" encoding="utf-8"?>
-<p:sld xmlns:a="http://schemas.openxmlformats.org/drawingml/2006/main" xmlns:r="http://schemas.openxmlformats.org/officeDocument/2006/relationships" xmlns:p="http://schemas.openxmlformats.org/presentationml/2006/main">
-  <p:cSld>
-    <p:spTree>
-      <p:nvGrpSpPr>
-        <p:cNvPr id="1" name=""/>
-        <p:cNvGrpSpPr/>
-        <p:nvPr/>
-      </p:nvGrpSpPr>
-      <p:grpSpPr>
-        <a:xfrm>
-          <a:off x="0" y="0"/>
-          <a:ext cx="0" cy="0"/>
-          <a:chOff x="0" y="0"/>
-          <a:chExt cx="0" cy="0"/>
-        </a:xfrm>
-      </p:grpSpPr>
-      <p:sp>
-        <p:nvSpPr>
-          <p:cNvPr id="2" name="Title 1">
-            <a:extLst>
-              <a:ext uri="{FF2B5EF4-FFF2-40B4-BE49-F238E27FC236}">
-                <a16:creationId xmlns:a16="http://schemas.microsoft.com/office/drawing/2014/main" xmlns="" id="{7D641731-F534-2649-83FB-6F010DF1AD7C}"/>
-              </a:ext>
-            </a:extLst>
-          </p:cNvPr>
-          <p:cNvSpPr>
-            <a:spLocks noGrp="1"/>
-          </p:cNvSpPr>
-          <p:nvPr>
-            <p:ph type="title"/>
-          </p:nvPr>
-        </p:nvSpPr>
-        <p:spPr/>
-        <p:txBody>
-          <a:bodyPr/>
-          <a:lstStyle/>
-          <a:p>
-            <a:r>
-              <a:rPr lang="en-US" dirty="0"/>
-              <a:t>Qualitative effects </a:t>
-            </a:r>
-            <a:r>
-              <a:rPr lang="en-US" dirty="0" smtClean="0"/>
-              <a:t>(8 </a:t>
-            </a:r>
-            <a:r>
-              <a:rPr lang="en-US" dirty="0"/>
-              <a:t>focal regions – high)</a:t>
-            </a:r>
-          </a:p>
-        </p:txBody>
-      </p:sp>
-      <p:pic>
-        <p:nvPicPr>
-          <p:cNvPr id="6" name="Imagen 5"/>
-          <p:cNvPicPr>
-            <a:picLocks noChangeAspect="1"/>
-          </p:cNvPicPr>
-          <p:nvPr/>
-        </p:nvPicPr>
-        <p:blipFill>
-          <a:blip r:embed="rId2"/>
-          <a:stretch>
-            <a:fillRect/>
-          </a:stretch>
-        </p:blipFill>
-        <p:spPr>
-          <a:xfrm>
-            <a:off x="1091238" y="1505619"/>
-            <a:ext cx="10009524" cy="5352381"/>
-          </a:xfrm>
-          <a:prstGeom prst="rect">
-            <a:avLst/>
-          </a:prstGeom>
-        </p:spPr>
-      </p:pic>
-    </p:spTree>
-    <p:extLst>
-      <p:ext uri="{BB962C8B-B14F-4D97-AF65-F5344CB8AC3E}">
-        <p14:creationId xmlns:p14="http://schemas.microsoft.com/office/powerpoint/2010/main" val="738334701"/>
-      </p:ext>
-    </p:extLst>
-  </p:cSld>
-  <p:clrMapOvr>
-    <a:masterClrMapping/>
-  </p:clrMapOvr>
-</p:sld>
-</file>
-
-<file path=ppt/slides/slide11.xml><?xml version="1.0" encoding="utf-8"?>
-<p:sld xmlns:a="http://schemas.openxmlformats.org/drawingml/2006/main" xmlns:r="http://schemas.openxmlformats.org/officeDocument/2006/relationships" xmlns:p="http://schemas.openxmlformats.org/presentationml/2006/main">
-  <p:cSld>
-    <p:spTree>
-      <p:nvGrpSpPr>
-        <p:cNvPr id="1" name=""/>
-        <p:cNvGrpSpPr/>
-        <p:nvPr/>
-      </p:nvGrpSpPr>
-      <p:grpSpPr>
-        <a:xfrm>
-          <a:off x="0" y="0"/>
-          <a:ext cx="0" cy="0"/>
-          <a:chOff x="0" y="0"/>
-          <a:chExt cx="0" cy="0"/>
-        </a:xfrm>
-      </p:grpSpPr>
-      <p:sp>
-        <p:nvSpPr>
-          <p:cNvPr id="2" name="Title 1">
-            <a:extLst>
-              <a:ext uri="{FF2B5EF4-FFF2-40B4-BE49-F238E27FC236}">
-                <a16:creationId xmlns:a16="http://schemas.microsoft.com/office/drawing/2014/main" xmlns="" id="{7D641731-F534-2649-83FB-6F010DF1AD7C}"/>
-              </a:ext>
-            </a:extLst>
-          </p:cNvPr>
-          <p:cNvSpPr>
-            <a:spLocks noGrp="1"/>
-          </p:cNvSpPr>
-          <p:nvPr>
-            <p:ph type="title"/>
-          </p:nvPr>
-        </p:nvSpPr>
-        <p:spPr/>
-        <p:txBody>
-          <a:bodyPr/>
-          <a:lstStyle/>
-          <a:p>
-            <a:r>
-              <a:rPr lang="en-US" dirty="0"/>
-              <a:t>Qualitative effects </a:t>
-            </a:r>
-            <a:r>
-              <a:rPr lang="en-US" dirty="0" smtClean="0"/>
-              <a:t>(8 </a:t>
-            </a:r>
-            <a:r>
-              <a:rPr lang="en-US" dirty="0"/>
-              <a:t>focal regions – </a:t>
-            </a:r>
-            <a:r>
-              <a:rPr lang="en-US" dirty="0" smtClean="0"/>
-              <a:t>medium)</a:t>
-            </a:r>
-            <a:endParaRPr lang="en-US" dirty="0"/>
-          </a:p>
-        </p:txBody>
-      </p:sp>
-      <p:pic>
-        <p:nvPicPr>
-          <p:cNvPr id="4" name="Imagen 3"/>
-          <p:cNvPicPr>
-            <a:picLocks noChangeAspect="1"/>
-          </p:cNvPicPr>
-          <p:nvPr/>
-        </p:nvPicPr>
-        <p:blipFill>
-          <a:blip r:embed="rId2"/>
-          <a:stretch>
-            <a:fillRect/>
-          </a:stretch>
-        </p:blipFill>
-        <p:spPr>
-          <a:xfrm>
-            <a:off x="1091238" y="1505619"/>
-            <a:ext cx="10009524" cy="5352381"/>
-          </a:xfrm>
-          <a:prstGeom prst="rect">
-            <a:avLst/>
-          </a:prstGeom>
-        </p:spPr>
-      </p:pic>
-    </p:spTree>
-    <p:extLst>
-      <p:ext uri="{BB962C8B-B14F-4D97-AF65-F5344CB8AC3E}">
-        <p14:creationId xmlns:p14="http://schemas.microsoft.com/office/powerpoint/2010/main" val="90231614"/>
-      </p:ext>
-    </p:extLst>
-  </p:cSld>
-  <p:clrMapOvr>
-    <a:masterClrMapping/>
-  </p:clrMapOvr>
-</p:sld>
-</file>
-
-<file path=ppt/slides/slide12.xml><?xml version="1.0" encoding="utf-8"?>
-<p:sld xmlns:a="http://schemas.openxmlformats.org/drawingml/2006/main" xmlns:r="http://schemas.openxmlformats.org/officeDocument/2006/relationships" xmlns:p="http://schemas.openxmlformats.org/presentationml/2006/main">
-  <p:cSld>
-    <p:spTree>
-      <p:nvGrpSpPr>
-        <p:cNvPr id="1" name=""/>
-        <p:cNvGrpSpPr/>
-        <p:nvPr/>
-      </p:nvGrpSpPr>
-      <p:grpSpPr>
-        <a:xfrm>
-          <a:off x="0" y="0"/>
-          <a:ext cx="0" cy="0"/>
-          <a:chOff x="0" y="0"/>
-          <a:chExt cx="0" cy="0"/>
-        </a:xfrm>
-      </p:grpSpPr>
-      <p:sp>
-        <p:nvSpPr>
-          <p:cNvPr id="2" name="Title 1">
-            <a:extLst>
-              <a:ext uri="{FF2B5EF4-FFF2-40B4-BE49-F238E27FC236}">
-                <a16:creationId xmlns:a16="http://schemas.microsoft.com/office/drawing/2014/main" xmlns="" id="{7D641731-F534-2649-83FB-6F010DF1AD7C}"/>
-              </a:ext>
-            </a:extLst>
-          </p:cNvPr>
-          <p:cNvSpPr>
-            <a:spLocks noGrp="1"/>
-          </p:cNvSpPr>
-          <p:nvPr>
-            <p:ph type="title"/>
-          </p:nvPr>
-        </p:nvSpPr>
-        <p:spPr/>
-        <p:txBody>
-          <a:bodyPr/>
-          <a:lstStyle/>
-          <a:p>
-            <a:r>
-              <a:rPr lang="en-US" dirty="0"/>
-              <a:t>Qualitative effects </a:t>
-            </a:r>
-            <a:r>
-              <a:rPr lang="en-US" dirty="0" smtClean="0"/>
-              <a:t>(8 </a:t>
-            </a:r>
-            <a:r>
-              <a:rPr lang="en-US" dirty="0"/>
-              <a:t>focal regions – </a:t>
-            </a:r>
-            <a:r>
-              <a:rPr lang="en-US" dirty="0" smtClean="0"/>
-              <a:t>low)</a:t>
-            </a:r>
-            <a:endParaRPr lang="en-US" dirty="0"/>
-          </a:p>
-        </p:txBody>
-      </p:sp>
-      <p:pic>
-        <p:nvPicPr>
-          <p:cNvPr id="5" name="Imagen 4"/>
-          <p:cNvPicPr>
-            <a:picLocks noChangeAspect="1"/>
-          </p:cNvPicPr>
-          <p:nvPr/>
-        </p:nvPicPr>
-        <p:blipFill>
-          <a:blip r:embed="rId2"/>
-          <a:stretch>
-            <a:fillRect/>
-          </a:stretch>
-        </p:blipFill>
-        <p:spPr>
-          <a:xfrm>
-            <a:off x="1091238" y="1505619"/>
-            <a:ext cx="10009524" cy="5352381"/>
-          </a:xfrm>
-          <a:prstGeom prst="rect">
-            <a:avLst/>
-          </a:prstGeom>
-        </p:spPr>
-      </p:pic>
-    </p:spTree>
-    <p:extLst>
-      <p:ext uri="{BB962C8B-B14F-4D97-AF65-F5344CB8AC3E}">
-        <p14:creationId xmlns:p14="http://schemas.microsoft.com/office/powerpoint/2010/main" val="608052728"/>
-      </p:ext>
-    </p:extLst>
-  </p:cSld>
-  <p:clrMapOvr>
-    <a:masterClrMapping/>
-  </p:clrMapOvr>
-</p:sld>
-</file>
-
 <file path=ppt/slides/slide2.xml><?xml version="1.0" encoding="utf-8"?>
 <p:sld xmlns:a="http://schemas.openxmlformats.org/drawingml/2006/main" xmlns:r="http://schemas.openxmlformats.org/officeDocument/2006/relationships" xmlns:p="http://schemas.openxmlformats.org/presentationml/2006/main">
   <p:cSld>
@@ -3717,7 +3434,7 @@
           <p:cNvPr id="2" name="Title 1">
             <a:extLst>
               <a:ext uri="{FF2B5EF4-FFF2-40B4-BE49-F238E27FC236}">
-                <a16:creationId xmlns:a16="http://schemas.microsoft.com/office/drawing/2014/main" xmlns="" id="{4DA57ACC-E929-4E4F-B5F4-004C092C4E18}"/>
+                <a16:creationId xmlns="" xmlns:a16="http://schemas.microsoft.com/office/drawing/2014/main" id="{4DA57ACC-E929-4E4F-B5F4-004C092C4E18}"/>
               </a:ext>
             </a:extLst>
           </p:cNvPr>
@@ -3746,7 +3463,7 @@
           <p:cNvPr id="3" name="Content Placeholder 2">
             <a:extLst>
               <a:ext uri="{FF2B5EF4-FFF2-40B4-BE49-F238E27FC236}">
-                <a16:creationId xmlns:a16="http://schemas.microsoft.com/office/drawing/2014/main" xmlns="" id="{FA65E03C-49F9-DE4E-91A0-84A8B6E28ADC}"/>
+                <a16:creationId xmlns="" xmlns:a16="http://schemas.microsoft.com/office/drawing/2014/main" id="{FA65E03C-49F9-DE4E-91A0-84A8B6E28ADC}"/>
               </a:ext>
             </a:extLst>
           </p:cNvPr>
@@ -3772,11 +3489,7 @@
             </a:pPr>
             <a:r>
               <a:rPr lang="en-US" sz="2000" dirty="0" smtClean="0"/>
-              <a:t>Model: </a:t>
-            </a:r>
-            <a:r>
-              <a:rPr lang="en-US" sz="2000" dirty="0" smtClean="0"/>
-              <a:t>P(</a:t>
+              <a:t>Model: P(</a:t>
             </a:r>
             <a:r>
               <a:rPr lang="en-US" sz="2000" dirty="0" err="1" smtClean="0"/>
@@ -3818,11 +3531,7 @@
             </a:r>
             <a:r>
               <a:rPr lang="en-US" sz="2000" dirty="0" smtClean="0"/>
-              <a:t>)*</a:t>
-            </a:r>
-            <a:r>
-              <a:rPr lang="en-US" sz="2000" dirty="0" smtClean="0"/>
-              <a:t>I(</a:t>
+              <a:t>)*I(</a:t>
             </a:r>
             <a:r>
               <a:rPr lang="en-US" sz="2000" dirty="0" err="1" smtClean="0"/>
@@ -3830,11 +3539,7 @@
             </a:r>
             <a:r>
               <a:rPr lang="en-US" sz="2000" dirty="0" smtClean="0"/>
-              <a:t>)*</a:t>
-            </a:r>
-            <a:r>
-              <a:rPr lang="en-US" sz="2000" dirty="0" smtClean="0"/>
-              <a:t>Focal(k</a:t>
+              <a:t>)*Focal(k</a:t>
             </a:r>
             <a:r>
               <a:rPr lang="en-US" sz="2000" dirty="0"/>
@@ -3880,15 +3585,7 @@
             </a:r>
             <a:r>
               <a:rPr lang="en-US" sz="2000" dirty="0" smtClean="0"/>
-              <a:t>*</a:t>
-            </a:r>
-            <a:r>
-              <a:rPr lang="en-US" sz="2000" dirty="0" smtClean="0"/>
-              <a:t>Focal(k</a:t>
-            </a:r>
-            <a:r>
-              <a:rPr lang="en-US" sz="2000" dirty="0" smtClean="0"/>
-              <a:t>) </a:t>
+              <a:t>*Focal(k) </a:t>
             </a:r>
           </a:p>
           <a:p>
@@ -3901,11 +3598,7 @@
             </a:r>
             <a:r>
               <a:rPr lang="en-US" sz="2000" dirty="0" smtClean="0"/>
-              <a:t>		</a:t>
-            </a:r>
-            <a:r>
-              <a:rPr lang="en-US" sz="2000" dirty="0" smtClean="0"/>
-              <a:t>+ </a:t>
+              <a:t>		+ </a:t>
             </a:r>
             <a:r>
               <a:rPr lang="en-US" sz="2000" dirty="0" smtClean="0">
@@ -3923,19 +3616,12 @@
               <a:rPr lang="en-US" sz="2000" dirty="0" smtClean="0">
                 <a:sym typeface="Symbol" panose="05050102010706020507" pitchFamily="18" charset="2"/>
               </a:rPr>
-              <a:t>,j,</a:t>
-            </a:r>
-            <a:r>
-              <a:rPr lang="en-US" sz="2000" dirty="0" smtClean="0">
-                <a:sym typeface="Symbol" panose="05050102010706020507" pitchFamily="18" charset="2"/>
-              </a:rPr>
-              <a:t>)</a:t>
+              <a:t>,j,)</a:t>
             </a:r>
             <a:r>
               <a:rPr lang="en-US" sz="2000" dirty="0"/>
               <a:t> *Focal(k)</a:t>
             </a:r>
-            <a:endParaRPr lang="en-US" sz="2000" dirty="0"/>
           </a:p>
           <a:p>
             <a:pPr marL="0" indent="0">
@@ -4892,7 +4578,7 @@
           <p:cNvPr id="2" name="Title 1">
             <a:extLst>
               <a:ext uri="{FF2B5EF4-FFF2-40B4-BE49-F238E27FC236}">
-                <a16:creationId xmlns:a16="http://schemas.microsoft.com/office/drawing/2014/main" xmlns="" id="{4DA57ACC-E929-4E4F-B5F4-004C092C4E18}"/>
+                <a16:creationId xmlns="" xmlns:a16="http://schemas.microsoft.com/office/drawing/2014/main" id="{4DA57ACC-E929-4E4F-B5F4-004C092C4E18}"/>
               </a:ext>
             </a:extLst>
           </p:cNvPr>
@@ -4905,24 +4591,30 @@
         </p:nvSpPr>
         <p:spPr/>
         <p:txBody>
-          <a:bodyPr/>
-          <a:lstStyle/>
-          <a:p>
-            <a:r>
-              <a:rPr lang="en-US" dirty="0" smtClean="0"/>
+          <a:bodyPr>
+            <a:normAutofit/>
+          </a:bodyPr>
+          <a:lstStyle/>
+          <a:p>
+            <a:r>
+              <a:rPr lang="en-US" sz="4000" dirty="0" smtClean="0"/>
               <a:t>Qualitative effects </a:t>
             </a:r>
             <a:r>
-              <a:rPr lang="en-US" dirty="0" err="1" smtClean="0"/>
+              <a:rPr lang="en-US" sz="4000" dirty="0" err="1" smtClean="0"/>
               <a:t>FRASim</a:t>
             </a:r>
-            <a:endParaRPr lang="en-US" dirty="0"/>
+            <a:r>
+              <a:rPr lang="en-US" sz="4000" dirty="0" smtClean="0"/>
+              <a:t> on WSLS simulation</a:t>
+            </a:r>
+            <a:endParaRPr lang="en-US" sz="4000" dirty="0"/>
           </a:p>
         </p:txBody>
       </p:sp>
       <p:pic>
         <p:nvPicPr>
-          <p:cNvPr id="11" name="Imagen 10"/>
+          <p:cNvPr id="3" name="Imagen 2"/>
           <p:cNvPicPr>
             <a:picLocks noChangeAspect="1"/>
           </p:cNvPicPr>
@@ -4936,32 +4628,8 @@
         </p:blipFill>
         <p:spPr>
           <a:xfrm>
-            <a:off x="838200" y="2024283"/>
-            <a:ext cx="4537662" cy="4371281"/>
-          </a:xfrm>
-          <a:prstGeom prst="rect">
-            <a:avLst/>
-          </a:prstGeom>
-        </p:spPr>
-      </p:pic>
-      <p:pic>
-        <p:nvPicPr>
-          <p:cNvPr id="13" name="Imagen 12"/>
-          <p:cNvPicPr>
-            <a:picLocks noChangeAspect="1"/>
-          </p:cNvPicPr>
-          <p:nvPr/>
-        </p:nvPicPr>
-        <p:blipFill>
-          <a:blip r:embed="rId3"/>
-          <a:stretch>
-            <a:fillRect/>
-          </a:stretch>
-        </p:blipFill>
-        <p:spPr>
-          <a:xfrm>
-            <a:off x="5788459" y="2024283"/>
-            <a:ext cx="5192784" cy="4072495"/>
+            <a:off x="1672869" y="1532237"/>
+            <a:ext cx="8621342" cy="5126203"/>
           </a:xfrm>
           <a:prstGeom prst="rect">
             <a:avLst/>
@@ -5007,6 +4675,430 @@
       </p:grpSpPr>
       <p:sp>
         <p:nvSpPr>
+          <p:cNvPr id="2" name="Title 1">
+            <a:extLst>
+              <a:ext uri="{FF2B5EF4-FFF2-40B4-BE49-F238E27FC236}">
+                <a16:creationId xmlns="" xmlns:a16="http://schemas.microsoft.com/office/drawing/2014/main" id="{4DA57ACC-E929-4E4F-B5F4-004C092C4E18}"/>
+              </a:ext>
+            </a:extLst>
+          </p:cNvPr>
+          <p:cNvSpPr>
+            <a:spLocks noGrp="1"/>
+          </p:cNvSpPr>
+          <p:nvPr>
+            <p:ph type="title"/>
+          </p:nvPr>
+        </p:nvSpPr>
+        <p:spPr/>
+        <p:txBody>
+          <a:bodyPr>
+            <a:normAutofit/>
+          </a:bodyPr>
+          <a:lstStyle/>
+          <a:p>
+            <a:r>
+              <a:rPr lang="en-US" sz="4000" dirty="0" smtClean="0"/>
+              <a:t>Qualitative effects </a:t>
+            </a:r>
+            <a:r>
+              <a:rPr lang="en-US" sz="4000" dirty="0" err="1" smtClean="0"/>
+              <a:t>FRASim</a:t>
+            </a:r>
+            <a:r>
+              <a:rPr lang="en-US" sz="4000" dirty="0" smtClean="0"/>
+              <a:t> (high </a:t>
+            </a:r>
+            <a:r>
+              <a:rPr lang="en-US" sz="4000" dirty="0" smtClean="0">
+                <a:sym typeface="Symbol" panose="05050102010706020507" pitchFamily="18" charset="2"/>
+              </a:rPr>
+              <a:t> - medium )</a:t>
+            </a:r>
+            <a:endParaRPr lang="en-US" sz="4000" dirty="0"/>
+          </a:p>
+        </p:txBody>
+      </p:sp>
+      <p:pic>
+        <p:nvPicPr>
+          <p:cNvPr id="4" name="Imagen 3"/>
+          <p:cNvPicPr>
+            <a:picLocks noChangeAspect="1"/>
+          </p:cNvPicPr>
+          <p:nvPr/>
+        </p:nvPicPr>
+        <p:blipFill>
+          <a:blip r:embed="rId2"/>
+          <a:stretch>
+            <a:fillRect/>
+          </a:stretch>
+        </p:blipFill>
+        <p:spPr>
+          <a:xfrm>
+            <a:off x="1672281" y="1532238"/>
+            <a:ext cx="8610605" cy="5119818"/>
+          </a:xfrm>
+          <a:prstGeom prst="rect">
+            <a:avLst/>
+          </a:prstGeom>
+        </p:spPr>
+      </p:pic>
+    </p:spTree>
+    <p:extLst>
+      <p:ext uri="{BB962C8B-B14F-4D97-AF65-F5344CB8AC3E}">
+        <p14:creationId xmlns:p14="http://schemas.microsoft.com/office/powerpoint/2010/main" val="2282995761"/>
+      </p:ext>
+    </p:extLst>
+  </p:cSld>
+  <p:clrMapOvr>
+    <a:masterClrMapping/>
+  </p:clrMapOvr>
+  <p:timing>
+    <p:tnLst>
+      <p:par>
+        <p:cTn id="1" dur="indefinite" restart="never" nodeType="tmRoot"/>
+      </p:par>
+    </p:tnLst>
+  </p:timing>
+</p:sld>
+</file>
+
+<file path=ppt/slides/slide5.xml><?xml version="1.0" encoding="utf-8"?>
+<p:sld xmlns:a="http://schemas.openxmlformats.org/drawingml/2006/main" xmlns:r="http://schemas.openxmlformats.org/officeDocument/2006/relationships" xmlns:p="http://schemas.openxmlformats.org/presentationml/2006/main">
+  <p:cSld>
+    <p:spTree>
+      <p:nvGrpSpPr>
+        <p:cNvPr id="1" name=""/>
+        <p:cNvGrpSpPr/>
+        <p:nvPr/>
+      </p:nvGrpSpPr>
+      <p:grpSpPr>
+        <a:xfrm>
+          <a:off x="0" y="0"/>
+          <a:ext cx="0" cy="0"/>
+          <a:chOff x="0" y="0"/>
+          <a:chExt cx="0" cy="0"/>
+        </a:xfrm>
+      </p:grpSpPr>
+      <p:sp>
+        <p:nvSpPr>
+          <p:cNvPr id="2" name="Title 1">
+            <a:extLst>
+              <a:ext uri="{FF2B5EF4-FFF2-40B4-BE49-F238E27FC236}">
+                <a16:creationId xmlns="" xmlns:a16="http://schemas.microsoft.com/office/drawing/2014/main" id="{4DA57ACC-E929-4E4F-B5F4-004C092C4E18}"/>
+              </a:ext>
+            </a:extLst>
+          </p:cNvPr>
+          <p:cNvSpPr>
+            <a:spLocks noGrp="1"/>
+          </p:cNvSpPr>
+          <p:nvPr>
+            <p:ph type="title"/>
+          </p:nvPr>
+        </p:nvSpPr>
+        <p:spPr/>
+        <p:txBody>
+          <a:bodyPr>
+            <a:normAutofit/>
+          </a:bodyPr>
+          <a:lstStyle/>
+          <a:p>
+            <a:r>
+              <a:rPr lang="en-US" sz="4000" dirty="0" smtClean="0"/>
+              <a:t>Qualitative effects </a:t>
+            </a:r>
+            <a:r>
+              <a:rPr lang="en-US" sz="4000" dirty="0" err="1" smtClean="0"/>
+              <a:t>FRASim</a:t>
+            </a:r>
+            <a:r>
+              <a:rPr lang="en-US" sz="4000" dirty="0" smtClean="0"/>
+              <a:t> (low </a:t>
+            </a:r>
+            <a:r>
+              <a:rPr lang="en-US" sz="4000" dirty="0" smtClean="0">
+                <a:sym typeface="Symbol" panose="05050102010706020507" pitchFamily="18" charset="2"/>
+              </a:rPr>
+              <a:t> - medium )</a:t>
+            </a:r>
+            <a:endParaRPr lang="en-US" sz="4000" dirty="0"/>
+          </a:p>
+        </p:txBody>
+      </p:sp>
+      <p:pic>
+        <p:nvPicPr>
+          <p:cNvPr id="3" name="Imagen 2"/>
+          <p:cNvPicPr>
+            <a:picLocks noChangeAspect="1"/>
+          </p:cNvPicPr>
+          <p:nvPr/>
+        </p:nvPicPr>
+        <p:blipFill>
+          <a:blip r:embed="rId2"/>
+          <a:stretch>
+            <a:fillRect/>
+          </a:stretch>
+        </p:blipFill>
+        <p:spPr>
+          <a:xfrm>
+            <a:off x="1680390" y="1538007"/>
+            <a:ext cx="8781792" cy="5100413"/>
+          </a:xfrm>
+          <a:prstGeom prst="rect">
+            <a:avLst/>
+          </a:prstGeom>
+        </p:spPr>
+      </p:pic>
+    </p:spTree>
+    <p:extLst>
+      <p:ext uri="{BB962C8B-B14F-4D97-AF65-F5344CB8AC3E}">
+        <p14:creationId xmlns:p14="http://schemas.microsoft.com/office/powerpoint/2010/main" val="2299869224"/>
+      </p:ext>
+    </p:extLst>
+  </p:cSld>
+  <p:clrMapOvr>
+    <a:masterClrMapping/>
+  </p:clrMapOvr>
+  <p:timing>
+    <p:tnLst>
+      <p:par>
+        <p:cTn id="1" dur="indefinite" restart="never" nodeType="tmRoot"/>
+      </p:par>
+    </p:tnLst>
+  </p:timing>
+</p:sld>
+</file>
+
+<file path=ppt/slides/slide6.xml><?xml version="1.0" encoding="utf-8"?>
+<p:sld xmlns:a="http://schemas.openxmlformats.org/drawingml/2006/main" xmlns:r="http://schemas.openxmlformats.org/officeDocument/2006/relationships" xmlns:p="http://schemas.openxmlformats.org/presentationml/2006/main">
+  <p:cSld>
+    <p:spTree>
+      <p:nvGrpSpPr>
+        <p:cNvPr id="1" name=""/>
+        <p:cNvGrpSpPr/>
+        <p:nvPr/>
+      </p:nvGrpSpPr>
+      <p:grpSpPr>
+        <a:xfrm>
+          <a:off x="0" y="0"/>
+          <a:ext cx="0" cy="0"/>
+          <a:chOff x="0" y="0"/>
+          <a:chExt cx="0" cy="0"/>
+        </a:xfrm>
+      </p:grpSpPr>
+      <p:sp>
+        <p:nvSpPr>
+          <p:cNvPr id="2" name="Title 1">
+            <a:extLst>
+              <a:ext uri="{FF2B5EF4-FFF2-40B4-BE49-F238E27FC236}">
+                <a16:creationId xmlns="" xmlns:a16="http://schemas.microsoft.com/office/drawing/2014/main" id="{4DA57ACC-E929-4E4F-B5F4-004C092C4E18}"/>
+              </a:ext>
+            </a:extLst>
+          </p:cNvPr>
+          <p:cNvSpPr>
+            <a:spLocks noGrp="1"/>
+          </p:cNvSpPr>
+          <p:nvPr>
+            <p:ph type="title"/>
+          </p:nvPr>
+        </p:nvSpPr>
+        <p:spPr/>
+        <p:txBody>
+          <a:bodyPr>
+            <a:normAutofit/>
+          </a:bodyPr>
+          <a:lstStyle/>
+          <a:p>
+            <a:r>
+              <a:rPr lang="en-US" sz="4000" dirty="0" smtClean="0"/>
+              <a:t>Qualitative effects </a:t>
+            </a:r>
+            <a:r>
+              <a:rPr lang="en-US" sz="4000" dirty="0" err="1" smtClean="0"/>
+              <a:t>FRASim</a:t>
+            </a:r>
+            <a:r>
+              <a:rPr lang="en-US" sz="4000" dirty="0" smtClean="0"/>
+              <a:t> (high </a:t>
+            </a:r>
+            <a:r>
+              <a:rPr lang="en-US" sz="4000" dirty="0" smtClean="0">
+                <a:sym typeface="Symbol" panose="05050102010706020507" pitchFamily="18" charset="2"/>
+              </a:rPr>
+              <a:t> - high )</a:t>
+            </a:r>
+            <a:endParaRPr lang="en-US" sz="4000" dirty="0"/>
+          </a:p>
+        </p:txBody>
+      </p:sp>
+      <p:pic>
+        <p:nvPicPr>
+          <p:cNvPr id="5" name="Imagen 4"/>
+          <p:cNvPicPr>
+            <a:picLocks noChangeAspect="1"/>
+          </p:cNvPicPr>
+          <p:nvPr/>
+        </p:nvPicPr>
+        <p:blipFill>
+          <a:blip r:embed="rId2"/>
+          <a:stretch>
+            <a:fillRect/>
+          </a:stretch>
+        </p:blipFill>
+        <p:spPr>
+          <a:xfrm>
+            <a:off x="1682514" y="1541806"/>
+            <a:ext cx="8761068" cy="5088376"/>
+          </a:xfrm>
+          <a:prstGeom prst="rect">
+            <a:avLst/>
+          </a:prstGeom>
+        </p:spPr>
+      </p:pic>
+    </p:spTree>
+    <p:extLst>
+      <p:ext uri="{BB962C8B-B14F-4D97-AF65-F5344CB8AC3E}">
+        <p14:creationId xmlns:p14="http://schemas.microsoft.com/office/powerpoint/2010/main" val="3076894843"/>
+      </p:ext>
+    </p:extLst>
+  </p:cSld>
+  <p:clrMapOvr>
+    <a:masterClrMapping/>
+  </p:clrMapOvr>
+  <p:timing>
+    <p:tnLst>
+      <p:par>
+        <p:cTn id="1" dur="indefinite" restart="never" nodeType="tmRoot"/>
+      </p:par>
+    </p:tnLst>
+  </p:timing>
+</p:sld>
+</file>
+
+<file path=ppt/slides/slide7.xml><?xml version="1.0" encoding="utf-8"?>
+<p:sld xmlns:a="http://schemas.openxmlformats.org/drawingml/2006/main" xmlns:r="http://schemas.openxmlformats.org/officeDocument/2006/relationships" xmlns:p="http://schemas.openxmlformats.org/presentationml/2006/main">
+  <p:cSld>
+    <p:spTree>
+      <p:nvGrpSpPr>
+        <p:cNvPr id="1" name=""/>
+        <p:cNvGrpSpPr/>
+        <p:nvPr/>
+      </p:nvGrpSpPr>
+      <p:grpSpPr>
+        <a:xfrm>
+          <a:off x="0" y="0"/>
+          <a:ext cx="0" cy="0"/>
+          <a:chOff x="0" y="0"/>
+          <a:chExt cx="0" cy="0"/>
+        </a:xfrm>
+      </p:grpSpPr>
+      <p:sp>
+        <p:nvSpPr>
+          <p:cNvPr id="2" name="Title 1">
+            <a:extLst>
+              <a:ext uri="{FF2B5EF4-FFF2-40B4-BE49-F238E27FC236}">
+                <a16:creationId xmlns="" xmlns:a16="http://schemas.microsoft.com/office/drawing/2014/main" id="{4DA57ACC-E929-4E4F-B5F4-004C092C4E18}"/>
+              </a:ext>
+            </a:extLst>
+          </p:cNvPr>
+          <p:cNvSpPr>
+            <a:spLocks noGrp="1"/>
+          </p:cNvSpPr>
+          <p:nvPr>
+            <p:ph type="title"/>
+          </p:nvPr>
+        </p:nvSpPr>
+        <p:spPr/>
+        <p:txBody>
+          <a:bodyPr>
+            <a:normAutofit/>
+          </a:bodyPr>
+          <a:lstStyle/>
+          <a:p>
+            <a:r>
+              <a:rPr lang="en-US" sz="4000" dirty="0" smtClean="0"/>
+              <a:t>Qualitative effects </a:t>
+            </a:r>
+            <a:r>
+              <a:rPr lang="en-US" sz="4000" dirty="0" err="1" smtClean="0"/>
+              <a:t>FRASim</a:t>
+            </a:r>
+            <a:r>
+              <a:rPr lang="en-US" sz="4000" dirty="0" smtClean="0"/>
+              <a:t> (low </a:t>
+            </a:r>
+            <a:r>
+              <a:rPr lang="en-US" sz="4000" dirty="0" smtClean="0">
+                <a:sym typeface="Symbol" panose="05050102010706020507" pitchFamily="18" charset="2"/>
+              </a:rPr>
+              <a:t> - high )</a:t>
+            </a:r>
+            <a:endParaRPr lang="en-US" sz="4000" dirty="0"/>
+          </a:p>
+        </p:txBody>
+      </p:sp>
+      <p:pic>
+        <p:nvPicPr>
+          <p:cNvPr id="4" name="Imagen 3"/>
+          <p:cNvPicPr>
+            <a:picLocks noChangeAspect="1"/>
+          </p:cNvPicPr>
+          <p:nvPr/>
+        </p:nvPicPr>
+        <p:blipFill>
+          <a:blip r:embed="rId2"/>
+          <a:stretch>
+            <a:fillRect/>
+          </a:stretch>
+        </p:blipFill>
+        <p:spPr>
+          <a:xfrm>
+            <a:off x="1680518" y="1544199"/>
+            <a:ext cx="8756950" cy="5085985"/>
+          </a:xfrm>
+          <a:prstGeom prst="rect">
+            <a:avLst/>
+          </a:prstGeom>
+        </p:spPr>
+      </p:pic>
+    </p:spTree>
+    <p:extLst>
+      <p:ext uri="{BB962C8B-B14F-4D97-AF65-F5344CB8AC3E}">
+        <p14:creationId xmlns:p14="http://schemas.microsoft.com/office/powerpoint/2010/main" val="1288622460"/>
+      </p:ext>
+    </p:extLst>
+  </p:cSld>
+  <p:clrMapOvr>
+    <a:masterClrMapping/>
+  </p:clrMapOvr>
+  <p:timing>
+    <p:tnLst>
+      <p:par>
+        <p:cTn id="1" dur="indefinite" restart="never" nodeType="tmRoot"/>
+      </p:par>
+    </p:tnLst>
+  </p:timing>
+</p:sld>
+</file>
+
+<file path=ppt/slides/slide8.xml><?xml version="1.0" encoding="utf-8"?>
+<p:sld xmlns:a="http://schemas.openxmlformats.org/drawingml/2006/main" xmlns:r="http://schemas.openxmlformats.org/officeDocument/2006/relationships" xmlns:p="http://schemas.openxmlformats.org/presentationml/2006/main">
+  <p:cSld>
+    <p:spTree>
+      <p:nvGrpSpPr>
+        <p:cNvPr id="1" name=""/>
+        <p:cNvGrpSpPr/>
+        <p:nvPr/>
+      </p:nvGrpSpPr>
+      <p:grpSpPr>
+        <a:xfrm>
+          <a:off x="0" y="0"/>
+          <a:ext cx="0" cy="0"/>
+          <a:chOff x="0" y="0"/>
+          <a:chExt cx="0" cy="0"/>
+        </a:xfrm>
+      </p:grpSpPr>
+      <p:sp>
+        <p:nvSpPr>
           <p:cNvPr id="2" name="Título 1"/>
           <p:cNvSpPr>
             <a:spLocks noGrp="1"/>
@@ -5066,7 +5158,7 @@
           <a:graphicData uri="http://schemas.openxmlformats.org/presentationml/2006/ole">
             <mc:AlternateContent xmlns:mc="http://schemas.openxmlformats.org/markup-compatibility/2006">
               <mc:Choice xmlns:v="urn:schemas-microsoft-com:vml" Requires="v">
-                <p:oleObj spid="_x0000_s1035" name="Acrobat Document" r:id="rId3" imgW="5486400" imgH="4114800" progId="AcroExch.Document.DC">
+                <p:oleObj spid="_x0000_s1040" name="Acrobat Document" r:id="rId3" imgW="5486400" imgH="4114800" progId="AcroExch.Document.DC">
                   <p:embed/>
                 </p:oleObj>
               </mc:Choice>
@@ -5155,7 +5247,7 @@
 </p:sld>
 </file>
 
-<file path=ppt/slides/slide5.xml><?xml version="1.0" encoding="utf-8"?>
+<file path=ppt/slides/slide9.xml><?xml version="1.0" encoding="utf-8"?>
 <p:sld xmlns:a="http://schemas.openxmlformats.org/drawingml/2006/main" xmlns:r="http://schemas.openxmlformats.org/officeDocument/2006/relationships" xmlns:p="http://schemas.openxmlformats.org/presentationml/2006/main">
   <p:cSld>
     <p:spTree>
@@ -5352,534 +5444,6 @@
       </p:par>
     </p:tnLst>
   </p:timing>
-</p:sld>
-</file>
-
-<file path=ppt/slides/slide6.xml><?xml version="1.0" encoding="utf-8"?>
-<p:sld xmlns:a="http://schemas.openxmlformats.org/drawingml/2006/main" xmlns:r="http://schemas.openxmlformats.org/officeDocument/2006/relationships" xmlns:p="http://schemas.openxmlformats.org/presentationml/2006/main">
-  <p:cSld>
-    <p:spTree>
-      <p:nvGrpSpPr>
-        <p:cNvPr id="1" name=""/>
-        <p:cNvGrpSpPr/>
-        <p:nvPr/>
-      </p:nvGrpSpPr>
-      <p:grpSpPr>
-        <a:xfrm>
-          <a:off x="0" y="0"/>
-          <a:ext cx="0" cy="0"/>
-          <a:chOff x="0" y="0"/>
-          <a:chExt cx="0" cy="0"/>
-        </a:xfrm>
-      </p:grpSpPr>
-      <p:pic>
-        <p:nvPicPr>
-          <p:cNvPr id="9" name="Imagen 8"/>
-          <p:cNvPicPr>
-            <a:picLocks noChangeAspect="1"/>
-          </p:cNvPicPr>
-          <p:nvPr/>
-        </p:nvPicPr>
-        <p:blipFill>
-          <a:blip r:embed="rId2"/>
-          <a:stretch>
-            <a:fillRect/>
-          </a:stretch>
-        </p:blipFill>
-        <p:spPr>
-          <a:xfrm>
-            <a:off x="1419809" y="1690688"/>
-            <a:ext cx="9352381" cy="5019048"/>
-          </a:xfrm>
-          <a:prstGeom prst="rect">
-            <a:avLst/>
-          </a:prstGeom>
-        </p:spPr>
-      </p:pic>
-      <p:sp>
-        <p:nvSpPr>
-          <p:cNvPr id="2" name="Title 1">
-            <a:extLst>
-              <a:ext uri="{FF2B5EF4-FFF2-40B4-BE49-F238E27FC236}">
-                <a16:creationId xmlns:a16="http://schemas.microsoft.com/office/drawing/2014/main" xmlns="" id="{7D641731-F534-2649-83FB-6F010DF1AD7C}"/>
-              </a:ext>
-            </a:extLst>
-          </p:cNvPr>
-          <p:cNvSpPr>
-            <a:spLocks noGrp="1"/>
-          </p:cNvSpPr>
-          <p:nvPr>
-            <p:ph type="title"/>
-          </p:nvPr>
-        </p:nvSpPr>
-        <p:spPr/>
-        <p:txBody>
-          <a:bodyPr/>
-          <a:lstStyle/>
-          <a:p>
-            <a:r>
-              <a:rPr lang="en-US" dirty="0"/>
-              <a:t>Qualitative effects (2 focal regions – high)</a:t>
-            </a:r>
-          </a:p>
-        </p:txBody>
-      </p:sp>
-      <p:sp>
-        <p:nvSpPr>
-          <p:cNvPr id="8" name="Frame 7">
-            <a:extLst>
-              <a:ext uri="{FF2B5EF4-FFF2-40B4-BE49-F238E27FC236}">
-                <a16:creationId xmlns:a16="http://schemas.microsoft.com/office/drawing/2014/main" xmlns="" id="{CB7CF0CF-074A-2540-BE74-0B81F99EC27E}"/>
-              </a:ext>
-            </a:extLst>
-          </p:cNvPr>
-          <p:cNvSpPr/>
-          <p:nvPr/>
-        </p:nvSpPr>
-        <p:spPr>
-          <a:xfrm>
-            <a:off x="5684108" y="6436426"/>
-            <a:ext cx="396057" cy="318601"/>
-          </a:xfrm>
-          <a:prstGeom prst="frame">
-            <a:avLst/>
-          </a:prstGeom>
-        </p:spPr>
-        <p:style>
-          <a:lnRef idx="2">
-            <a:schemeClr val="accent1">
-              <a:shade val="50000"/>
-            </a:schemeClr>
-          </a:lnRef>
-          <a:fillRef idx="1">
-            <a:schemeClr val="accent1"/>
-          </a:fillRef>
-          <a:effectRef idx="0">
-            <a:schemeClr val="accent1"/>
-          </a:effectRef>
-          <a:fontRef idx="minor">
-            <a:schemeClr val="lt1"/>
-          </a:fontRef>
-        </p:style>
-        <p:txBody>
-          <a:bodyPr rtlCol="0" anchor="ctr"/>
-          <a:lstStyle/>
-          <a:p>
-            <a:pPr algn="ctr"/>
-            <a:endParaRPr lang="en-US">
-              <a:solidFill>
-                <a:schemeClr val="tx1"/>
-              </a:solidFill>
-            </a:endParaRPr>
-          </a:p>
-        </p:txBody>
-      </p:sp>
-    </p:spTree>
-    <p:extLst>
-      <p:ext uri="{BB962C8B-B14F-4D97-AF65-F5344CB8AC3E}">
-        <p14:creationId xmlns:p14="http://schemas.microsoft.com/office/powerpoint/2010/main" val="635208736"/>
-      </p:ext>
-    </p:extLst>
-  </p:cSld>
-  <p:clrMapOvr>
-    <a:masterClrMapping/>
-  </p:clrMapOvr>
-</p:sld>
-</file>
-
-<file path=ppt/slides/slide7.xml><?xml version="1.0" encoding="utf-8"?>
-<p:sld xmlns:a="http://schemas.openxmlformats.org/drawingml/2006/main" xmlns:r="http://schemas.openxmlformats.org/officeDocument/2006/relationships" xmlns:p="http://schemas.openxmlformats.org/presentationml/2006/main">
-  <p:cSld>
-    <p:spTree>
-      <p:nvGrpSpPr>
-        <p:cNvPr id="1" name=""/>
-        <p:cNvGrpSpPr/>
-        <p:nvPr/>
-      </p:nvGrpSpPr>
-      <p:grpSpPr>
-        <a:xfrm>
-          <a:off x="0" y="0"/>
-          <a:ext cx="0" cy="0"/>
-          <a:chOff x="0" y="0"/>
-          <a:chExt cx="0" cy="0"/>
-        </a:xfrm>
-      </p:grpSpPr>
-      <p:pic>
-        <p:nvPicPr>
-          <p:cNvPr id="5" name="Imagen 4"/>
-          <p:cNvPicPr>
-            <a:picLocks noChangeAspect="1"/>
-          </p:cNvPicPr>
-          <p:nvPr/>
-        </p:nvPicPr>
-        <p:blipFill>
-          <a:blip r:embed="rId2"/>
-          <a:stretch>
-            <a:fillRect/>
-          </a:stretch>
-        </p:blipFill>
-        <p:spPr>
-          <a:xfrm>
-            <a:off x="1505524" y="1690688"/>
-            <a:ext cx="9180952" cy="5019048"/>
-          </a:xfrm>
-          <a:prstGeom prst="rect">
-            <a:avLst/>
-          </a:prstGeom>
-        </p:spPr>
-      </p:pic>
-      <p:sp>
-        <p:nvSpPr>
-          <p:cNvPr id="2" name="Title 1">
-            <a:extLst>
-              <a:ext uri="{FF2B5EF4-FFF2-40B4-BE49-F238E27FC236}">
-                <a16:creationId xmlns:a16="http://schemas.microsoft.com/office/drawing/2014/main" xmlns="" id="{7D641731-F534-2649-83FB-6F010DF1AD7C}"/>
-              </a:ext>
-            </a:extLst>
-          </p:cNvPr>
-          <p:cNvSpPr>
-            <a:spLocks noGrp="1"/>
-          </p:cNvSpPr>
-          <p:nvPr>
-            <p:ph type="title"/>
-          </p:nvPr>
-        </p:nvSpPr>
-        <p:spPr/>
-        <p:txBody>
-          <a:bodyPr/>
-          <a:lstStyle/>
-          <a:p>
-            <a:r>
-              <a:rPr lang="en-US" dirty="0"/>
-              <a:t>Qualitative effects (2 focal regions – medium)</a:t>
-            </a:r>
-          </a:p>
-        </p:txBody>
-      </p:sp>
-      <p:sp>
-        <p:nvSpPr>
-          <p:cNvPr id="6" name="Frame 7">
-            <a:extLst>
-              <a:ext uri="{FF2B5EF4-FFF2-40B4-BE49-F238E27FC236}">
-                <a16:creationId xmlns:a16="http://schemas.microsoft.com/office/drawing/2014/main" xmlns="" id="{CB7CF0CF-074A-2540-BE74-0B81F99EC27E}"/>
-              </a:ext>
-            </a:extLst>
-          </p:cNvPr>
-          <p:cNvSpPr/>
-          <p:nvPr/>
-        </p:nvSpPr>
-        <p:spPr>
-          <a:xfrm>
-            <a:off x="5684108" y="6436426"/>
-            <a:ext cx="396057" cy="318601"/>
-          </a:xfrm>
-          <a:prstGeom prst="frame">
-            <a:avLst/>
-          </a:prstGeom>
-        </p:spPr>
-        <p:style>
-          <a:lnRef idx="2">
-            <a:schemeClr val="accent1">
-              <a:shade val="50000"/>
-            </a:schemeClr>
-          </a:lnRef>
-          <a:fillRef idx="1">
-            <a:schemeClr val="accent1"/>
-          </a:fillRef>
-          <a:effectRef idx="0">
-            <a:schemeClr val="accent1"/>
-          </a:effectRef>
-          <a:fontRef idx="minor">
-            <a:schemeClr val="lt1"/>
-          </a:fontRef>
-        </p:style>
-        <p:txBody>
-          <a:bodyPr rtlCol="0" anchor="ctr"/>
-          <a:lstStyle/>
-          <a:p>
-            <a:pPr algn="ctr"/>
-            <a:endParaRPr lang="en-US">
-              <a:solidFill>
-                <a:schemeClr val="tx1"/>
-              </a:solidFill>
-            </a:endParaRPr>
-          </a:p>
-        </p:txBody>
-      </p:sp>
-    </p:spTree>
-    <p:extLst>
-      <p:ext uri="{BB962C8B-B14F-4D97-AF65-F5344CB8AC3E}">
-        <p14:creationId xmlns:p14="http://schemas.microsoft.com/office/powerpoint/2010/main" val="2711302745"/>
-      </p:ext>
-    </p:extLst>
-  </p:cSld>
-  <p:clrMapOvr>
-    <a:masterClrMapping/>
-  </p:clrMapOvr>
-</p:sld>
-</file>
-
-<file path=ppt/slides/slide8.xml><?xml version="1.0" encoding="utf-8"?>
-<p:sld xmlns:a="http://schemas.openxmlformats.org/drawingml/2006/main" xmlns:r="http://schemas.openxmlformats.org/officeDocument/2006/relationships" xmlns:p="http://schemas.openxmlformats.org/presentationml/2006/main">
-  <p:cSld>
-    <p:spTree>
-      <p:nvGrpSpPr>
-        <p:cNvPr id="1" name=""/>
-        <p:cNvGrpSpPr/>
-        <p:nvPr/>
-      </p:nvGrpSpPr>
-      <p:grpSpPr>
-        <a:xfrm>
-          <a:off x="0" y="0"/>
-          <a:ext cx="0" cy="0"/>
-          <a:chOff x="0" y="0"/>
-          <a:chExt cx="0" cy="0"/>
-        </a:xfrm>
-      </p:grpSpPr>
-      <p:sp>
-        <p:nvSpPr>
-          <p:cNvPr id="2" name="Title 1">
-            <a:extLst>
-              <a:ext uri="{FF2B5EF4-FFF2-40B4-BE49-F238E27FC236}">
-                <a16:creationId xmlns:a16="http://schemas.microsoft.com/office/drawing/2014/main" xmlns="" id="{7D641731-F534-2649-83FB-6F010DF1AD7C}"/>
-              </a:ext>
-            </a:extLst>
-          </p:cNvPr>
-          <p:cNvSpPr>
-            <a:spLocks noGrp="1"/>
-          </p:cNvSpPr>
-          <p:nvPr>
-            <p:ph type="title"/>
-          </p:nvPr>
-        </p:nvSpPr>
-        <p:spPr/>
-        <p:txBody>
-          <a:bodyPr/>
-          <a:lstStyle/>
-          <a:p>
-            <a:r>
-              <a:rPr lang="en-US" dirty="0"/>
-              <a:t>Qualitative effects (2 focal regions – low)</a:t>
-            </a:r>
-          </a:p>
-        </p:txBody>
-      </p:sp>
-      <p:pic>
-        <p:nvPicPr>
-          <p:cNvPr id="3" name="Imagen 2"/>
-          <p:cNvPicPr>
-            <a:picLocks noChangeAspect="1"/>
-          </p:cNvPicPr>
-          <p:nvPr/>
-        </p:nvPicPr>
-        <p:blipFill>
-          <a:blip r:embed="rId2"/>
-          <a:stretch>
-            <a:fillRect/>
-          </a:stretch>
-        </p:blipFill>
-        <p:spPr>
-          <a:xfrm>
-            <a:off x="1505524" y="1690688"/>
-            <a:ext cx="9180952" cy="5019048"/>
-          </a:xfrm>
-          <a:prstGeom prst="rect">
-            <a:avLst/>
-          </a:prstGeom>
-        </p:spPr>
-      </p:pic>
-      <p:sp>
-        <p:nvSpPr>
-          <p:cNvPr id="6" name="Frame 7">
-            <a:extLst>
-              <a:ext uri="{FF2B5EF4-FFF2-40B4-BE49-F238E27FC236}">
-                <a16:creationId xmlns:a16="http://schemas.microsoft.com/office/drawing/2014/main" xmlns="" id="{CB7CF0CF-074A-2540-BE74-0B81F99EC27E}"/>
-              </a:ext>
-            </a:extLst>
-          </p:cNvPr>
-          <p:cNvSpPr/>
-          <p:nvPr/>
-        </p:nvSpPr>
-        <p:spPr>
-          <a:xfrm>
-            <a:off x="5684108" y="6436426"/>
-            <a:ext cx="396057" cy="318601"/>
-          </a:xfrm>
-          <a:prstGeom prst="frame">
-            <a:avLst/>
-          </a:prstGeom>
-        </p:spPr>
-        <p:style>
-          <a:lnRef idx="2">
-            <a:schemeClr val="accent1">
-              <a:shade val="50000"/>
-            </a:schemeClr>
-          </a:lnRef>
-          <a:fillRef idx="1">
-            <a:schemeClr val="accent1"/>
-          </a:fillRef>
-          <a:effectRef idx="0">
-            <a:schemeClr val="accent1"/>
-          </a:effectRef>
-          <a:fontRef idx="minor">
-            <a:schemeClr val="lt1"/>
-          </a:fontRef>
-        </p:style>
-        <p:txBody>
-          <a:bodyPr rtlCol="0" anchor="ctr"/>
-          <a:lstStyle/>
-          <a:p>
-            <a:pPr algn="ctr"/>
-            <a:endParaRPr lang="en-US">
-              <a:solidFill>
-                <a:schemeClr val="tx1"/>
-              </a:solidFill>
-            </a:endParaRPr>
-          </a:p>
-        </p:txBody>
-      </p:sp>
-    </p:spTree>
-    <p:extLst>
-      <p:ext uri="{BB962C8B-B14F-4D97-AF65-F5344CB8AC3E}">
-        <p14:creationId xmlns:p14="http://schemas.microsoft.com/office/powerpoint/2010/main" val="943131144"/>
-      </p:ext>
-    </p:extLst>
-  </p:cSld>
-  <p:clrMapOvr>
-    <a:masterClrMapping/>
-  </p:clrMapOvr>
-</p:sld>
-</file>
-
-<file path=ppt/slides/slide9.xml><?xml version="1.0" encoding="utf-8"?>
-<p:sld xmlns:a="http://schemas.openxmlformats.org/drawingml/2006/main" xmlns:r="http://schemas.openxmlformats.org/officeDocument/2006/relationships" xmlns:p="http://schemas.openxmlformats.org/presentationml/2006/main">
-  <p:cSld>
-    <p:spTree>
-      <p:nvGrpSpPr>
-        <p:cNvPr id="1" name=""/>
-        <p:cNvGrpSpPr/>
-        <p:nvPr/>
-      </p:nvGrpSpPr>
-      <p:grpSpPr>
-        <a:xfrm>
-          <a:off x="0" y="0"/>
-          <a:ext cx="0" cy="0"/>
-          <a:chOff x="0" y="0"/>
-          <a:chExt cx="0" cy="0"/>
-        </a:xfrm>
-      </p:grpSpPr>
-      <p:sp>
-        <p:nvSpPr>
-          <p:cNvPr id="2" name="Title 1">
-            <a:extLst>
-              <a:ext uri="{FF2B5EF4-FFF2-40B4-BE49-F238E27FC236}">
-                <a16:creationId xmlns:a16="http://schemas.microsoft.com/office/drawing/2014/main" xmlns="" id="{7D641731-F534-2649-83FB-6F010DF1AD7C}"/>
-              </a:ext>
-            </a:extLst>
-          </p:cNvPr>
-          <p:cNvSpPr>
-            <a:spLocks noGrp="1"/>
-          </p:cNvSpPr>
-          <p:nvPr>
-            <p:ph type="title"/>
-          </p:nvPr>
-        </p:nvSpPr>
-        <p:spPr/>
-        <p:txBody>
-          <a:bodyPr/>
-          <a:lstStyle/>
-          <a:p>
-            <a:r>
-              <a:rPr lang="en-US" dirty="0"/>
-              <a:t>Qualitative effects (2 focal regions – too low)</a:t>
-            </a:r>
-          </a:p>
-        </p:txBody>
-      </p:sp>
-      <p:pic>
-        <p:nvPicPr>
-          <p:cNvPr id="4" name="Imagen 3"/>
-          <p:cNvPicPr>
-            <a:picLocks noChangeAspect="1"/>
-          </p:cNvPicPr>
-          <p:nvPr/>
-        </p:nvPicPr>
-        <p:blipFill>
-          <a:blip r:embed="rId2"/>
-          <a:stretch>
-            <a:fillRect/>
-          </a:stretch>
-        </p:blipFill>
-        <p:spPr>
-          <a:xfrm>
-            <a:off x="1505524" y="1690688"/>
-            <a:ext cx="9180952" cy="5019048"/>
-          </a:xfrm>
-          <a:prstGeom prst="rect">
-            <a:avLst/>
-          </a:prstGeom>
-        </p:spPr>
-      </p:pic>
-      <p:sp>
-        <p:nvSpPr>
-          <p:cNvPr id="6" name="Frame 7">
-            <a:extLst>
-              <a:ext uri="{FF2B5EF4-FFF2-40B4-BE49-F238E27FC236}">
-                <a16:creationId xmlns:a16="http://schemas.microsoft.com/office/drawing/2014/main" xmlns="" id="{CB7CF0CF-074A-2540-BE74-0B81F99EC27E}"/>
-              </a:ext>
-            </a:extLst>
-          </p:cNvPr>
-          <p:cNvSpPr/>
-          <p:nvPr/>
-        </p:nvSpPr>
-        <p:spPr>
-          <a:xfrm>
-            <a:off x="5684108" y="6436426"/>
-            <a:ext cx="396057" cy="318601"/>
-          </a:xfrm>
-          <a:prstGeom prst="frame">
-            <a:avLst/>
-          </a:prstGeom>
-        </p:spPr>
-        <p:style>
-          <a:lnRef idx="2">
-            <a:schemeClr val="accent1">
-              <a:shade val="50000"/>
-            </a:schemeClr>
-          </a:lnRef>
-          <a:fillRef idx="1">
-            <a:schemeClr val="accent1"/>
-          </a:fillRef>
-          <a:effectRef idx="0">
-            <a:schemeClr val="accent1"/>
-          </a:effectRef>
-          <a:fontRef idx="minor">
-            <a:schemeClr val="lt1"/>
-          </a:fontRef>
-        </p:style>
-        <p:txBody>
-          <a:bodyPr rtlCol="0" anchor="ctr"/>
-          <a:lstStyle/>
-          <a:p>
-            <a:pPr algn="ctr"/>
-            <a:endParaRPr lang="en-US">
-              <a:solidFill>
-                <a:schemeClr val="tx1"/>
-              </a:solidFill>
-            </a:endParaRPr>
-          </a:p>
-        </p:txBody>
-      </p:sp>
-    </p:spTree>
-    <p:extLst>
-      <p:ext uri="{BB962C8B-B14F-4D97-AF65-F5344CB8AC3E}">
-        <p14:creationId xmlns:p14="http://schemas.microsoft.com/office/powerpoint/2010/main" val="3642458735"/>
-      </p:ext>
-    </p:extLst>
-  </p:cSld>
-  <p:clrMapOvr>
-    <a:masterClrMapping/>
-  </p:clrMapOvr>
 </p:sld>
 </file>
 
